--- a/docs/TSEA29 - presentation v.01.pptx
+++ b/docs/TSEA29 - presentation v.01.pptx
@@ -121,6 +121,22 @@
       </a:defRPr>
     </a:lvl9pPr>
   </p:defaultTextStyle>
+  <p:extLst>
+    <p:ext uri="{EFAFB233-063F-42B5-8137-9DF3F51BA10A}">
+      <p15:sldGuideLst xmlns:p15="http://schemas.microsoft.com/office/powerpoint/2012/main">
+        <p15:guide id="1" orient="horz" pos="2160">
+          <p15:clr>
+            <a:srgbClr val="A4A3A4"/>
+          </p15:clr>
+        </p15:guide>
+        <p15:guide id="2" pos="3840">
+          <p15:clr>
+            <a:srgbClr val="A4A3A4"/>
+          </p15:clr>
+        </p15:guide>
+      </p15:sldGuideLst>
+    </p:ext>
+  </p:extLst>
 </p:presentation>
 </file>
 
@@ -210,7 +226,7 @@
           <a:p>
             <a:fld id="{92206B37-F95E-459A-92E2-3A3D95FFBC5E}" type="datetime1">
               <a:rPr lang="sv-SE" smtClean="0"/>
-              <a:t>2015-12-11</a:t>
+              <a:t>2015-12-15</a:t>
             </a:fld>
             <a:endParaRPr lang="sv-SE"/>
           </a:p>
@@ -380,7 +396,7 @@
           <a:p>
             <a:fld id="{DF652A02-AEA1-43A1-B1E1-23388C03635E}" type="datetime1">
               <a:rPr lang="sv-SE" smtClean="0"/>
-              <a:t>2015-12-11</a:t>
+              <a:t>2015-12-15</a:t>
             </a:fld>
             <a:endParaRPr lang="sv-SE"/>
           </a:p>
@@ -882,7 +898,7 @@
           <a:p>
             <a:fld id="{01FFC9F0-380B-4836-B484-B7E1886CF47D}" type="datetime1">
               <a:rPr lang="sv-SE" smtClean="0"/>
-              <a:t>2015-12-11</a:t>
+              <a:t>2015-12-15</a:t>
             </a:fld>
             <a:endParaRPr lang="sv-SE"/>
           </a:p>
@@ -1109,7 +1125,7 @@
           <a:p>
             <a:fld id="{01FFC9F0-380B-4836-B484-B7E1886CF47D}" type="datetime1">
               <a:rPr lang="sv-SE" smtClean="0"/>
-              <a:t>2015-12-11</a:t>
+              <a:t>2015-12-15</a:t>
             </a:fld>
             <a:endParaRPr lang="sv-SE"/>
           </a:p>
@@ -1285,7 +1301,7 @@
           <a:p>
             <a:fld id="{01FFC9F0-380B-4836-B484-B7E1886CF47D}" type="datetime1">
               <a:rPr lang="sv-SE" smtClean="0"/>
-              <a:t>2015-12-11</a:t>
+              <a:t>2015-12-15</a:t>
             </a:fld>
             <a:endParaRPr lang="sv-SE"/>
           </a:p>
@@ -1451,7 +1467,7 @@
           <a:p>
             <a:fld id="{01FFC9F0-380B-4836-B484-B7E1886CF47D}" type="datetime1">
               <a:rPr lang="sv-SE" smtClean="0"/>
-              <a:t>2015-12-11</a:t>
+              <a:t>2015-12-15</a:t>
             </a:fld>
             <a:endParaRPr lang="sv-SE"/>
           </a:p>
@@ -1696,7 +1712,7 @@
           <a:p>
             <a:fld id="{01FFC9F0-380B-4836-B484-B7E1886CF47D}" type="datetime1">
               <a:rPr lang="sv-SE" smtClean="0"/>
-              <a:t>2015-12-11</a:t>
+              <a:t>2015-12-15</a:t>
             </a:fld>
             <a:endParaRPr lang="sv-SE"/>
           </a:p>
@@ -1961,7 +1977,7 @@
           <a:p>
             <a:fld id="{01FFC9F0-380B-4836-B484-B7E1886CF47D}" type="datetime1">
               <a:rPr lang="sv-SE" smtClean="0"/>
-              <a:t>2015-12-11</a:t>
+              <a:t>2015-12-15</a:t>
             </a:fld>
             <a:endParaRPr lang="sv-SE"/>
           </a:p>
@@ -2336,7 +2352,7 @@
           <a:p>
             <a:fld id="{01FFC9F0-380B-4836-B484-B7E1886CF47D}" type="datetime1">
               <a:rPr lang="sv-SE" smtClean="0"/>
-              <a:t>2015-12-11</a:t>
+              <a:t>2015-12-15</a:t>
             </a:fld>
             <a:endParaRPr lang="sv-SE"/>
           </a:p>
@@ -2450,7 +2466,7 @@
           <a:p>
             <a:fld id="{01FFC9F0-380B-4836-B484-B7E1886CF47D}" type="datetime1">
               <a:rPr lang="sv-SE" smtClean="0"/>
-              <a:t>2015-12-11</a:t>
+              <a:t>2015-12-15</a:t>
             </a:fld>
             <a:endParaRPr lang="sv-SE"/>
           </a:p>
@@ -2541,7 +2557,7 @@
           <a:p>
             <a:fld id="{01FFC9F0-380B-4836-B484-B7E1886CF47D}" type="datetime1">
               <a:rPr lang="sv-SE" smtClean="0"/>
-              <a:t>2015-12-11</a:t>
+              <a:t>2015-12-15</a:t>
             </a:fld>
             <a:endParaRPr lang="sv-SE"/>
           </a:p>
@@ -2800,7 +2816,7 @@
           <a:p>
             <a:fld id="{01FFC9F0-380B-4836-B484-B7E1886CF47D}" type="datetime1">
               <a:rPr lang="sv-SE" smtClean="0"/>
-              <a:t>2015-12-11</a:t>
+              <a:t>2015-12-15</a:t>
             </a:fld>
             <a:endParaRPr lang="sv-SE"/>
           </a:p>
@@ -3065,7 +3081,7 @@
           <a:p>
             <a:fld id="{01FFC9F0-380B-4836-B484-B7E1886CF47D}" type="datetime1">
               <a:rPr lang="sv-SE" smtClean="0"/>
-              <a:t>2015-12-11</a:t>
+              <a:t>2015-12-15</a:t>
             </a:fld>
             <a:endParaRPr lang="sv-SE"/>
           </a:p>
@@ -3283,7 +3299,7 @@
           <a:p>
             <a:fld id="{01FFC9F0-380B-4836-B484-B7E1886CF47D}" type="datetime1">
               <a:rPr lang="sv-SE" smtClean="0"/>
-              <a:t>2015-12-11</a:t>
+              <a:t>2015-12-15</a:t>
             </a:fld>
             <a:endParaRPr lang="sv-SE"/>
           </a:p>
@@ -4585,7 +4601,7 @@
             <p:ph idx="1"/>
             <p:extLst>
               <p:ext uri="{D42A27DB-BD31-4B8C-83A1-F6EECF244321}">
-                <p14:modId xmlns:p14="http://schemas.microsoft.com/office/powerpoint/2010/main" val="2113449230"/>
+                <p14:modId xmlns:p14="http://schemas.microsoft.com/office/powerpoint/2010/main" val="136181244"/>
               </p:ext>
             </p:extLst>
           </p:nvPr>
@@ -4698,7 +4714,11 @@
                     <a:p>
                       <a:r>
                         <a:rPr lang="sv-SE" dirty="0" smtClean="0"/>
-                        <a:t>Mattias Ulmtstedt</a:t>
+                        <a:t>Mattias </a:t>
+                      </a:r>
+                      <a:r>
+                        <a:rPr lang="sv-SE" dirty="0" smtClean="0"/>
+                        <a:t>Ulmstedt</a:t>
                       </a:r>
                       <a:endParaRPr lang="sv-SE" dirty="0"/>
                     </a:p>
@@ -4724,7 +4744,11 @@
                     <a:p>
                       <a:r>
                         <a:rPr lang="sv-SE" dirty="0" smtClean="0"/>
-                        <a:t>Joacim Ståhlberg</a:t>
+                        <a:t>Joacim </a:t>
+                      </a:r>
+                      <a:r>
+                        <a:rPr lang="sv-SE" dirty="0" smtClean="0"/>
+                        <a:t>Stålberg</a:t>
                       </a:r>
                       <a:endParaRPr lang="sv-SE" dirty="0"/>
                     </a:p>
@@ -4736,7 +4760,7 @@
                     <a:bodyPr/>
                     <a:lstStyle/>
                     <a:p>
-                      <a:endParaRPr lang="sv-SE"/>
+                      <a:endParaRPr lang="sv-SE" dirty="0"/>
                     </a:p>
                   </a:txBody>
                   <a:tcPr marL="99754" marR="99754"/>
@@ -4784,7 +4808,15 @@
                       </a:r>
                       <a:r>
                         <a:rPr lang="sv-SE" baseline="0" dirty="0" smtClean="0"/>
-                        <a:t> Tchou</a:t>
+                        <a:t> </a:t>
+                      </a:r>
+                      <a:r>
+                        <a:rPr lang="sv-SE" baseline="0" dirty="0" err="1" smtClean="0"/>
+                        <a:t>Tchou</a:t>
+                      </a:r>
+                      <a:r>
+                        <a:rPr lang="sv-SE" baseline="0" dirty="0" smtClean="0"/>
+                        <a:t> </a:t>
                       </a:r>
                       <a:endParaRPr lang="sv-SE" dirty="0"/>
                     </a:p>
@@ -4831,118 +4863,6 @@
       </p:sp>
       <p:pic>
         <p:nvPicPr>
-          <p:cNvPr id="2050" name="Picture 2" descr="Johan Olin"/>
-          <p:cNvPicPr>
-            <a:picLocks noChangeAspect="1" noChangeArrowheads="1"/>
-          </p:cNvPicPr>
-          <p:nvPr/>
-        </p:nvPicPr>
-        <p:blipFill>
-          <a:blip r:embed="rId3">
-            <a:extLst>
-              <a:ext uri="{28A0092B-C50C-407E-A947-70E740481C1C}">
-                <a14:useLocalDpi xmlns:a14="http://schemas.microsoft.com/office/drawing/2010/main" val="0"/>
-              </a:ext>
-            </a:extLst>
-          </a:blip>
-          <a:srcRect/>
-          <a:stretch>
-            <a:fillRect/>
-          </a:stretch>
-        </p:blipFill>
-        <p:spPr bwMode="auto">
-          <a:xfrm>
-            <a:off x="601624" y="4442328"/>
-            <a:ext cx="1524000" cy="1524001"/>
-          </a:xfrm>
-          <a:prstGeom prst="rect">
-            <a:avLst/>
-          </a:prstGeom>
-          <a:noFill/>
-          <a:extLst>
-            <a:ext uri="{909E8E84-426E-40DD-AFC4-6F175D3DCCD1}">
-              <a14:hiddenFill xmlns:a14="http://schemas.microsoft.com/office/drawing/2010/main">
-                <a:solidFill>
-                  <a:srgbClr val="FFFFFF"/>
-                </a:solidFill>
-              </a14:hiddenFill>
-            </a:ext>
-          </a:extLst>
-        </p:spPr>
-      </p:pic>
-      <p:sp>
-        <p:nvSpPr>
-          <p:cNvPr id="3" name="TextBox 2"/>
-          <p:cNvSpPr txBox="1"/>
-          <p:nvPr/>
-        </p:nvSpPr>
-        <p:spPr>
-          <a:xfrm>
-            <a:off x="2352907" y="4604163"/>
-            <a:ext cx="3568391" cy="1477328"/>
-          </a:xfrm>
-          <a:prstGeom prst="rect">
-            <a:avLst/>
-          </a:prstGeom>
-          <a:noFill/>
-        </p:spPr>
-        <p:txBody>
-          <a:bodyPr wrap="square" rtlCol="0">
-            <a:spAutoFit/>
-          </a:bodyPr>
-          <a:lstStyle/>
-          <a:p>
-            <a:r>
-              <a:rPr lang="sv-SE" dirty="0" smtClean="0"/>
-              <a:t>Namn:	Johan Olin</a:t>
-            </a:r>
-            <a:br>
-              <a:rPr lang="sv-SE" dirty="0" smtClean="0"/>
-            </a:br>
-            <a:r>
-              <a:rPr lang="sv-SE" dirty="0" smtClean="0"/>
-              <a:t>Tel:	073-1337 101</a:t>
-            </a:r>
-            <a:br>
-              <a:rPr lang="sv-SE" dirty="0" smtClean="0"/>
-            </a:br>
-            <a:r>
-              <a:rPr lang="sv-SE" dirty="0" smtClean="0"/>
-              <a:t>E-post:	</a:t>
-            </a:r>
-            <a:r>
-              <a:rPr lang="sv-SE" dirty="0" smtClean="0">
-                <a:hlinkClick r:id="rId4"/>
-              </a:rPr>
-              <a:t>johol009@student.liu.se</a:t>
-            </a:r>
-            <a:r>
-              <a:rPr lang="sv-SE" dirty="0" smtClean="0"/>
-              <a:t/>
-            </a:r>
-            <a:br>
-              <a:rPr lang="sv-SE" dirty="0" smtClean="0"/>
-            </a:br>
-            <a:r>
-              <a:rPr lang="sv-SE" dirty="0" smtClean="0"/>
-              <a:t>Org:	</a:t>
-            </a:r>
-            <a:r>
-              <a:rPr lang="sv-SE" dirty="0" smtClean="0"/>
-              <a:t>LiU</a:t>
-            </a:r>
-          </a:p>
-          <a:p>
-            <a:r>
-              <a:rPr lang="sv-SE" dirty="0" smtClean="0"/>
-              <a:t>Status:	Okänd</a:t>
-            </a:r>
-            <a:endParaRPr lang="sv-SE" dirty="0" smtClean="0"/>
-          </a:p>
-        </p:txBody>
-      </p:sp>
-      <p:pic>
-        <p:nvPicPr>
           <p:cNvPr id="11" name="Bildobjekt 9"/>
           <p:cNvPicPr>
             <a:picLocks noChangeAspect="1"/>
@@ -4950,7 +4870,7 @@
           <p:nvPr/>
         </p:nvPicPr>
         <p:blipFill>
-          <a:blip r:embed="rId5">
+          <a:blip r:embed="rId3">
             <a:extLst>
               <a:ext uri="{28A0092B-C50C-407E-A947-70E740481C1C}">
                 <a14:useLocalDpi xmlns:a14="http://schemas.microsoft.com/office/drawing/2010/main" val="0"/>
@@ -5096,7 +5016,15 @@
             </a:br>
             <a:r>
               <a:rPr lang="sv-SE" dirty="0" smtClean="0"/>
-              <a:t>	arbeta med större projekt</a:t>
+              <a:t>	arbeta </a:t>
+            </a:r>
+            <a:r>
+              <a:rPr lang="sv-SE" dirty="0" smtClean="0"/>
+              <a:t>i större </a:t>
+            </a:r>
+            <a:r>
+              <a:rPr lang="sv-SE" dirty="0" smtClean="0"/>
+              <a:t>projekt</a:t>
             </a:r>
             <a:endParaRPr lang="sv-SE" dirty="0"/>
           </a:p>
@@ -5113,8 +5041,13 @@
             </a:br>
             <a:r>
               <a:rPr lang="sv-SE" dirty="0" smtClean="0"/>
-              <a:t>	Konstruera en robot enligt kundens krav</a:t>
-            </a:r>
+              <a:t>	Konstruera </a:t>
+            </a:r>
+            <a:r>
+              <a:rPr lang="sv-SE" dirty="0" smtClean="0"/>
+              <a:t>en kamprobot</a:t>
+            </a:r>
+            <a:endParaRPr lang="sv-SE" dirty="0" smtClean="0"/>
           </a:p>
           <a:p>
             <a:pPr marL="0" indent="0">
@@ -5218,7 +5151,213 @@
   <p:timing>
     <p:tnLst>
       <p:par>
-        <p:cTn id="1" dur="indefinite" restart="never" nodeType="tmRoot"/>
+        <p:cTn id="1" dur="indefinite" restart="never" nodeType="tmRoot">
+          <p:childTnLst>
+            <p:seq concurrent="1" nextAc="seek">
+              <p:cTn id="2" dur="indefinite" nodeType="mainSeq">
+                <p:childTnLst>
+                  <p:par>
+                    <p:cTn id="3" fill="hold">
+                      <p:stCondLst>
+                        <p:cond delay="indefinite"/>
+                      </p:stCondLst>
+                      <p:childTnLst>
+                        <p:par>
+                          <p:cTn id="4" fill="hold">
+                            <p:stCondLst>
+                              <p:cond delay="0"/>
+                            </p:stCondLst>
+                            <p:childTnLst>
+                              <p:par>
+                                <p:cTn id="5" presetID="10" presetClass="entr" presetSubtype="0" fill="hold" nodeType="clickEffect">
+                                  <p:stCondLst>
+                                    <p:cond delay="0"/>
+                                  </p:stCondLst>
+                                  <p:childTnLst>
+                                    <p:set>
+                                      <p:cBhvr>
+                                        <p:cTn id="6" dur="1" fill="hold">
+                                          <p:stCondLst>
+                                            <p:cond delay="0"/>
+                                          </p:stCondLst>
+                                        </p:cTn>
+                                        <p:tgtEl>
+                                          <p:spTgt spid="3">
+                                            <p:txEl>
+                                              <p:pRg st="1" end="1"/>
+                                            </p:txEl>
+                                          </p:spTgt>
+                                        </p:tgtEl>
+                                        <p:attrNameLst>
+                                          <p:attrName>style.visibility</p:attrName>
+                                        </p:attrNameLst>
+                                      </p:cBhvr>
+                                      <p:to>
+                                        <p:strVal val="visible"/>
+                                      </p:to>
+                                    </p:set>
+                                    <p:animEffect transition="in" filter="fade">
+                                      <p:cBhvr>
+                                        <p:cTn id="7" dur="500"/>
+                                        <p:tgtEl>
+                                          <p:spTgt spid="3">
+                                            <p:txEl>
+                                              <p:pRg st="1" end="1"/>
+                                            </p:txEl>
+                                          </p:spTgt>
+                                        </p:tgtEl>
+                                      </p:cBhvr>
+                                    </p:animEffect>
+                                  </p:childTnLst>
+                                </p:cTn>
+                              </p:par>
+                            </p:childTnLst>
+                          </p:cTn>
+                        </p:par>
+                      </p:childTnLst>
+                    </p:cTn>
+                  </p:par>
+                  <p:par>
+                    <p:cTn id="8" fill="hold">
+                      <p:stCondLst>
+                        <p:cond delay="indefinite"/>
+                      </p:stCondLst>
+                      <p:childTnLst>
+                        <p:par>
+                          <p:cTn id="9" fill="hold">
+                            <p:stCondLst>
+                              <p:cond delay="0"/>
+                            </p:stCondLst>
+                            <p:childTnLst>
+                              <p:par>
+                                <p:cTn id="10" presetID="10" presetClass="entr" presetSubtype="0" fill="hold" nodeType="clickEffect">
+                                  <p:stCondLst>
+                                    <p:cond delay="0"/>
+                                  </p:stCondLst>
+                                  <p:childTnLst>
+                                    <p:set>
+                                      <p:cBhvr>
+                                        <p:cTn id="11" dur="1" fill="hold">
+                                          <p:stCondLst>
+                                            <p:cond delay="0"/>
+                                          </p:stCondLst>
+                                        </p:cTn>
+                                        <p:tgtEl>
+                                          <p:spTgt spid="3">
+                                            <p:txEl>
+                                              <p:pRg st="2" end="2"/>
+                                            </p:txEl>
+                                          </p:spTgt>
+                                        </p:tgtEl>
+                                        <p:attrNameLst>
+                                          <p:attrName>style.visibility</p:attrName>
+                                        </p:attrNameLst>
+                                      </p:cBhvr>
+                                      <p:to>
+                                        <p:strVal val="visible"/>
+                                      </p:to>
+                                    </p:set>
+                                    <p:animEffect transition="in" filter="fade">
+                                      <p:cBhvr>
+                                        <p:cTn id="12" dur="500"/>
+                                        <p:tgtEl>
+                                          <p:spTgt spid="3">
+                                            <p:txEl>
+                                              <p:pRg st="2" end="2"/>
+                                            </p:txEl>
+                                          </p:spTgt>
+                                        </p:tgtEl>
+                                      </p:cBhvr>
+                                    </p:animEffect>
+                                  </p:childTnLst>
+                                </p:cTn>
+                              </p:par>
+                            </p:childTnLst>
+                          </p:cTn>
+                        </p:par>
+                      </p:childTnLst>
+                    </p:cTn>
+                  </p:par>
+                  <p:par>
+                    <p:cTn id="13" fill="hold">
+                      <p:stCondLst>
+                        <p:cond delay="indefinite"/>
+                      </p:stCondLst>
+                      <p:childTnLst>
+                        <p:par>
+                          <p:cTn id="14" fill="hold">
+                            <p:stCondLst>
+                              <p:cond delay="0"/>
+                            </p:stCondLst>
+                            <p:childTnLst>
+                              <p:par>
+                                <p:cTn id="15" presetID="10" presetClass="entr" presetSubtype="0" fill="hold" nodeType="clickEffect">
+                                  <p:stCondLst>
+                                    <p:cond delay="0"/>
+                                  </p:stCondLst>
+                                  <p:childTnLst>
+                                    <p:set>
+                                      <p:cBhvr>
+                                        <p:cTn id="16" dur="1" fill="hold">
+                                          <p:stCondLst>
+                                            <p:cond delay="0"/>
+                                          </p:stCondLst>
+                                        </p:cTn>
+                                        <p:tgtEl>
+                                          <p:spTgt spid="3">
+                                            <p:txEl>
+                                              <p:pRg st="3" end="3"/>
+                                            </p:txEl>
+                                          </p:spTgt>
+                                        </p:tgtEl>
+                                        <p:attrNameLst>
+                                          <p:attrName>style.visibility</p:attrName>
+                                        </p:attrNameLst>
+                                      </p:cBhvr>
+                                      <p:to>
+                                        <p:strVal val="visible"/>
+                                      </p:to>
+                                    </p:set>
+                                    <p:animEffect transition="in" filter="fade">
+                                      <p:cBhvr>
+                                        <p:cTn id="17" dur="500"/>
+                                        <p:tgtEl>
+                                          <p:spTgt spid="3">
+                                            <p:txEl>
+                                              <p:pRg st="3" end="3"/>
+                                            </p:txEl>
+                                          </p:spTgt>
+                                        </p:tgtEl>
+                                      </p:cBhvr>
+                                    </p:animEffect>
+                                  </p:childTnLst>
+                                </p:cTn>
+                              </p:par>
+                            </p:childTnLst>
+                          </p:cTn>
+                        </p:par>
+                      </p:childTnLst>
+                    </p:cTn>
+                  </p:par>
+                </p:childTnLst>
+              </p:cTn>
+              <p:prevCondLst>
+                <p:cond evt="onPrev" delay="0">
+                  <p:tgtEl>
+                    <p:sldTgt/>
+                  </p:tgtEl>
+                </p:cond>
+              </p:prevCondLst>
+              <p:nextCondLst>
+                <p:cond evt="onNext" delay="0">
+                  <p:tgtEl>
+                    <p:sldTgt/>
+                  </p:tgtEl>
+                </p:cond>
+              </p:nextCondLst>
+            </p:seq>
+          </p:childTnLst>
+        </p:cTn>
       </p:par>
     </p:tnLst>
   </p:timing>
@@ -5291,22 +5430,41 @@
               <a:buNone/>
             </a:pPr>
             <a:r>
-              <a:rPr lang="sv-SE" dirty="0" smtClean="0"/>
-              <a:t>Beskrivning av produkt:</a:t>
-            </a:r>
-            <a:br>
-              <a:rPr lang="sv-SE" dirty="0" smtClean="0"/>
-            </a:br>
-            <a:r>
-              <a:rPr lang="sv-SE" dirty="0" smtClean="0"/>
-              <a:t>	kort och koncist</a:t>
-            </a:r>
-            <a:br>
-              <a:rPr lang="sv-SE" dirty="0" smtClean="0"/>
-            </a:br>
-            <a:r>
-              <a:rPr lang="sv-SE" dirty="0" smtClean="0"/>
-              <a:t>	detaljer kommer efteråt</a:t>
+              <a:rPr lang="sv-SE" dirty="0"/>
+              <a:t>Ingående i produkt</a:t>
+            </a:r>
+            <a:r>
+              <a:rPr lang="sv-SE" dirty="0" smtClean="0"/>
+              <a:t>:</a:t>
+            </a:r>
+            <a:endParaRPr lang="sv-SE" dirty="0"/>
+          </a:p>
+          <a:p>
+            <a:pPr lvl="1"/>
+            <a:r>
+              <a:rPr lang="sv-SE" dirty="0" smtClean="0"/>
+              <a:t>Autonom kamprobot</a:t>
+            </a:r>
+          </a:p>
+          <a:p>
+            <a:pPr lvl="1"/>
+            <a:r>
+              <a:rPr lang="sv-SE" dirty="0" smtClean="0"/>
+              <a:t>Teknisk dokumentation</a:t>
+            </a:r>
+          </a:p>
+          <a:p>
+            <a:pPr lvl="1"/>
+            <a:r>
+              <a:rPr lang="sv-SE" dirty="0" smtClean="0"/>
+              <a:t>Användarmanual</a:t>
+            </a:r>
+          </a:p>
+          <a:p>
+            <a:pPr lvl="1"/>
+            <a:r>
+              <a:rPr lang="sv-SE" dirty="0" smtClean="0"/>
+              <a:t>Mjukvara till PC</a:t>
             </a:r>
           </a:p>
           <a:p>
@@ -5314,38 +5472,26 @@
               <a:buNone/>
             </a:pPr>
             <a:r>
-              <a:rPr lang="sv-SE" dirty="0" smtClean="0"/>
-              <a:t>Ingående i produkt:</a:t>
+              <a:rPr lang="sv-SE" dirty="0"/>
+              <a:t/>
             </a:r>
             <a:br>
-              <a:rPr lang="sv-SE" dirty="0" smtClean="0"/>
+              <a:rPr lang="sv-SE" dirty="0"/>
             </a:br>
             <a:r>
-              <a:rPr lang="sv-SE" dirty="0" smtClean="0"/>
-              <a:t>	autonom kamprobot</a:t>
-            </a:r>
-            <a:br>
-              <a:rPr lang="sv-SE" dirty="0" smtClean="0"/>
-            </a:br>
-            <a:r>
-              <a:rPr lang="sv-SE" dirty="0" smtClean="0"/>
-              <a:t>	användarmanual</a:t>
-            </a:r>
-            <a:br>
-              <a:rPr lang="sv-SE" dirty="0" smtClean="0"/>
-            </a:br>
-            <a:r>
-              <a:rPr lang="sv-SE" dirty="0" smtClean="0"/>
+              <a:rPr lang="sv-SE" dirty="0"/>
               <a:t>	</a:t>
             </a:r>
-            <a:r>
-              <a:rPr lang="sv-SE" sz="2800" dirty="0" smtClean="0"/>
-              <a:t>teknisk dokumentation</a:t>
-            </a:r>
-          </a:p>
-          <a:p>
-            <a:pPr lvl="1"/>
             <a:endParaRPr lang="sv-SE" dirty="0" smtClean="0"/>
+          </a:p>
+          <a:p>
+            <a:pPr marL="137160" indent="0">
+              <a:buNone/>
+            </a:pPr>
+            <a:r>
+              <a:rPr lang="sv-SE" dirty="0" smtClean="0"/>
+              <a:t>Vad kan roboten göra?</a:t>
+            </a:r>
           </a:p>
         </p:txBody>
       </p:sp>
@@ -5411,7 +5557,7 @@
         <p:spPr>
           <a:xfrm>
             <a:off x="6322741" y="1320308"/>
-            <a:ext cx="5374887" cy="2092881"/>
+            <a:ext cx="5374887" cy="800219"/>
           </a:xfrm>
           <a:prstGeom prst="rect">
             <a:avLst/>
@@ -5426,80 +5572,13 @@
           <a:p>
             <a:r>
               <a:rPr lang="sv-SE" sz="2800" dirty="0"/>
-              <a:t>Hur fungerar roboten:</a:t>
-            </a:r>
-            <a:br>
-              <a:rPr lang="sv-SE" sz="2800" dirty="0"/>
-            </a:br>
-            <a:r>
-              <a:rPr lang="sv-SE" sz="2800" dirty="0"/>
-              <a:t>	</a:t>
+              <a:t>Hur </a:t>
             </a:r>
             <a:r>
               <a:rPr lang="sv-SE" sz="2800" dirty="0" smtClean="0"/>
-              <a:t>Kallibrera</a:t>
-            </a:r>
-            <a:br>
-              <a:rPr lang="sv-SE" sz="2800" dirty="0" smtClean="0"/>
-            </a:br>
-            <a:r>
-              <a:rPr lang="sv-SE" sz="2800" dirty="0" smtClean="0"/>
-              <a:t>	Sätt läge</a:t>
-            </a:r>
-            <a:br>
-              <a:rPr lang="sv-SE" sz="2800" dirty="0" smtClean="0"/>
-            </a:br>
-            <a:r>
-              <a:rPr lang="sv-SE" sz="2800" dirty="0" smtClean="0"/>
-              <a:t>	Kör!</a:t>
+              <a:t>används roboten?</a:t>
             </a:r>
             <a:endParaRPr lang="sv-SE" sz="2800" dirty="0"/>
-          </a:p>
-          <a:p>
-            <a:endParaRPr lang="sv-SE" dirty="0"/>
-          </a:p>
-        </p:txBody>
-      </p:sp>
-      <p:sp>
-        <p:nvSpPr>
-          <p:cNvPr id="8" name="TextBox 7"/>
-          <p:cNvSpPr txBox="1"/>
-          <p:nvPr/>
-        </p:nvSpPr>
-        <p:spPr>
-          <a:xfrm>
-            <a:off x="722049" y="4655860"/>
-            <a:ext cx="3534936" cy="1661993"/>
-          </a:xfrm>
-          <a:prstGeom prst="rect">
-            <a:avLst/>
-          </a:prstGeom>
-          <a:noFill/>
-        </p:spPr>
-        <p:txBody>
-          <a:bodyPr wrap="square" rtlCol="0">
-            <a:spAutoFit/>
-          </a:bodyPr>
-          <a:lstStyle/>
-          <a:p>
-            <a:r>
-              <a:rPr lang="sv-SE" sz="2800" dirty="0"/>
-              <a:t>Användning:</a:t>
-            </a:r>
-            <a:br>
-              <a:rPr lang="sv-SE" sz="2800" dirty="0"/>
-            </a:br>
-            <a:r>
-              <a:rPr lang="sv-SE" sz="2800" dirty="0"/>
-              <a:t>	kamp</a:t>
-            </a:r>
-            <a:br>
-              <a:rPr lang="sv-SE" sz="2800" dirty="0"/>
-            </a:br>
-            <a:r>
-              <a:rPr lang="sv-SE" sz="2800" dirty="0"/>
-              <a:t>	bantyp</a:t>
-            </a:r>
           </a:p>
           <a:p>
             <a:endParaRPr lang="sv-SE" dirty="0"/>
@@ -5527,8 +5606,8 @@
         </p:blipFill>
         <p:spPr bwMode="auto">
           <a:xfrm>
-            <a:off x="6527459" y="3497737"/>
-            <a:ext cx="3742814" cy="2820116"/>
+            <a:off x="5531005" y="2120527"/>
+            <a:ext cx="6166623" cy="4188833"/>
           </a:xfrm>
           <a:prstGeom prst="rect">
             <a:avLst/>
@@ -5560,9 +5639,417 @@
   <p:timing>
     <p:tnLst>
       <p:par>
-        <p:cTn id="1" dur="indefinite" restart="never" nodeType="tmRoot"/>
+        <p:cTn id="1" dur="indefinite" restart="never" nodeType="tmRoot">
+          <p:childTnLst>
+            <p:seq concurrent="1" nextAc="seek">
+              <p:cTn id="2" dur="indefinite" nodeType="mainSeq">
+                <p:childTnLst>
+                  <p:par>
+                    <p:cTn id="3" fill="hold">
+                      <p:stCondLst>
+                        <p:cond delay="indefinite"/>
+                      </p:stCondLst>
+                      <p:childTnLst>
+                        <p:par>
+                          <p:cTn id="4" fill="hold">
+                            <p:stCondLst>
+                              <p:cond delay="0"/>
+                            </p:stCondLst>
+                            <p:childTnLst>
+                              <p:par>
+                                <p:cTn id="5" presetID="10" presetClass="entr" presetSubtype="0" fill="hold" nodeType="clickEffect">
+                                  <p:stCondLst>
+                                    <p:cond delay="0"/>
+                                  </p:stCondLst>
+                                  <p:childTnLst>
+                                    <p:set>
+                                      <p:cBhvr>
+                                        <p:cTn id="6" dur="1" fill="hold">
+                                          <p:stCondLst>
+                                            <p:cond delay="0"/>
+                                          </p:stCondLst>
+                                        </p:cTn>
+                                        <p:tgtEl>
+                                          <p:spTgt spid="3">
+                                            <p:txEl>
+                                              <p:pRg st="0" end="0"/>
+                                            </p:txEl>
+                                          </p:spTgt>
+                                        </p:tgtEl>
+                                        <p:attrNameLst>
+                                          <p:attrName>style.visibility</p:attrName>
+                                        </p:attrNameLst>
+                                      </p:cBhvr>
+                                      <p:to>
+                                        <p:strVal val="visible"/>
+                                      </p:to>
+                                    </p:set>
+                                    <p:animEffect transition="in" filter="fade">
+                                      <p:cBhvr>
+                                        <p:cTn id="7" dur="500"/>
+                                        <p:tgtEl>
+                                          <p:spTgt spid="3">
+                                            <p:txEl>
+                                              <p:pRg st="0" end="0"/>
+                                            </p:txEl>
+                                          </p:spTgt>
+                                        </p:tgtEl>
+                                      </p:cBhvr>
+                                    </p:animEffect>
+                                  </p:childTnLst>
+                                </p:cTn>
+                              </p:par>
+                              <p:par>
+                                <p:cTn id="8" presetID="10" presetClass="entr" presetSubtype="0" fill="hold" nodeType="withEffect">
+                                  <p:stCondLst>
+                                    <p:cond delay="0"/>
+                                  </p:stCondLst>
+                                  <p:childTnLst>
+                                    <p:set>
+                                      <p:cBhvr>
+                                        <p:cTn id="9" dur="1" fill="hold">
+                                          <p:stCondLst>
+                                            <p:cond delay="0"/>
+                                          </p:stCondLst>
+                                        </p:cTn>
+                                        <p:tgtEl>
+                                          <p:spTgt spid="3">
+                                            <p:txEl>
+                                              <p:pRg st="1" end="1"/>
+                                            </p:txEl>
+                                          </p:spTgt>
+                                        </p:tgtEl>
+                                        <p:attrNameLst>
+                                          <p:attrName>style.visibility</p:attrName>
+                                        </p:attrNameLst>
+                                      </p:cBhvr>
+                                      <p:to>
+                                        <p:strVal val="visible"/>
+                                      </p:to>
+                                    </p:set>
+                                    <p:animEffect transition="in" filter="fade">
+                                      <p:cBhvr>
+                                        <p:cTn id="10" dur="500"/>
+                                        <p:tgtEl>
+                                          <p:spTgt spid="3">
+                                            <p:txEl>
+                                              <p:pRg st="1" end="1"/>
+                                            </p:txEl>
+                                          </p:spTgt>
+                                        </p:tgtEl>
+                                      </p:cBhvr>
+                                    </p:animEffect>
+                                  </p:childTnLst>
+                                </p:cTn>
+                              </p:par>
+                              <p:par>
+                                <p:cTn id="11" presetID="10" presetClass="entr" presetSubtype="0" fill="hold" nodeType="withEffect">
+                                  <p:stCondLst>
+                                    <p:cond delay="0"/>
+                                  </p:stCondLst>
+                                  <p:childTnLst>
+                                    <p:set>
+                                      <p:cBhvr>
+                                        <p:cTn id="12" dur="1" fill="hold">
+                                          <p:stCondLst>
+                                            <p:cond delay="0"/>
+                                          </p:stCondLst>
+                                        </p:cTn>
+                                        <p:tgtEl>
+                                          <p:spTgt spid="3">
+                                            <p:txEl>
+                                              <p:pRg st="2" end="2"/>
+                                            </p:txEl>
+                                          </p:spTgt>
+                                        </p:tgtEl>
+                                        <p:attrNameLst>
+                                          <p:attrName>style.visibility</p:attrName>
+                                        </p:attrNameLst>
+                                      </p:cBhvr>
+                                      <p:to>
+                                        <p:strVal val="visible"/>
+                                      </p:to>
+                                    </p:set>
+                                    <p:animEffect transition="in" filter="fade">
+                                      <p:cBhvr>
+                                        <p:cTn id="13" dur="500"/>
+                                        <p:tgtEl>
+                                          <p:spTgt spid="3">
+                                            <p:txEl>
+                                              <p:pRg st="2" end="2"/>
+                                            </p:txEl>
+                                          </p:spTgt>
+                                        </p:tgtEl>
+                                      </p:cBhvr>
+                                    </p:animEffect>
+                                  </p:childTnLst>
+                                </p:cTn>
+                              </p:par>
+                              <p:par>
+                                <p:cTn id="14" presetID="10" presetClass="entr" presetSubtype="0" fill="hold" nodeType="withEffect">
+                                  <p:stCondLst>
+                                    <p:cond delay="0"/>
+                                  </p:stCondLst>
+                                  <p:childTnLst>
+                                    <p:set>
+                                      <p:cBhvr>
+                                        <p:cTn id="15" dur="1" fill="hold">
+                                          <p:stCondLst>
+                                            <p:cond delay="0"/>
+                                          </p:stCondLst>
+                                        </p:cTn>
+                                        <p:tgtEl>
+                                          <p:spTgt spid="3">
+                                            <p:txEl>
+                                              <p:pRg st="3" end="3"/>
+                                            </p:txEl>
+                                          </p:spTgt>
+                                        </p:tgtEl>
+                                        <p:attrNameLst>
+                                          <p:attrName>style.visibility</p:attrName>
+                                        </p:attrNameLst>
+                                      </p:cBhvr>
+                                      <p:to>
+                                        <p:strVal val="visible"/>
+                                      </p:to>
+                                    </p:set>
+                                    <p:animEffect transition="in" filter="fade">
+                                      <p:cBhvr>
+                                        <p:cTn id="16" dur="500"/>
+                                        <p:tgtEl>
+                                          <p:spTgt spid="3">
+                                            <p:txEl>
+                                              <p:pRg st="3" end="3"/>
+                                            </p:txEl>
+                                          </p:spTgt>
+                                        </p:tgtEl>
+                                      </p:cBhvr>
+                                    </p:animEffect>
+                                  </p:childTnLst>
+                                </p:cTn>
+                              </p:par>
+                              <p:par>
+                                <p:cTn id="17" presetID="10" presetClass="entr" presetSubtype="0" fill="hold" nodeType="withEffect">
+                                  <p:stCondLst>
+                                    <p:cond delay="0"/>
+                                  </p:stCondLst>
+                                  <p:childTnLst>
+                                    <p:set>
+                                      <p:cBhvr>
+                                        <p:cTn id="18" dur="1" fill="hold">
+                                          <p:stCondLst>
+                                            <p:cond delay="0"/>
+                                          </p:stCondLst>
+                                        </p:cTn>
+                                        <p:tgtEl>
+                                          <p:spTgt spid="3">
+                                            <p:txEl>
+                                              <p:pRg st="4" end="4"/>
+                                            </p:txEl>
+                                          </p:spTgt>
+                                        </p:tgtEl>
+                                        <p:attrNameLst>
+                                          <p:attrName>style.visibility</p:attrName>
+                                        </p:attrNameLst>
+                                      </p:cBhvr>
+                                      <p:to>
+                                        <p:strVal val="visible"/>
+                                      </p:to>
+                                    </p:set>
+                                    <p:animEffect transition="in" filter="fade">
+                                      <p:cBhvr>
+                                        <p:cTn id="19" dur="500"/>
+                                        <p:tgtEl>
+                                          <p:spTgt spid="3">
+                                            <p:txEl>
+                                              <p:pRg st="4" end="4"/>
+                                            </p:txEl>
+                                          </p:spTgt>
+                                        </p:tgtEl>
+                                      </p:cBhvr>
+                                    </p:animEffect>
+                                  </p:childTnLst>
+                                </p:cTn>
+                              </p:par>
+                            </p:childTnLst>
+                          </p:cTn>
+                        </p:par>
+                      </p:childTnLst>
+                    </p:cTn>
+                  </p:par>
+                  <p:par>
+                    <p:cTn id="20" fill="hold">
+                      <p:stCondLst>
+                        <p:cond delay="indefinite"/>
+                      </p:stCondLst>
+                      <p:childTnLst>
+                        <p:par>
+                          <p:cTn id="21" fill="hold">
+                            <p:stCondLst>
+                              <p:cond delay="0"/>
+                            </p:stCondLst>
+                            <p:childTnLst>
+                              <p:par>
+                                <p:cTn id="22" presetID="10" presetClass="entr" presetSubtype="0" fill="hold" nodeType="clickEffect">
+                                  <p:stCondLst>
+                                    <p:cond delay="0"/>
+                                  </p:stCondLst>
+                                  <p:childTnLst>
+                                    <p:set>
+                                      <p:cBhvr>
+                                        <p:cTn id="23" dur="1" fill="hold">
+                                          <p:stCondLst>
+                                            <p:cond delay="0"/>
+                                          </p:stCondLst>
+                                        </p:cTn>
+                                        <p:tgtEl>
+                                          <p:spTgt spid="3">
+                                            <p:txEl>
+                                              <p:pRg st="6" end="6"/>
+                                            </p:txEl>
+                                          </p:spTgt>
+                                        </p:tgtEl>
+                                        <p:attrNameLst>
+                                          <p:attrName>style.visibility</p:attrName>
+                                        </p:attrNameLst>
+                                      </p:cBhvr>
+                                      <p:to>
+                                        <p:strVal val="visible"/>
+                                      </p:to>
+                                    </p:set>
+                                    <p:animEffect transition="in" filter="fade">
+                                      <p:cBhvr>
+                                        <p:cTn id="24" dur="500"/>
+                                        <p:tgtEl>
+                                          <p:spTgt spid="3">
+                                            <p:txEl>
+                                              <p:pRg st="6" end="6"/>
+                                            </p:txEl>
+                                          </p:spTgt>
+                                        </p:tgtEl>
+                                      </p:cBhvr>
+                                    </p:animEffect>
+                                  </p:childTnLst>
+                                </p:cTn>
+                              </p:par>
+                            </p:childTnLst>
+                          </p:cTn>
+                        </p:par>
+                      </p:childTnLst>
+                    </p:cTn>
+                  </p:par>
+                  <p:par>
+                    <p:cTn id="25" fill="hold">
+                      <p:stCondLst>
+                        <p:cond delay="indefinite"/>
+                      </p:stCondLst>
+                      <p:childTnLst>
+                        <p:par>
+                          <p:cTn id="26" fill="hold">
+                            <p:stCondLst>
+                              <p:cond delay="0"/>
+                            </p:stCondLst>
+                            <p:childTnLst>
+                              <p:par>
+                                <p:cTn id="27" presetID="10" presetClass="entr" presetSubtype="0" fill="hold" nodeType="clickEffect">
+                                  <p:stCondLst>
+                                    <p:cond delay="0"/>
+                                  </p:stCondLst>
+                                  <p:childTnLst>
+                                    <p:set>
+                                      <p:cBhvr>
+                                        <p:cTn id="28" dur="1" fill="hold">
+                                          <p:stCondLst>
+                                            <p:cond delay="0"/>
+                                          </p:stCondLst>
+                                        </p:cTn>
+                                        <p:tgtEl>
+                                          <p:spTgt spid="11"/>
+                                        </p:tgtEl>
+                                        <p:attrNameLst>
+                                          <p:attrName>style.visibility</p:attrName>
+                                        </p:attrNameLst>
+                                      </p:cBhvr>
+                                      <p:to>
+                                        <p:strVal val="visible"/>
+                                      </p:to>
+                                    </p:set>
+                                    <p:animEffect transition="in" filter="fade">
+                                      <p:cBhvr>
+                                        <p:cTn id="29" dur="500"/>
+                                        <p:tgtEl>
+                                          <p:spTgt spid="11"/>
+                                        </p:tgtEl>
+                                      </p:cBhvr>
+                                    </p:animEffect>
+                                  </p:childTnLst>
+                                </p:cTn>
+                              </p:par>
+                              <p:par>
+                                <p:cTn id="30" presetID="10" presetClass="entr" presetSubtype="0" fill="hold" grpId="0" nodeType="withEffect">
+                                  <p:stCondLst>
+                                    <p:cond delay="0"/>
+                                  </p:stCondLst>
+                                  <p:childTnLst>
+                                    <p:set>
+                                      <p:cBhvr>
+                                        <p:cTn id="31" dur="1" fill="hold">
+                                          <p:stCondLst>
+                                            <p:cond delay="0"/>
+                                          </p:stCondLst>
+                                        </p:cTn>
+                                        <p:tgtEl>
+                                          <p:spTgt spid="7"/>
+                                        </p:tgtEl>
+                                        <p:attrNameLst>
+                                          <p:attrName>style.visibility</p:attrName>
+                                        </p:attrNameLst>
+                                      </p:cBhvr>
+                                      <p:to>
+                                        <p:strVal val="visible"/>
+                                      </p:to>
+                                    </p:set>
+                                    <p:animEffect transition="in" filter="fade">
+                                      <p:cBhvr>
+                                        <p:cTn id="32" dur="500"/>
+                                        <p:tgtEl>
+                                          <p:spTgt spid="7"/>
+                                        </p:tgtEl>
+                                      </p:cBhvr>
+                                    </p:animEffect>
+                                  </p:childTnLst>
+                                </p:cTn>
+                              </p:par>
+                            </p:childTnLst>
+                          </p:cTn>
+                        </p:par>
+                      </p:childTnLst>
+                    </p:cTn>
+                  </p:par>
+                </p:childTnLst>
+              </p:cTn>
+              <p:prevCondLst>
+                <p:cond evt="onPrev" delay="0">
+                  <p:tgtEl>
+                    <p:sldTgt/>
+                  </p:tgtEl>
+                </p:cond>
+              </p:prevCondLst>
+              <p:nextCondLst>
+                <p:cond evt="onNext" delay="0">
+                  <p:tgtEl>
+                    <p:sldTgt/>
+                  </p:tgtEl>
+                </p:cond>
+              </p:nextCondLst>
+            </p:seq>
+          </p:childTnLst>
+        </p:cTn>
       </p:par>
     </p:tnLst>
+    <p:bldLst>
+      <p:bldP spid="7" grpId="0"/>
+    </p:bldLst>
   </p:timing>
 </p:sld>
 </file>
@@ -5627,34 +6114,16 @@
             </a:pPr>
             <a:r>
               <a:rPr lang="sv-SE" dirty="0" smtClean="0"/>
-              <a:t>3 delsystem =&gt; Atmega 1284P  x3</a:t>
+              <a:t>Tre delsystem</a:t>
+            </a:r>
+            <a:r>
+              <a:rPr lang="sv-SE" dirty="0" smtClean="0"/>
+              <a:t/>
             </a:r>
             <a:br>
               <a:rPr lang="sv-SE" dirty="0" smtClean="0"/>
             </a:br>
-            <a:r>
-              <a:rPr lang="sv-SE" dirty="0" smtClean="0"/>
-              <a:t>Skickas via UART</a:t>
-            </a:r>
-            <a:r>
-              <a:rPr lang="sv-SE" dirty="0"/>
-              <a:t/>
-            </a:r>
-            <a:br>
-              <a:rPr lang="sv-SE" dirty="0"/>
-            </a:br>
-            <a:r>
-              <a:rPr lang="sv-SE" dirty="0"/>
-              <a:t>Kod språk - C</a:t>
-            </a:r>
-            <a:r>
-              <a:rPr lang="sv-SE" dirty="0" smtClean="0"/>
-              <a:t>++ </a:t>
-            </a:r>
-            <a:r>
-              <a:rPr lang="sv-SE" dirty="0"/>
-              <a:t>i Atmel Studio</a:t>
-            </a:r>
+            <a:endParaRPr lang="sv-SE" dirty="0"/>
           </a:p>
         </p:txBody>
       </p:sp>
@@ -5744,6 +6213,66 @@
           </a:prstGeom>
         </p:spPr>
       </p:pic>
+      <p:sp>
+        <p:nvSpPr>
+          <p:cNvPr id="7" name="textruta 6"/>
+          <p:cNvSpPr txBox="1"/>
+          <p:nvPr/>
+        </p:nvSpPr>
+        <p:spPr>
+          <a:xfrm>
+            <a:off x="609600" y="2123420"/>
+            <a:ext cx="5293217" cy="523220"/>
+          </a:xfrm>
+          <a:prstGeom prst="rect">
+            <a:avLst/>
+          </a:prstGeom>
+          <a:noFill/>
+        </p:spPr>
+        <p:txBody>
+          <a:bodyPr wrap="square" rtlCol="0">
+            <a:spAutoFit/>
+          </a:bodyPr>
+          <a:lstStyle/>
+          <a:p>
+            <a:r>
+              <a:rPr lang="sv-SE" sz="2800" dirty="0" smtClean="0"/>
+              <a:t>UART</a:t>
+            </a:r>
+            <a:endParaRPr lang="sv-SE" sz="2800" dirty="0"/>
+          </a:p>
+        </p:txBody>
+      </p:sp>
+      <p:sp>
+        <p:nvSpPr>
+          <p:cNvPr id="8" name="textruta 7"/>
+          <p:cNvSpPr txBox="1"/>
+          <p:nvPr/>
+        </p:nvSpPr>
+        <p:spPr>
+          <a:xfrm>
+            <a:off x="609599" y="2659011"/>
+            <a:ext cx="5293217" cy="523220"/>
+          </a:xfrm>
+          <a:prstGeom prst="rect">
+            <a:avLst/>
+          </a:prstGeom>
+          <a:noFill/>
+        </p:spPr>
+        <p:txBody>
+          <a:bodyPr wrap="square" rtlCol="0">
+            <a:spAutoFit/>
+          </a:bodyPr>
+          <a:lstStyle/>
+          <a:p>
+            <a:r>
+              <a:rPr lang="sv-SE" sz="2800" dirty="0" smtClean="0"/>
+              <a:t>Bluetooth</a:t>
+            </a:r>
+            <a:endParaRPr lang="sv-SE" sz="2800" dirty="0"/>
+          </a:p>
+        </p:txBody>
+      </p:sp>
     </p:spTree>
     <p:extLst>
       <p:ext uri="{BB962C8B-B14F-4D97-AF65-F5344CB8AC3E}">
@@ -5757,7 +6286,152 @@
   <p:timing>
     <p:tnLst>
       <p:par>
-        <p:cTn id="1" dur="indefinite" restart="never" nodeType="tmRoot"/>
+        <p:cTn id="1" dur="indefinite" restart="never" nodeType="tmRoot">
+          <p:childTnLst>
+            <p:seq concurrent="1" nextAc="seek">
+              <p:cTn id="2" dur="indefinite" nodeType="mainSeq">
+                <p:childTnLst>
+                  <p:par>
+                    <p:cTn id="3" fill="hold">
+                      <p:stCondLst>
+                        <p:cond delay="indefinite"/>
+                      </p:stCondLst>
+                      <p:childTnLst>
+                        <p:par>
+                          <p:cTn id="4" fill="hold">
+                            <p:stCondLst>
+                              <p:cond delay="0"/>
+                            </p:stCondLst>
+                            <p:childTnLst>
+                              <p:par>
+                                <p:cTn id="5" presetID="10" presetClass="entr" presetSubtype="0" fill="hold" nodeType="clickEffect">
+                                  <p:stCondLst>
+                                    <p:cond delay="0"/>
+                                  </p:stCondLst>
+                                  <p:childTnLst>
+                                    <p:set>
+                                      <p:cBhvr>
+                                        <p:cTn id="6" dur="1" fill="hold">
+                                          <p:stCondLst>
+                                            <p:cond delay="0"/>
+                                          </p:stCondLst>
+                                        </p:cTn>
+                                        <p:tgtEl>
+                                          <p:spTgt spid="7">
+                                            <p:txEl>
+                                              <p:pRg st="0" end="0"/>
+                                            </p:txEl>
+                                          </p:spTgt>
+                                        </p:tgtEl>
+                                        <p:attrNameLst>
+                                          <p:attrName>style.visibility</p:attrName>
+                                        </p:attrNameLst>
+                                      </p:cBhvr>
+                                      <p:to>
+                                        <p:strVal val="visible"/>
+                                      </p:to>
+                                    </p:set>
+                                    <p:animEffect transition="in" filter="fade">
+                                      <p:cBhvr>
+                                        <p:cTn id="7" dur="500"/>
+                                        <p:tgtEl>
+                                          <p:spTgt spid="7">
+                                            <p:txEl>
+                                              <p:pRg st="0" end="0"/>
+                                            </p:txEl>
+                                          </p:spTgt>
+                                        </p:tgtEl>
+                                      </p:cBhvr>
+                                    </p:animEffect>
+                                  </p:childTnLst>
+                                </p:cTn>
+                              </p:par>
+                            </p:childTnLst>
+                          </p:cTn>
+                        </p:par>
+                      </p:childTnLst>
+                    </p:cTn>
+                  </p:par>
+                  <p:par>
+                    <p:cTn id="8" fill="hold">
+                      <p:stCondLst>
+                        <p:cond delay="indefinite"/>
+                      </p:stCondLst>
+                      <p:childTnLst>
+                        <p:par>
+                          <p:cTn id="9" fill="hold">
+                            <p:stCondLst>
+                              <p:cond delay="0"/>
+                            </p:stCondLst>
+                            <p:childTnLst>
+                              <p:par>
+                                <p:cTn id="10" presetID="10" presetClass="entr" presetSubtype="0" fill="hold" nodeType="clickEffect">
+                                  <p:stCondLst>
+                                    <p:cond delay="0"/>
+                                  </p:stCondLst>
+                                  <p:childTnLst>
+                                    <p:set>
+                                      <p:cBhvr>
+                                        <p:cTn id="11" dur="1" fill="hold">
+                                          <p:stCondLst>
+                                            <p:cond delay="0"/>
+                                          </p:stCondLst>
+                                        </p:cTn>
+                                        <p:tgtEl>
+                                          <p:spTgt spid="8">
+                                            <p:txEl>
+                                              <p:pRg st="0" end="0"/>
+                                            </p:txEl>
+                                          </p:spTgt>
+                                        </p:tgtEl>
+                                        <p:attrNameLst>
+                                          <p:attrName>style.visibility</p:attrName>
+                                        </p:attrNameLst>
+                                      </p:cBhvr>
+                                      <p:to>
+                                        <p:strVal val="visible"/>
+                                      </p:to>
+                                    </p:set>
+                                    <p:animEffect transition="in" filter="fade">
+                                      <p:cBhvr>
+                                        <p:cTn id="12" dur="500"/>
+                                        <p:tgtEl>
+                                          <p:spTgt spid="8">
+                                            <p:txEl>
+                                              <p:pRg st="0" end="0"/>
+                                            </p:txEl>
+                                          </p:spTgt>
+                                        </p:tgtEl>
+                                      </p:cBhvr>
+                                    </p:animEffect>
+                                  </p:childTnLst>
+                                </p:cTn>
+                              </p:par>
+                            </p:childTnLst>
+                          </p:cTn>
+                        </p:par>
+                      </p:childTnLst>
+                    </p:cTn>
+                  </p:par>
+                </p:childTnLst>
+              </p:cTn>
+              <p:prevCondLst>
+                <p:cond evt="onPrev" delay="0">
+                  <p:tgtEl>
+                    <p:sldTgt/>
+                  </p:tgtEl>
+                </p:cond>
+              </p:prevCondLst>
+              <p:nextCondLst>
+                <p:cond evt="onNext" delay="0">
+                  <p:tgtEl>
+                    <p:sldTgt/>
+                  </p:tgtEl>
+                </p:cond>
+              </p:nextCondLst>
+            </p:seq>
+          </p:childTnLst>
+        </p:cTn>
       </p:par>
     </p:tnLst>
   </p:timing>
@@ -5798,7 +6472,11 @@
           <a:p>
             <a:r>
               <a:rPr lang="sv-SE" dirty="0" smtClean="0"/>
-              <a:t>Sensorenheten – ”sinnet”</a:t>
+              <a:t>Sensorenheten – </a:t>
+            </a:r>
+            <a:r>
+              <a:rPr lang="sv-SE" dirty="0" smtClean="0"/>
+              <a:t>”sinnena”</a:t>
             </a:r>
             <a:endParaRPr lang="sv-SE" dirty="0"/>
           </a:p>
@@ -5852,7 +6530,26 @@
             </a:br>
             <a:r>
               <a:rPr lang="sv-SE" dirty="0" smtClean="0"/>
-              <a:t>	Tejpsensor x2</a:t>
+              <a:t>	Tejpsensor </a:t>
+            </a:r>
+            <a:r>
+              <a:rPr lang="sv-SE" dirty="0" smtClean="0"/>
+              <a:t>x 2</a:t>
+            </a:r>
+            <a:br>
+              <a:rPr lang="sv-SE" dirty="0" smtClean="0"/>
+            </a:br>
+            <a:r>
+              <a:rPr lang="sv-SE" dirty="0" smtClean="0"/>
+              <a:t>	</a:t>
+            </a:r>
+            <a:r>
+              <a:rPr lang="sv-SE" dirty="0" smtClean="0"/>
+              <a:t>Gyro</a:t>
+            </a:r>
+            <a:r>
+              <a:rPr lang="sv-SE" dirty="0" smtClean="0"/>
+              <a:t/>
             </a:r>
             <a:br>
               <a:rPr lang="sv-SE" dirty="0" smtClean="0"/>
@@ -5946,7 +6643,134 @@
   <p:timing>
     <p:tnLst>
       <p:par>
-        <p:cTn id="1" dur="indefinite" restart="never" nodeType="tmRoot"/>
+        <p:cTn id="1" dur="indefinite" restart="never" nodeType="tmRoot">
+          <p:childTnLst>
+            <p:seq concurrent="1" nextAc="seek">
+              <p:cTn id="2" dur="indefinite" nodeType="mainSeq">
+                <p:childTnLst>
+                  <p:par>
+                    <p:cTn id="3" fill="hold">
+                      <p:stCondLst>
+                        <p:cond delay="indefinite"/>
+                      </p:stCondLst>
+                      <p:childTnLst>
+                        <p:par>
+                          <p:cTn id="4" fill="hold">
+                            <p:stCondLst>
+                              <p:cond delay="0"/>
+                            </p:stCondLst>
+                            <p:childTnLst>
+                              <p:par>
+                                <p:cTn id="5" presetID="10" presetClass="entr" presetSubtype="0" fill="hold" nodeType="clickEffect">
+                                  <p:stCondLst>
+                                    <p:cond delay="0"/>
+                                  </p:stCondLst>
+                                  <p:childTnLst>
+                                    <p:set>
+                                      <p:cBhvr>
+                                        <p:cTn id="6" dur="1" fill="hold">
+                                          <p:stCondLst>
+                                            <p:cond delay="0"/>
+                                          </p:stCondLst>
+                                        </p:cTn>
+                                        <p:tgtEl>
+                                          <p:spTgt spid="3">
+                                            <p:txEl>
+                                              <p:pRg st="1" end="1"/>
+                                            </p:txEl>
+                                          </p:spTgt>
+                                        </p:tgtEl>
+                                        <p:attrNameLst>
+                                          <p:attrName>style.visibility</p:attrName>
+                                        </p:attrNameLst>
+                                      </p:cBhvr>
+                                      <p:to>
+                                        <p:strVal val="visible"/>
+                                      </p:to>
+                                    </p:set>
+                                    <p:animEffect transition="in" filter="fade">
+                                      <p:cBhvr>
+                                        <p:cTn id="7" dur="500"/>
+                                        <p:tgtEl>
+                                          <p:spTgt spid="3">
+                                            <p:txEl>
+                                              <p:pRg st="1" end="1"/>
+                                            </p:txEl>
+                                          </p:spTgt>
+                                        </p:tgtEl>
+                                      </p:cBhvr>
+                                    </p:animEffect>
+                                  </p:childTnLst>
+                                </p:cTn>
+                              </p:par>
+                              <p:par>
+                                <p:cTn id="8" presetID="10" presetClass="entr" presetSubtype="0" fill="hold" nodeType="withEffect">
+                                  <p:stCondLst>
+                                    <p:cond delay="0"/>
+                                  </p:stCondLst>
+                                  <p:childTnLst>
+                                    <p:set>
+                                      <p:cBhvr>
+                                        <p:cTn id="9" dur="1" fill="hold">
+                                          <p:stCondLst>
+                                            <p:cond delay="0"/>
+                                          </p:stCondLst>
+                                        </p:cTn>
+                                        <p:tgtEl>
+                                          <p:spTgt spid="3">
+                                            <p:txEl>
+                                              <p:pRg st="2" end="2"/>
+                                            </p:txEl>
+                                          </p:spTgt>
+                                        </p:tgtEl>
+                                        <p:attrNameLst>
+                                          <p:attrName>style.visibility</p:attrName>
+                                        </p:attrNameLst>
+                                      </p:cBhvr>
+                                      <p:to>
+                                        <p:strVal val="visible"/>
+                                      </p:to>
+                                    </p:set>
+                                    <p:animEffect transition="in" filter="fade">
+                                      <p:cBhvr>
+                                        <p:cTn id="10" dur="500"/>
+                                        <p:tgtEl>
+                                          <p:spTgt spid="3">
+                                            <p:txEl>
+                                              <p:pRg st="2" end="2"/>
+                                            </p:txEl>
+                                          </p:spTgt>
+                                        </p:tgtEl>
+                                      </p:cBhvr>
+                                    </p:animEffect>
+                                  </p:childTnLst>
+                                </p:cTn>
+                              </p:par>
+                            </p:childTnLst>
+                          </p:cTn>
+                        </p:par>
+                      </p:childTnLst>
+                    </p:cTn>
+                  </p:par>
+                </p:childTnLst>
+              </p:cTn>
+              <p:prevCondLst>
+                <p:cond evt="onPrev" delay="0">
+                  <p:tgtEl>
+                    <p:sldTgt/>
+                  </p:tgtEl>
+                </p:cond>
+              </p:prevCondLst>
+              <p:nextCondLst>
+                <p:cond evt="onNext" delay="0">
+                  <p:tgtEl>
+                    <p:sldTgt/>
+                  </p:tgtEl>
+                </p:cond>
+              </p:nextCondLst>
+            </p:seq>
+          </p:childTnLst>
+        </p:cTn>
       </p:par>
     </p:tnLst>
   </p:timing>
@@ -6023,20 +6847,17 @@
             </a:pPr>
             <a:r>
               <a:rPr lang="sv-SE" dirty="0" smtClean="0"/>
-              <a:t>”Utför all logik”</a:t>
+              <a:t>”Utför all logik</a:t>
+            </a:r>
+            <a:r>
+              <a:rPr lang="sv-SE" dirty="0" smtClean="0"/>
+              <a:t>”</a:t>
             </a:r>
           </a:p>
           <a:p>
             <a:pPr marL="137160" indent="0">
               <a:buNone/>
             </a:pPr>
-            <a:r>
-              <a:rPr lang="sv-SE" dirty="0" smtClean="0"/>
-              <a:t>AI – 2 olika lägen</a:t>
-            </a:r>
-            <a:br>
-              <a:rPr lang="sv-SE" dirty="0" smtClean="0"/>
-            </a:br>
             <a:endParaRPr lang="sv-SE" dirty="0" smtClean="0"/>
           </a:p>
           <a:p>
@@ -6045,48 +6866,29 @@
             </a:pPr>
             <a:r>
               <a:rPr lang="sv-SE" dirty="0" smtClean="0"/>
-              <a:t>Komponenter:</a:t>
-            </a:r>
-            <a:r>
-              <a:rPr lang="sv-SE" dirty="0"/>
-              <a:t/>
-            </a:r>
-            <a:br>
-              <a:rPr lang="sv-SE" dirty="0"/>
-            </a:br>
-            <a:r>
-              <a:rPr lang="sv-SE" dirty="0" smtClean="0"/>
-              <a:t>	1 </a:t>
-            </a:r>
-            <a:r>
-              <a:rPr lang="sv-SE" dirty="0"/>
-              <a:t>reglage</a:t>
-            </a:r>
-            <a:br>
-              <a:rPr lang="sv-SE" dirty="0"/>
-            </a:br>
-            <a:r>
-              <a:rPr lang="sv-SE" dirty="0"/>
-              <a:t>	3 </a:t>
-            </a:r>
-            <a:r>
-              <a:rPr lang="sv-SE" dirty="0" smtClean="0"/>
-              <a:t>knappar</a:t>
-            </a:r>
-            <a:br>
-              <a:rPr lang="sv-SE" dirty="0" smtClean="0"/>
-            </a:br>
-            <a:endParaRPr lang="sv-SE" dirty="0" smtClean="0"/>
+              <a:t>Skickar </a:t>
+            </a:r>
+            <a:r>
+              <a:rPr lang="sv-SE" dirty="0" smtClean="0"/>
+              <a:t>order till </a:t>
+            </a:r>
+            <a:r>
+              <a:rPr lang="sv-SE" dirty="0" smtClean="0"/>
+              <a:t>styrenheten</a:t>
+            </a:r>
+          </a:p>
+          <a:p>
+            <a:endParaRPr lang="sv-SE" dirty="0"/>
           </a:p>
           <a:p>
             <a:pPr marL="137160" indent="0">
               <a:buNone/>
             </a:pPr>
             <a:r>
-              <a:rPr lang="sv-SE" dirty="0" smtClean="0"/>
-              <a:t>Skickar order till styrenheten</a:t>
-            </a:r>
-            <a:endParaRPr lang="sv-SE" dirty="0"/>
+              <a:rPr lang="sv-SE" dirty="0"/>
+              <a:t>AI – 2 olika lägen</a:t>
+            </a:r>
+            <a:endParaRPr lang="sv-SE" dirty="0" smtClean="0"/>
           </a:p>
           <a:p>
             <a:endParaRPr lang="sv-SE" dirty="0"/>
@@ -6144,47 +6946,6 @@
           <a:prstGeom prst="rect">
             <a:avLst/>
           </a:prstGeom>
-        </p:spPr>
-      </p:pic>
-      <p:pic>
-        <p:nvPicPr>
-          <p:cNvPr id="6" name="Bildobjekt 2" descr="C:\Users\Tor\AppData\Local\Microsoft\Windows\INetCache\Content.Word\knappbild.png"/>
-          <p:cNvPicPr/>
-          <p:nvPr/>
-        </p:nvPicPr>
-        <p:blipFill>
-          <a:blip r:embed="rId3" cstate="print">
-            <a:extLst>
-              <a:ext uri="{28A0092B-C50C-407E-A947-70E740481C1C}">
-                <a14:useLocalDpi xmlns:a14="http://schemas.microsoft.com/office/drawing/2010/main" val="0"/>
-              </a:ext>
-            </a:extLst>
-          </a:blip>
-          <a:srcRect/>
-          <a:stretch>
-            <a:fillRect/>
-          </a:stretch>
-        </p:blipFill>
-        <p:spPr bwMode="auto">
-          <a:xfrm>
-            <a:off x="6594365" y="2180753"/>
-            <a:ext cx="3854328" cy="2926506"/>
-          </a:xfrm>
-          <a:prstGeom prst="rect">
-            <a:avLst/>
-          </a:prstGeom>
-          <a:ln w="88900" cap="sq" cmpd="thickThin">
-            <a:solidFill>
-              <a:srgbClr val="000000"/>
-            </a:solidFill>
-            <a:prstDash val="solid"/>
-            <a:miter lim="800000"/>
-          </a:ln>
-          <a:effectLst>
-            <a:innerShdw blurRad="76200">
-              <a:srgbClr val="000000"/>
-            </a:innerShdw>
-          </a:effectLst>
         </p:spPr>
       </p:pic>
     </p:spTree>
@@ -6272,43 +7033,6 @@
       </p:sp>
       <p:pic>
         <p:nvPicPr>
-          <p:cNvPr id="5" name="Bildobjekt 11" descr="C:\Users\Student\Downloads\tävlingskod (1).png"/>
-          <p:cNvPicPr>
-            <a:picLocks noGrp="1"/>
-          </p:cNvPicPr>
-          <p:nvPr>
-            <p:ph idx="1"/>
-          </p:nvPr>
-        </p:nvPicPr>
-        <p:blipFill>
-          <a:blip r:embed="rId2">
-            <a:extLst>
-              <a:ext uri="{28A0092B-C50C-407E-A947-70E740481C1C}">
-                <a14:useLocalDpi xmlns:a14="http://schemas.microsoft.com/office/drawing/2010/main" val="0"/>
-              </a:ext>
-            </a:extLst>
-          </a:blip>
-          <a:srcRect/>
-          <a:stretch>
-            <a:fillRect/>
-          </a:stretch>
-        </p:blipFill>
-        <p:spPr bwMode="auto">
-          <a:xfrm>
-            <a:off x="202598" y="507381"/>
-            <a:ext cx="8974856" cy="6350619"/>
-          </a:xfrm>
-          <a:prstGeom prst="rect">
-            <a:avLst/>
-          </a:prstGeom>
-          <a:noFill/>
-          <a:ln>
-            <a:noFill/>
-          </a:ln>
-        </p:spPr>
-      </p:pic>
-      <p:pic>
-        <p:nvPicPr>
           <p:cNvPr id="6" name="Bildobjekt 9"/>
           <p:cNvPicPr>
             <a:picLocks noChangeAspect="1"/>
@@ -6316,7 +7040,7 @@
           <p:nvPr/>
         </p:nvPicPr>
         <p:blipFill>
-          <a:blip r:embed="rId3">
+          <a:blip r:embed="rId2">
             <a:extLst>
               <a:ext uri="{28A0092B-C50C-407E-A947-70E740481C1C}">
                 <a14:useLocalDpi xmlns:a14="http://schemas.microsoft.com/office/drawing/2010/main" val="0"/>
@@ -6335,6 +7059,35 @@
           <a:prstGeom prst="rect">
             <a:avLst/>
           </a:prstGeom>
+        </p:spPr>
+      </p:pic>
+      <p:pic>
+        <p:nvPicPr>
+          <p:cNvPr id="7" name="Platshållare för innehåll 6"/>
+          <p:cNvPicPr>
+            <a:picLocks noGrp="1" noChangeAspect="1"/>
+          </p:cNvPicPr>
+          <p:nvPr>
+            <p:ph idx="1"/>
+          </p:nvPr>
+        </p:nvPicPr>
+        <p:blipFill>
+          <a:blip r:embed="rId3">
+            <a:extLst>
+              <a:ext uri="{28A0092B-C50C-407E-A947-70E740481C1C}">
+                <a14:useLocalDpi xmlns:a14="http://schemas.microsoft.com/office/drawing/2010/main" val="0"/>
+              </a:ext>
+            </a:extLst>
+          </a:blip>
+          <a:stretch>
+            <a:fillRect/>
+          </a:stretch>
+        </p:blipFill>
+        <p:spPr>
+          <a:xfrm>
+            <a:off x="2763309" y="1417638"/>
+            <a:ext cx="7047037" cy="5364163"/>
+          </a:xfrm>
         </p:spPr>
       </p:pic>
     </p:spTree>
@@ -7114,7 +7867,7 @@
   <a:extraClrSchemeLst/>
   <a:extLst>
     <a:ext uri="{05A4C25C-085E-4340-85A3-A5531E510DB2}">
-      <thm15:themeFamily xmlns="" xmlns:thm15="http://schemas.microsoft.com/office/thememl/2012/main" name="Office Theme" id="{62F939B6-93AF-4DB8-9C6B-D6C7DFDC589F}" vid="{4A3C46E8-61CC-4603-A589-7422A47A8E4A}"/>
+      <thm15:themeFamily xmlns:thm15="http://schemas.microsoft.com/office/thememl/2012/main" name="Office Theme" id="{62F939B6-93AF-4DB8-9C6B-D6C7DFDC589F}" vid="{4A3C46E8-61CC-4603-A589-7422A47A8E4A}"/>
     </a:ext>
   </a:extLst>
 </a:theme>
@@ -7375,7 +8128,7 @@
   <a:extraClrSchemeLst/>
   <a:extLst>
     <a:ext uri="{05A4C25C-085E-4340-85A3-A5531E510DB2}">
-      <thm15:themeFamily xmlns="" xmlns:thm15="http://schemas.microsoft.com/office/thememl/2012/main" name="Office Theme" id="{62F939B6-93AF-4DB8-9C6B-D6C7DFDC589F}" vid="{4A3C46E8-61CC-4603-A589-7422A47A8E4A}"/>
+      <thm15:themeFamily xmlns:thm15="http://schemas.microsoft.com/office/thememl/2012/main" name="Office Theme" id="{62F939B6-93AF-4DB8-9C6B-D6C7DFDC589F}" vid="{4A3C46E8-61CC-4603-A589-7422A47A8E4A}"/>
     </a:ext>
   </a:extLst>
 </a:theme>

--- a/docs/TSEA29 - presentation v.01.pptx
+++ b/docs/TSEA29 - presentation v.01.pptx
@@ -5,10 +5,10 @@
     <p:sldMasterId id="2147484363" r:id="rId1"/>
   </p:sldMasterIdLst>
   <p:notesMasterIdLst>
-    <p:notesMasterId r:id="rId14"/>
+    <p:notesMasterId r:id="rId17"/>
   </p:notesMasterIdLst>
   <p:handoutMasterIdLst>
-    <p:handoutMasterId r:id="rId15"/>
+    <p:handoutMasterId r:id="rId18"/>
   </p:handoutMasterIdLst>
   <p:sldIdLst>
     <p:sldId id="256" r:id="rId2"/>
@@ -23,6 +23,9 @@
     <p:sldId id="261" r:id="rId11"/>
     <p:sldId id="266" r:id="rId12"/>
     <p:sldId id="262" r:id="rId13"/>
+    <p:sldId id="271" r:id="rId14"/>
+    <p:sldId id="272" r:id="rId15"/>
+    <p:sldId id="273" r:id="rId16"/>
   </p:sldIdLst>
   <p:sldSz cx="12192000" cy="6858000"/>
   <p:notesSz cx="6858000" cy="9144000"/>
@@ -226,7 +229,7 @@
           <a:p>
             <a:fld id="{92206B37-F95E-459A-92E2-3A3D95FFBC5E}" type="datetime1">
               <a:rPr lang="sv-SE" smtClean="0"/>
-              <a:t>2015-12-15</a:t>
+              <a:t>2015-12-17</a:t>
             </a:fld>
             <a:endParaRPr lang="sv-SE"/>
           </a:p>
@@ -396,7 +399,7 @@
           <a:p>
             <a:fld id="{DF652A02-AEA1-43A1-B1E1-23388C03635E}" type="datetime1">
               <a:rPr lang="sv-SE" smtClean="0"/>
-              <a:t>2015-12-15</a:t>
+              <a:t>2015-12-17</a:t>
             </a:fld>
             <a:endParaRPr lang="sv-SE"/>
           </a:p>
@@ -898,7 +901,7 @@
           <a:p>
             <a:fld id="{01FFC9F0-380B-4836-B484-B7E1886CF47D}" type="datetime1">
               <a:rPr lang="sv-SE" smtClean="0"/>
-              <a:t>2015-12-15</a:t>
+              <a:t>2015-12-17</a:t>
             </a:fld>
             <a:endParaRPr lang="sv-SE"/>
           </a:p>
@@ -1125,7 +1128,7 @@
           <a:p>
             <a:fld id="{01FFC9F0-380B-4836-B484-B7E1886CF47D}" type="datetime1">
               <a:rPr lang="sv-SE" smtClean="0"/>
-              <a:t>2015-12-15</a:t>
+              <a:t>2015-12-17</a:t>
             </a:fld>
             <a:endParaRPr lang="sv-SE"/>
           </a:p>
@@ -1301,7 +1304,7 @@
           <a:p>
             <a:fld id="{01FFC9F0-380B-4836-B484-B7E1886CF47D}" type="datetime1">
               <a:rPr lang="sv-SE" smtClean="0"/>
-              <a:t>2015-12-15</a:t>
+              <a:t>2015-12-17</a:t>
             </a:fld>
             <a:endParaRPr lang="sv-SE"/>
           </a:p>
@@ -1467,7 +1470,7 @@
           <a:p>
             <a:fld id="{01FFC9F0-380B-4836-B484-B7E1886CF47D}" type="datetime1">
               <a:rPr lang="sv-SE" smtClean="0"/>
-              <a:t>2015-12-15</a:t>
+              <a:t>2015-12-17</a:t>
             </a:fld>
             <a:endParaRPr lang="sv-SE"/>
           </a:p>
@@ -1712,7 +1715,7 @@
           <a:p>
             <a:fld id="{01FFC9F0-380B-4836-B484-B7E1886CF47D}" type="datetime1">
               <a:rPr lang="sv-SE" smtClean="0"/>
-              <a:t>2015-12-15</a:t>
+              <a:t>2015-12-17</a:t>
             </a:fld>
             <a:endParaRPr lang="sv-SE"/>
           </a:p>
@@ -1977,7 +1980,7 @@
           <a:p>
             <a:fld id="{01FFC9F0-380B-4836-B484-B7E1886CF47D}" type="datetime1">
               <a:rPr lang="sv-SE" smtClean="0"/>
-              <a:t>2015-12-15</a:t>
+              <a:t>2015-12-17</a:t>
             </a:fld>
             <a:endParaRPr lang="sv-SE"/>
           </a:p>
@@ -2352,7 +2355,7 @@
           <a:p>
             <a:fld id="{01FFC9F0-380B-4836-B484-B7E1886CF47D}" type="datetime1">
               <a:rPr lang="sv-SE" smtClean="0"/>
-              <a:t>2015-12-15</a:t>
+              <a:t>2015-12-17</a:t>
             </a:fld>
             <a:endParaRPr lang="sv-SE"/>
           </a:p>
@@ -2466,7 +2469,7 @@
           <a:p>
             <a:fld id="{01FFC9F0-380B-4836-B484-B7E1886CF47D}" type="datetime1">
               <a:rPr lang="sv-SE" smtClean="0"/>
-              <a:t>2015-12-15</a:t>
+              <a:t>2015-12-17</a:t>
             </a:fld>
             <a:endParaRPr lang="sv-SE"/>
           </a:p>
@@ -2557,7 +2560,7 @@
           <a:p>
             <a:fld id="{01FFC9F0-380B-4836-B484-B7E1886CF47D}" type="datetime1">
               <a:rPr lang="sv-SE" smtClean="0"/>
-              <a:t>2015-12-15</a:t>
+              <a:t>2015-12-17</a:t>
             </a:fld>
             <a:endParaRPr lang="sv-SE"/>
           </a:p>
@@ -2816,7 +2819,7 @@
           <a:p>
             <a:fld id="{01FFC9F0-380B-4836-B484-B7E1886CF47D}" type="datetime1">
               <a:rPr lang="sv-SE" smtClean="0"/>
-              <a:t>2015-12-15</a:t>
+              <a:t>2015-12-17</a:t>
             </a:fld>
             <a:endParaRPr lang="sv-SE"/>
           </a:p>
@@ -3081,7 +3084,7 @@
           <a:p>
             <a:fld id="{01FFC9F0-380B-4836-B484-B7E1886CF47D}" type="datetime1">
               <a:rPr lang="sv-SE" smtClean="0"/>
-              <a:t>2015-12-15</a:t>
+              <a:t>2015-12-17</a:t>
             </a:fld>
             <a:endParaRPr lang="sv-SE"/>
           </a:p>
@@ -3299,7 +3302,7 @@
           <a:p>
             <a:fld id="{01FFC9F0-380B-4836-B484-B7E1886CF47D}" type="datetime1">
               <a:rPr lang="sv-SE" smtClean="0"/>
-              <a:t>2015-12-15</a:t>
+              <a:t>2015-12-17</a:t>
             </a:fld>
             <a:endParaRPr lang="sv-SE"/>
           </a:p>
@@ -3962,22 +3965,18 @@
             </a:pPr>
             <a:r>
               <a:rPr lang="sv-SE" dirty="0" smtClean="0"/>
-              <a:t>Användning:</a:t>
+              <a:t>Användning</a:t>
+            </a:r>
+            <a:r>
+              <a:rPr lang="sv-SE" dirty="0" smtClean="0"/>
+              <a:t/>
             </a:r>
             <a:br>
               <a:rPr lang="sv-SE" dirty="0" smtClean="0"/>
             </a:br>
             <a:r>
               <a:rPr lang="sv-SE" dirty="0" smtClean="0"/>
-              <a:t>	analys </a:t>
-            </a:r>
-            <a:r>
-              <a:rPr lang="sv-SE" dirty="0"/>
-              <a:t>för </a:t>
-            </a:r>
-            <a:r>
-              <a:rPr lang="sv-SE" dirty="0" smtClean="0"/>
-              <a:t>debug</a:t>
+              <a:t>	</a:t>
             </a:r>
             <a:br>
               <a:rPr lang="sv-SE" dirty="0" smtClean="0"/>
@@ -4070,7 +4069,7 @@
         </p:blipFill>
         <p:spPr bwMode="auto">
           <a:xfrm>
-            <a:off x="4296358" y="2330372"/>
+            <a:off x="4373631" y="1858234"/>
             <a:ext cx="7657752" cy="4193091"/>
           </a:xfrm>
           <a:prstGeom prst="rect">
@@ -4324,7 +4323,7 @@
           <a:p>
             <a:r>
               <a:rPr lang="sv-SE" dirty="0" smtClean="0"/>
-              <a:t>AVSLUT</a:t>
+              <a:t>Resultat</a:t>
             </a:r>
             <a:endParaRPr lang="sv-SE" dirty="0"/>
           </a:p>
@@ -4348,7 +4347,7 @@
         </p:spPr>
         <p:txBody>
           <a:bodyPr>
-            <a:normAutofit fontScale="92500" lnSpcReduction="10000"/>
+            <a:normAutofit/>
           </a:bodyPr>
           <a:lstStyle/>
           <a:p>
@@ -4385,55 +4384,7 @@
             <a:br>
               <a:rPr lang="sv-SE" dirty="0" smtClean="0"/>
             </a:br>
-            <a:r>
-              <a:rPr lang="sv-SE" dirty="0" smtClean="0"/>
-              <a:t>Vidareutveckling:</a:t>
-            </a:r>
-            <a:br>
-              <a:rPr lang="sv-SE" dirty="0" smtClean="0"/>
-            </a:br>
-            <a:r>
-              <a:rPr lang="sv-SE" dirty="0" smtClean="0"/>
-              <a:t>	Kan bli även större och bättre!</a:t>
-            </a:r>
-          </a:p>
-          <a:p>
-            <a:pPr marL="137160" indent="0">
-              <a:buNone/>
-            </a:pPr>
-            <a:r>
-              <a:rPr lang="sv-SE" dirty="0"/>
-              <a:t/>
-            </a:r>
-            <a:br>
-              <a:rPr lang="sv-SE" dirty="0"/>
-            </a:br>
-            <a:r>
-              <a:rPr lang="sv-SE" dirty="0" smtClean="0"/>
-              <a:t>Varför oss?</a:t>
-            </a:r>
-          </a:p>
-          <a:p>
-            <a:pPr marL="137160" indent="0">
-              <a:buNone/>
-            </a:pPr>
-            <a:r>
-              <a:rPr lang="sv-SE" dirty="0" smtClean="0"/>
-              <a:t> 	potential, genomtänkt, ambitiös</a:t>
-            </a:r>
-          </a:p>
-          <a:p>
             <a:endParaRPr lang="sv-SE" dirty="0"/>
-          </a:p>
-          <a:p>
-            <a:pPr marL="137160" indent="0">
-              <a:buNone/>
-            </a:pPr>
-            <a:r>
-              <a:rPr lang="sv-SE" sz="4400" b="1" dirty="0" smtClean="0"/>
-              <a:t>							Frågor? </a:t>
-            </a:r>
-            <a:endParaRPr lang="sv-SE" sz="4400" b="1" dirty="0"/>
           </a:p>
         </p:txBody>
       </p:sp>
@@ -4490,51 +4441,557 @@
           </a:prstGeom>
         </p:spPr>
       </p:pic>
+    </p:spTree>
+    <p:extLst>
+      <p:ext uri="{BB962C8B-B14F-4D97-AF65-F5344CB8AC3E}">
+        <p14:creationId xmlns:p14="http://schemas.microsoft.com/office/powerpoint/2010/main" val="922487978"/>
+      </p:ext>
+    </p:extLst>
+  </p:cSld>
+  <p:clrMapOvr>
+    <a:masterClrMapping/>
+  </p:clrMapOvr>
+  <p:timing>
+    <p:tnLst>
+      <p:par>
+        <p:cTn id="1" dur="indefinite" restart="never" nodeType="tmRoot"/>
+      </p:par>
+    </p:tnLst>
+  </p:timing>
+</p:sld>
+</file>
+
+<file path=ppt/slides/slide13.xml><?xml version="1.0" encoding="utf-8"?>
+<p:sld xmlns:a="http://schemas.openxmlformats.org/drawingml/2006/main" xmlns:r="http://schemas.openxmlformats.org/officeDocument/2006/relationships" xmlns:p="http://schemas.openxmlformats.org/presentationml/2006/main">
+  <p:cSld>
+    <p:spTree>
+      <p:nvGrpSpPr>
+        <p:cNvPr id="1" name=""/>
+        <p:cNvGrpSpPr/>
+        <p:nvPr/>
+      </p:nvGrpSpPr>
+      <p:grpSpPr>
+        <a:xfrm>
+          <a:off x="0" y="0"/>
+          <a:ext cx="0" cy="0"/>
+          <a:chOff x="0" y="0"/>
+          <a:chExt cx="0" cy="0"/>
+        </a:xfrm>
+      </p:grpSpPr>
+      <p:sp>
+        <p:nvSpPr>
+          <p:cNvPr id="2" name="Title 1"/>
+          <p:cNvSpPr>
+            <a:spLocks noGrp="1"/>
+          </p:cNvSpPr>
+          <p:nvPr>
+            <p:ph type="title"/>
+          </p:nvPr>
+        </p:nvSpPr>
+        <p:spPr/>
+        <p:txBody>
+          <a:bodyPr/>
+          <a:lstStyle/>
+          <a:p>
+            <a:r>
+              <a:rPr lang="sv-SE" dirty="0" smtClean="0"/>
+              <a:t>Vidareutveckling</a:t>
+            </a:r>
+            <a:endParaRPr lang="sv-SE" dirty="0"/>
+          </a:p>
+        </p:txBody>
+      </p:sp>
+      <p:sp>
+        <p:nvSpPr>
+          <p:cNvPr id="3" name="Content Placeholder 2"/>
+          <p:cNvSpPr>
+            <a:spLocks noGrp="1"/>
+          </p:cNvSpPr>
+          <p:nvPr>
+            <p:ph idx="1"/>
+          </p:nvPr>
+        </p:nvSpPr>
+        <p:spPr>
+          <a:xfrm>
+            <a:off x="609600" y="1360449"/>
+            <a:ext cx="10972800" cy="4948911"/>
+          </a:xfrm>
+        </p:spPr>
+        <p:txBody>
+          <a:bodyPr>
+            <a:normAutofit/>
+          </a:bodyPr>
+          <a:lstStyle/>
+          <a:p>
+            <a:pPr marL="137160" indent="0">
+              <a:buNone/>
+            </a:pPr>
+            <a:r>
+              <a:rPr lang="sv-SE" dirty="0" smtClean="0"/>
+              <a:t>Vidareutveckling</a:t>
+            </a:r>
+            <a:r>
+              <a:rPr lang="sv-SE" dirty="0"/>
+              <a:t>:</a:t>
+            </a:r>
+            <a:br>
+              <a:rPr lang="sv-SE" dirty="0"/>
+            </a:br>
+            <a:r>
+              <a:rPr lang="sv-SE" dirty="0"/>
+              <a:t>	Kan bli även större och bättre!</a:t>
+            </a:r>
+          </a:p>
+          <a:p>
+            <a:pPr marL="137160" indent="0">
+              <a:buNone/>
+            </a:pPr>
+            <a:endParaRPr lang="sv-SE" dirty="0"/>
+          </a:p>
+        </p:txBody>
+      </p:sp>
+      <p:sp>
+        <p:nvSpPr>
+          <p:cNvPr id="4" name="Slide Number Placeholder 3"/>
+          <p:cNvSpPr>
+            <a:spLocks noGrp="1"/>
+          </p:cNvSpPr>
+          <p:nvPr>
+            <p:ph type="sldNum" sz="quarter" idx="12"/>
+          </p:nvPr>
+        </p:nvSpPr>
+        <p:spPr/>
+        <p:txBody>
+          <a:bodyPr/>
+          <a:lstStyle/>
+          <a:p>
+            <a:fld id="{1A411B19-8391-4D6C-9DE5-9EB0D5950738}" type="slidenum">
+              <a:rPr lang="sv-SE" smtClean="0"/>
+              <a:t>13</a:t>
+            </a:fld>
+            <a:endParaRPr lang="sv-SE"/>
+          </a:p>
+        </p:txBody>
+      </p:sp>
       <p:pic>
         <p:nvPicPr>
-          <p:cNvPr id="6" name="Picture 2" descr="Johan Olin"/>
+          <p:cNvPr id="5" name="Bildobjekt 9"/>
           <p:cNvPicPr>
-            <a:picLocks noChangeAspect="1" noChangeArrowheads="1"/>
+            <a:picLocks noChangeAspect="1"/>
           </p:cNvPicPr>
           <p:nvPr/>
         </p:nvPicPr>
         <p:blipFill>
-          <a:blip r:embed="rId3">
+          <a:blip r:embed="rId2">
             <a:extLst>
               <a:ext uri="{28A0092B-C50C-407E-A947-70E740481C1C}">
                 <a14:useLocalDpi xmlns:a14="http://schemas.microsoft.com/office/drawing/2010/main" val="0"/>
               </a:ext>
             </a:extLst>
           </a:blip>
-          <a:srcRect/>
           <a:stretch>
             <a:fillRect/>
           </a:stretch>
         </p:blipFill>
-        <p:spPr bwMode="auto">
+        <p:spPr>
           <a:xfrm>
-            <a:off x="9251253" y="4788014"/>
-            <a:ext cx="1524000" cy="1524001"/>
+            <a:off x="908146" y="555802"/>
+            <a:ext cx="1581371" cy="504895"/>
+          </a:xfrm>
+          <a:prstGeom prst="rect">
+            <a:avLst/>
+          </a:prstGeom>
+        </p:spPr>
+      </p:pic>
+    </p:spTree>
+    <p:extLst>
+      <p:ext uri="{BB962C8B-B14F-4D97-AF65-F5344CB8AC3E}">
+        <p14:creationId xmlns:p14="http://schemas.microsoft.com/office/powerpoint/2010/main" val="221010614"/>
+      </p:ext>
+    </p:extLst>
+  </p:cSld>
+  <p:clrMapOvr>
+    <a:masterClrMapping/>
+  </p:clrMapOvr>
+  <p:timing>
+    <p:tnLst>
+      <p:par>
+        <p:cTn id="1" dur="indefinite" restart="never" nodeType="tmRoot"/>
+      </p:par>
+    </p:tnLst>
+  </p:timing>
+</p:sld>
+</file>
+
+<file path=ppt/slides/slide14.xml><?xml version="1.0" encoding="utf-8"?>
+<p:sld xmlns:a="http://schemas.openxmlformats.org/drawingml/2006/main" xmlns:r="http://schemas.openxmlformats.org/officeDocument/2006/relationships" xmlns:p="http://schemas.openxmlformats.org/presentationml/2006/main">
+  <p:cSld>
+    <p:spTree>
+      <p:nvGrpSpPr>
+        <p:cNvPr id="1" name=""/>
+        <p:cNvGrpSpPr/>
+        <p:nvPr/>
+      </p:nvGrpSpPr>
+      <p:grpSpPr>
+        <a:xfrm>
+          <a:off x="0" y="0"/>
+          <a:ext cx="0" cy="0"/>
+          <a:chOff x="0" y="0"/>
+          <a:chExt cx="0" cy="0"/>
+        </a:xfrm>
+      </p:grpSpPr>
+      <p:sp>
+        <p:nvSpPr>
+          <p:cNvPr id="2" name="Title 1"/>
+          <p:cNvSpPr>
+            <a:spLocks noGrp="1"/>
+          </p:cNvSpPr>
+          <p:nvPr>
+            <p:ph type="title"/>
+          </p:nvPr>
+        </p:nvSpPr>
+        <p:spPr/>
+        <p:txBody>
+          <a:bodyPr/>
+          <a:lstStyle/>
+          <a:p>
+            <a:r>
+              <a:rPr lang="sv-SE" dirty="0" smtClean="0"/>
+              <a:t>Varför oss?</a:t>
+            </a:r>
+            <a:endParaRPr lang="sv-SE" dirty="0"/>
+          </a:p>
+        </p:txBody>
+      </p:sp>
+      <p:sp>
+        <p:nvSpPr>
+          <p:cNvPr id="3" name="Content Placeholder 2"/>
+          <p:cNvSpPr>
+            <a:spLocks noGrp="1"/>
+          </p:cNvSpPr>
+          <p:nvPr>
+            <p:ph idx="1"/>
+          </p:nvPr>
+        </p:nvSpPr>
+        <p:spPr>
+          <a:xfrm>
+            <a:off x="609600" y="1360449"/>
+            <a:ext cx="10972800" cy="4948911"/>
+          </a:xfrm>
+        </p:spPr>
+        <p:txBody>
+          <a:bodyPr>
+            <a:normAutofit/>
+          </a:bodyPr>
+          <a:lstStyle/>
+          <a:p>
+            <a:pPr marL="137160" indent="0">
+              <a:buNone/>
+            </a:pPr>
+            <a:r>
+              <a:rPr lang="sv-SE" dirty="0" smtClean="0"/>
+              <a:t>Varför </a:t>
+            </a:r>
+            <a:r>
+              <a:rPr lang="sv-SE" dirty="0"/>
+              <a:t>oss?</a:t>
+            </a:r>
+          </a:p>
+          <a:p>
+            <a:pPr marL="137160" indent="0">
+              <a:buNone/>
+            </a:pPr>
+            <a:r>
+              <a:rPr lang="sv-SE" dirty="0"/>
+              <a:t> 	potential, genomtänkt, ambitiös</a:t>
+            </a:r>
+          </a:p>
+          <a:p>
+            <a:pPr marL="137160" indent="0">
+              <a:buNone/>
+            </a:pPr>
+            <a:endParaRPr lang="sv-SE" dirty="0"/>
+          </a:p>
+        </p:txBody>
+      </p:sp>
+      <p:sp>
+        <p:nvSpPr>
+          <p:cNvPr id="4" name="Slide Number Placeholder 3"/>
+          <p:cNvSpPr>
+            <a:spLocks noGrp="1"/>
+          </p:cNvSpPr>
+          <p:nvPr>
+            <p:ph type="sldNum" sz="quarter" idx="12"/>
+          </p:nvPr>
+        </p:nvSpPr>
+        <p:spPr/>
+        <p:txBody>
+          <a:bodyPr/>
+          <a:lstStyle/>
+          <a:p>
+            <a:fld id="{1A411B19-8391-4D6C-9DE5-9EB0D5950738}" type="slidenum">
+              <a:rPr lang="sv-SE" smtClean="0"/>
+              <a:t>14</a:t>
+            </a:fld>
+            <a:endParaRPr lang="sv-SE"/>
+          </a:p>
+        </p:txBody>
+      </p:sp>
+      <p:pic>
+        <p:nvPicPr>
+          <p:cNvPr id="5" name="Bildobjekt 9"/>
+          <p:cNvPicPr>
+            <a:picLocks noChangeAspect="1"/>
+          </p:cNvPicPr>
+          <p:nvPr/>
+        </p:nvPicPr>
+        <p:blipFill>
+          <a:blip r:embed="rId2">
+            <a:extLst>
+              <a:ext uri="{28A0092B-C50C-407E-A947-70E740481C1C}">
+                <a14:useLocalDpi xmlns:a14="http://schemas.microsoft.com/office/drawing/2010/main" val="0"/>
+              </a:ext>
+            </a:extLst>
+          </a:blip>
+          <a:stretch>
+            <a:fillRect/>
+          </a:stretch>
+        </p:blipFill>
+        <p:spPr>
+          <a:xfrm>
+            <a:off x="908146" y="555802"/>
+            <a:ext cx="1581371" cy="504895"/>
+          </a:xfrm>
+          <a:prstGeom prst="rect">
+            <a:avLst/>
+          </a:prstGeom>
+        </p:spPr>
+      </p:pic>
+    </p:spTree>
+    <p:extLst>
+      <p:ext uri="{BB962C8B-B14F-4D97-AF65-F5344CB8AC3E}">
+        <p14:creationId xmlns:p14="http://schemas.microsoft.com/office/powerpoint/2010/main" val="4091378235"/>
+      </p:ext>
+    </p:extLst>
+  </p:cSld>
+  <p:clrMapOvr>
+    <a:masterClrMapping/>
+  </p:clrMapOvr>
+  <p:timing>
+    <p:tnLst>
+      <p:par>
+        <p:cTn id="1" dur="indefinite" restart="never" nodeType="tmRoot"/>
+      </p:par>
+    </p:tnLst>
+  </p:timing>
+</p:sld>
+</file>
+
+<file path=ppt/slides/slide15.xml><?xml version="1.0" encoding="utf-8"?>
+<p:sld xmlns:a="http://schemas.openxmlformats.org/drawingml/2006/main" xmlns:r="http://schemas.openxmlformats.org/officeDocument/2006/relationships" xmlns:p="http://schemas.openxmlformats.org/presentationml/2006/main">
+  <p:cSld>
+    <p:spTree>
+      <p:nvGrpSpPr>
+        <p:cNvPr id="1" name=""/>
+        <p:cNvGrpSpPr/>
+        <p:nvPr/>
+      </p:nvGrpSpPr>
+      <p:grpSpPr>
+        <a:xfrm>
+          <a:off x="0" y="0"/>
+          <a:ext cx="0" cy="0"/>
+          <a:chOff x="0" y="0"/>
+          <a:chExt cx="0" cy="0"/>
+        </a:xfrm>
+      </p:grpSpPr>
+      <p:sp>
+        <p:nvSpPr>
+          <p:cNvPr id="2" name="Title 1"/>
+          <p:cNvSpPr>
+            <a:spLocks noGrp="1"/>
+          </p:cNvSpPr>
+          <p:nvPr>
+            <p:ph type="title"/>
+          </p:nvPr>
+        </p:nvSpPr>
+        <p:spPr/>
+        <p:txBody>
+          <a:bodyPr/>
+          <a:lstStyle/>
+          <a:p>
+            <a:r>
+              <a:rPr lang="sv-SE" dirty="0" smtClean="0"/>
+              <a:t>Avslut</a:t>
+            </a:r>
+            <a:endParaRPr lang="sv-SE" dirty="0"/>
+          </a:p>
+        </p:txBody>
+      </p:sp>
+      <p:sp>
+        <p:nvSpPr>
+          <p:cNvPr id="3" name="Content Placeholder 2"/>
+          <p:cNvSpPr>
+            <a:spLocks noGrp="1"/>
+          </p:cNvSpPr>
+          <p:nvPr>
+            <p:ph idx="1"/>
+          </p:nvPr>
+        </p:nvSpPr>
+        <p:spPr>
+          <a:xfrm>
+            <a:off x="609600" y="1360449"/>
+            <a:ext cx="10972800" cy="4948911"/>
+          </a:xfrm>
+        </p:spPr>
+        <p:txBody>
+          <a:bodyPr>
+            <a:normAutofit/>
+          </a:bodyPr>
+          <a:lstStyle/>
+          <a:p>
+            <a:pPr marL="137160" indent="0">
+              <a:buNone/>
+            </a:pPr>
+            <a:endParaRPr lang="sv-SE" sz="8800" dirty="0" smtClean="0"/>
+          </a:p>
+          <a:p>
+            <a:pPr marL="137160" indent="0">
+              <a:buNone/>
+            </a:pPr>
+            <a:r>
+              <a:rPr lang="sv-SE" sz="8800" dirty="0"/>
+              <a:t>	</a:t>
+            </a:r>
+            <a:r>
+              <a:rPr lang="sv-SE" sz="8800" dirty="0" smtClean="0"/>
+              <a:t>			</a:t>
+            </a:r>
+            <a:endParaRPr lang="sv-SE" sz="8800" dirty="0"/>
+          </a:p>
+        </p:txBody>
+      </p:sp>
+      <p:sp>
+        <p:nvSpPr>
+          <p:cNvPr id="4" name="Slide Number Placeholder 3"/>
+          <p:cNvSpPr>
+            <a:spLocks noGrp="1"/>
+          </p:cNvSpPr>
+          <p:nvPr>
+            <p:ph type="sldNum" sz="quarter" idx="12"/>
+          </p:nvPr>
+        </p:nvSpPr>
+        <p:spPr/>
+        <p:txBody>
+          <a:bodyPr/>
+          <a:lstStyle/>
+          <a:p>
+            <a:fld id="{1A411B19-8391-4D6C-9DE5-9EB0D5950738}" type="slidenum">
+              <a:rPr lang="sv-SE" smtClean="0"/>
+              <a:t>15</a:t>
+            </a:fld>
+            <a:endParaRPr lang="sv-SE"/>
+          </a:p>
+        </p:txBody>
+      </p:sp>
+      <p:pic>
+        <p:nvPicPr>
+          <p:cNvPr id="5" name="Bildobjekt 9"/>
+          <p:cNvPicPr>
+            <a:picLocks noChangeAspect="1"/>
+          </p:cNvPicPr>
+          <p:nvPr/>
+        </p:nvPicPr>
+        <p:blipFill>
+          <a:blip r:embed="rId2">
+            <a:extLst>
+              <a:ext uri="{28A0092B-C50C-407E-A947-70E740481C1C}">
+                <a14:useLocalDpi xmlns:a14="http://schemas.microsoft.com/office/drawing/2010/main" val="0"/>
+              </a:ext>
+            </a:extLst>
+          </a:blip>
+          <a:stretch>
+            <a:fillRect/>
+          </a:stretch>
+        </p:blipFill>
+        <p:spPr>
+          <a:xfrm>
+            <a:off x="908146" y="555802"/>
+            <a:ext cx="1581371" cy="504895"/>
+          </a:xfrm>
+          <a:prstGeom prst="rect">
+            <a:avLst/>
+          </a:prstGeom>
+        </p:spPr>
+      </p:pic>
+      <p:sp>
+        <p:nvSpPr>
+          <p:cNvPr id="6" name="Rektangel 5"/>
+          <p:cNvSpPr/>
+          <p:nvPr/>
+        </p:nvSpPr>
+        <p:spPr>
+          <a:xfrm>
+            <a:off x="2322836" y="2940169"/>
+            <a:ext cx="7668000" cy="1044000"/>
           </a:xfrm>
           <a:prstGeom prst="rect">
             <a:avLst/>
           </a:prstGeom>
           <a:noFill/>
-          <a:extLst>
-            <a:ext uri="{909E8E84-426E-40DD-AFC4-6F175D3DCCD1}">
-              <a14:hiddenFill xmlns:a14="http://schemas.microsoft.com/office/drawing/2010/main">
+        </p:spPr>
+        <p:txBody>
+          <a:bodyPr wrap="square" lIns="91440" tIns="45720" rIns="91440" bIns="45720">
+            <a:spAutoFit/>
+          </a:bodyPr>
+          <a:lstStyle/>
+          <a:p>
+            <a:pPr algn="ctr"/>
+            <a:r>
+              <a:rPr lang="sv-SE" sz="5400" b="1" cap="none" spc="0" dirty="0" smtClean="0">
+                <a:ln w="9525">
+                  <a:solidFill>
+                    <a:schemeClr val="bg1"/>
+                  </a:solidFill>
+                  <a:prstDash val="solid"/>
+                </a:ln>
                 <a:solidFill>
-                  <a:srgbClr val="FFFFFF"/>
+                  <a:schemeClr val="tx1"/>
                 </a:solidFill>
-              </a14:hiddenFill>
-            </a:ext>
-          </a:extLst>
-        </p:spPr>
-      </p:pic>
+                <a:effectLst>
+                  <a:outerShdw blurRad="12700" dist="38100" dir="2700000" algn="tl" rotWithShape="0">
+                    <a:schemeClr val="bg1">
+                      <a:lumMod val="50000"/>
+                    </a:schemeClr>
+                  </a:outerShdw>
+                </a:effectLst>
+              </a:rPr>
+              <a:t>Frågor?</a:t>
+            </a:r>
+            <a:endParaRPr lang="sv-SE" sz="5400" b="1" cap="none" spc="0" dirty="0">
+              <a:ln w="9525">
+                <a:solidFill>
+                  <a:schemeClr val="bg1"/>
+                </a:solidFill>
+                <a:prstDash val="solid"/>
+              </a:ln>
+              <a:solidFill>
+                <a:schemeClr val="tx1"/>
+              </a:solidFill>
+              <a:effectLst>
+                <a:outerShdw blurRad="12700" dist="38100" dir="2700000" algn="tl" rotWithShape="0">
+                  <a:schemeClr val="bg1">
+                    <a:lumMod val="50000"/>
+                  </a:schemeClr>
+                </a:outerShdw>
+              </a:effectLst>
+            </a:endParaRPr>
+          </a:p>
+        </p:txBody>
+      </p:sp>
     </p:spTree>
     <p:extLst>
       <p:ext uri="{BB962C8B-B14F-4D97-AF65-F5344CB8AC3E}">
-        <p14:creationId xmlns:p14="http://schemas.microsoft.com/office/powerpoint/2010/main" val="922487978"/>
+        <p14:creationId xmlns:p14="http://schemas.microsoft.com/office/powerpoint/2010/main" val="3702482839"/>
       </p:ext>
     </p:extLst>
   </p:cSld>
@@ -4714,11 +5171,7 @@
                     <a:p>
                       <a:r>
                         <a:rPr lang="sv-SE" dirty="0" smtClean="0"/>
-                        <a:t>Mattias </a:t>
-                      </a:r>
-                      <a:r>
-                        <a:rPr lang="sv-SE" dirty="0" smtClean="0"/>
-                        <a:t>Ulmstedt</a:t>
+                        <a:t>Mattias Ulmstedt</a:t>
                       </a:r>
                       <a:endParaRPr lang="sv-SE" dirty="0"/>
                     </a:p>
@@ -4744,11 +5197,7 @@
                     <a:p>
                       <a:r>
                         <a:rPr lang="sv-SE" dirty="0" smtClean="0"/>
-                        <a:t>Joacim </a:t>
-                      </a:r>
-                      <a:r>
-                        <a:rPr lang="sv-SE" dirty="0" smtClean="0"/>
-                        <a:t>Stålberg</a:t>
+                        <a:t>Joacim Stålberg</a:t>
                       </a:r>
                       <a:endParaRPr lang="sv-SE" dirty="0"/>
                     </a:p>
@@ -5016,15 +5465,7 @@
             </a:br>
             <a:r>
               <a:rPr lang="sv-SE" dirty="0" smtClean="0"/>
-              <a:t>	arbeta </a:t>
-            </a:r>
-            <a:r>
-              <a:rPr lang="sv-SE" dirty="0" smtClean="0"/>
-              <a:t>i större </a:t>
-            </a:r>
-            <a:r>
-              <a:rPr lang="sv-SE" dirty="0" smtClean="0"/>
-              <a:t>projekt</a:t>
+              <a:t>	arbeta i större projekt</a:t>
             </a:r>
             <a:endParaRPr lang="sv-SE" dirty="0"/>
           </a:p>
@@ -5041,13 +5482,8 @@
             </a:br>
             <a:r>
               <a:rPr lang="sv-SE" dirty="0" smtClean="0"/>
-              <a:t>	Konstruera </a:t>
-            </a:r>
-            <a:r>
-              <a:rPr lang="sv-SE" dirty="0" smtClean="0"/>
-              <a:t>en kamprobot</a:t>
-            </a:r>
-            <a:endParaRPr lang="sv-SE" dirty="0" smtClean="0"/>
+              <a:t>	Konstruera en kamprobot</a:t>
+            </a:r>
           </a:p>
           <a:p>
             <a:pPr marL="0" indent="0">
@@ -6116,10 +6552,6 @@
               <a:rPr lang="sv-SE" dirty="0" smtClean="0"/>
               <a:t>Tre delsystem</a:t>
             </a:r>
-            <a:r>
-              <a:rPr lang="sv-SE" dirty="0" smtClean="0"/>
-              <a:t/>
-            </a:r>
             <a:br>
               <a:rPr lang="sv-SE" dirty="0" smtClean="0"/>
             </a:br>
@@ -6472,11 +6904,7 @@
           <a:p>
             <a:r>
               <a:rPr lang="sv-SE" dirty="0" smtClean="0"/>
-              <a:t>Sensorenheten – </a:t>
-            </a:r>
-            <a:r>
-              <a:rPr lang="sv-SE" dirty="0" smtClean="0"/>
-              <a:t>”sinnena”</a:t>
+              <a:t>Sensorenheten – ”sinnena”</a:t>
             </a:r>
             <a:endParaRPr lang="sv-SE" dirty="0"/>
           </a:p>
@@ -6530,26 +6958,14 @@
             </a:br>
             <a:r>
               <a:rPr lang="sv-SE" dirty="0" smtClean="0"/>
-              <a:t>	Tejpsensor </a:t>
-            </a:r>
-            <a:r>
-              <a:rPr lang="sv-SE" dirty="0" smtClean="0"/>
-              <a:t>x 2</a:t>
+              <a:t>	Tejpsensor x 2</a:t>
             </a:r>
             <a:br>
               <a:rPr lang="sv-SE" dirty="0" smtClean="0"/>
             </a:br>
             <a:r>
               <a:rPr lang="sv-SE" dirty="0" smtClean="0"/>
-              <a:t>	</a:t>
-            </a:r>
-            <a:r>
-              <a:rPr lang="sv-SE" dirty="0" smtClean="0"/>
-              <a:t>Gyro</a:t>
-            </a:r>
-            <a:r>
-              <a:rPr lang="sv-SE" dirty="0" smtClean="0"/>
-              <a:t/>
+              <a:t>	Gyro</a:t>
             </a:r>
             <a:br>
               <a:rPr lang="sv-SE" dirty="0" smtClean="0"/>
@@ -6847,11 +7263,7 @@
             </a:pPr>
             <a:r>
               <a:rPr lang="sv-SE" dirty="0" smtClean="0"/>
-              <a:t>”Utför all logik</a:t>
-            </a:r>
-            <a:r>
-              <a:rPr lang="sv-SE" dirty="0" smtClean="0"/>
-              <a:t>”</a:t>
+              <a:t>”Utför all logik”</a:t>
             </a:r>
           </a:p>
           <a:p>
@@ -6866,15 +7278,7 @@
             </a:pPr>
             <a:r>
               <a:rPr lang="sv-SE" dirty="0" smtClean="0"/>
-              <a:t>Skickar </a:t>
-            </a:r>
-            <a:r>
-              <a:rPr lang="sv-SE" dirty="0" smtClean="0"/>
-              <a:t>order till </a:t>
-            </a:r>
-            <a:r>
-              <a:rPr lang="sv-SE" dirty="0" smtClean="0"/>
-              <a:t>styrenheten</a:t>
+              <a:t>Skickar order till styrenheten</a:t>
             </a:r>
           </a:p>
           <a:p>
@@ -6961,7 +7365,152 @@
   <p:timing>
     <p:tnLst>
       <p:par>
-        <p:cTn id="1" dur="indefinite" restart="never" nodeType="tmRoot"/>
+        <p:cTn id="1" dur="indefinite" restart="never" nodeType="tmRoot">
+          <p:childTnLst>
+            <p:seq concurrent="1" nextAc="seek">
+              <p:cTn id="2" dur="indefinite" nodeType="mainSeq">
+                <p:childTnLst>
+                  <p:par>
+                    <p:cTn id="3" fill="hold">
+                      <p:stCondLst>
+                        <p:cond delay="indefinite"/>
+                      </p:stCondLst>
+                      <p:childTnLst>
+                        <p:par>
+                          <p:cTn id="4" fill="hold">
+                            <p:stCondLst>
+                              <p:cond delay="0"/>
+                            </p:stCondLst>
+                            <p:childTnLst>
+                              <p:par>
+                                <p:cTn id="5" presetID="10" presetClass="entr" presetSubtype="0" fill="hold" nodeType="clickEffect">
+                                  <p:stCondLst>
+                                    <p:cond delay="0"/>
+                                  </p:stCondLst>
+                                  <p:childTnLst>
+                                    <p:set>
+                                      <p:cBhvr>
+                                        <p:cTn id="6" dur="1" fill="hold">
+                                          <p:stCondLst>
+                                            <p:cond delay="0"/>
+                                          </p:stCondLst>
+                                        </p:cTn>
+                                        <p:tgtEl>
+                                          <p:spTgt spid="3">
+                                            <p:txEl>
+                                              <p:pRg st="2" end="2"/>
+                                            </p:txEl>
+                                          </p:spTgt>
+                                        </p:tgtEl>
+                                        <p:attrNameLst>
+                                          <p:attrName>style.visibility</p:attrName>
+                                        </p:attrNameLst>
+                                      </p:cBhvr>
+                                      <p:to>
+                                        <p:strVal val="visible"/>
+                                      </p:to>
+                                    </p:set>
+                                    <p:animEffect transition="in" filter="fade">
+                                      <p:cBhvr>
+                                        <p:cTn id="7" dur="500"/>
+                                        <p:tgtEl>
+                                          <p:spTgt spid="3">
+                                            <p:txEl>
+                                              <p:pRg st="2" end="2"/>
+                                            </p:txEl>
+                                          </p:spTgt>
+                                        </p:tgtEl>
+                                      </p:cBhvr>
+                                    </p:animEffect>
+                                  </p:childTnLst>
+                                </p:cTn>
+                              </p:par>
+                            </p:childTnLst>
+                          </p:cTn>
+                        </p:par>
+                      </p:childTnLst>
+                    </p:cTn>
+                  </p:par>
+                  <p:par>
+                    <p:cTn id="8" fill="hold">
+                      <p:stCondLst>
+                        <p:cond delay="indefinite"/>
+                      </p:stCondLst>
+                      <p:childTnLst>
+                        <p:par>
+                          <p:cTn id="9" fill="hold">
+                            <p:stCondLst>
+                              <p:cond delay="0"/>
+                            </p:stCondLst>
+                            <p:childTnLst>
+                              <p:par>
+                                <p:cTn id="10" presetID="10" presetClass="entr" presetSubtype="0" fill="hold" nodeType="clickEffect">
+                                  <p:stCondLst>
+                                    <p:cond delay="0"/>
+                                  </p:stCondLst>
+                                  <p:childTnLst>
+                                    <p:set>
+                                      <p:cBhvr>
+                                        <p:cTn id="11" dur="1" fill="hold">
+                                          <p:stCondLst>
+                                            <p:cond delay="0"/>
+                                          </p:stCondLst>
+                                        </p:cTn>
+                                        <p:tgtEl>
+                                          <p:spTgt spid="3">
+                                            <p:txEl>
+                                              <p:pRg st="4" end="4"/>
+                                            </p:txEl>
+                                          </p:spTgt>
+                                        </p:tgtEl>
+                                        <p:attrNameLst>
+                                          <p:attrName>style.visibility</p:attrName>
+                                        </p:attrNameLst>
+                                      </p:cBhvr>
+                                      <p:to>
+                                        <p:strVal val="visible"/>
+                                      </p:to>
+                                    </p:set>
+                                    <p:animEffect transition="in" filter="fade">
+                                      <p:cBhvr>
+                                        <p:cTn id="12" dur="500"/>
+                                        <p:tgtEl>
+                                          <p:spTgt spid="3">
+                                            <p:txEl>
+                                              <p:pRg st="4" end="4"/>
+                                            </p:txEl>
+                                          </p:spTgt>
+                                        </p:tgtEl>
+                                      </p:cBhvr>
+                                    </p:animEffect>
+                                  </p:childTnLst>
+                                </p:cTn>
+                              </p:par>
+                            </p:childTnLst>
+                          </p:cTn>
+                        </p:par>
+                      </p:childTnLst>
+                    </p:cTn>
+                  </p:par>
+                </p:childTnLst>
+              </p:cTn>
+              <p:prevCondLst>
+                <p:cond evt="onPrev" delay="0">
+                  <p:tgtEl>
+                    <p:sldTgt/>
+                  </p:tgtEl>
+                </p:cond>
+              </p:prevCondLst>
+              <p:nextCondLst>
+                <p:cond evt="onNext" delay="0">
+                  <p:tgtEl>
+                    <p:sldTgt/>
+                  </p:tgtEl>
+                </p:cond>
+              </p:nextCondLst>
+            </p:seq>
+          </p:childTnLst>
+        </p:cTn>
       </p:par>
     </p:tnLst>
   </p:timing>
@@ -7177,9 +7726,19 @@
             <a:pPr marL="137160" indent="0">
               <a:buNone/>
             </a:pPr>
+            <a:endParaRPr lang="sv-SE" dirty="0" smtClean="0"/>
+          </a:p>
+          <a:p>
+            <a:pPr marL="137160" indent="0">
+              <a:buNone/>
+            </a:pPr>
+            <a:r>
+              <a:rPr lang="sv-SE" dirty="0" smtClean="0"/>
+              <a:t>Bluetooth </a:t>
+            </a:r>
             <a:r>
               <a:rPr lang="sv-SE" dirty="0"/>
-              <a:t>Bluetooth – </a:t>
+              <a:t>– </a:t>
             </a:r>
             <a:r>
               <a:rPr lang="sv-SE" dirty="0" smtClean="0"/>
@@ -7316,7 +7875,152 @@
   <p:timing>
     <p:tnLst>
       <p:par>
-        <p:cTn id="1" dur="indefinite" restart="never" nodeType="tmRoot"/>
+        <p:cTn id="1" dur="indefinite" restart="never" nodeType="tmRoot">
+          <p:childTnLst>
+            <p:seq concurrent="1" nextAc="seek">
+              <p:cTn id="2" dur="indefinite" nodeType="mainSeq">
+                <p:childTnLst>
+                  <p:par>
+                    <p:cTn id="3" fill="hold">
+                      <p:stCondLst>
+                        <p:cond delay="indefinite"/>
+                      </p:stCondLst>
+                      <p:childTnLst>
+                        <p:par>
+                          <p:cTn id="4" fill="hold">
+                            <p:stCondLst>
+                              <p:cond delay="0"/>
+                            </p:stCondLst>
+                            <p:childTnLst>
+                              <p:par>
+                                <p:cTn id="5" presetID="10" presetClass="entr" presetSubtype="0" fill="hold" nodeType="clickEffect">
+                                  <p:stCondLst>
+                                    <p:cond delay="0"/>
+                                  </p:stCondLst>
+                                  <p:childTnLst>
+                                    <p:set>
+                                      <p:cBhvr>
+                                        <p:cTn id="6" dur="1" fill="hold">
+                                          <p:stCondLst>
+                                            <p:cond delay="0"/>
+                                          </p:stCondLst>
+                                        </p:cTn>
+                                        <p:tgtEl>
+                                          <p:spTgt spid="3">
+                                            <p:txEl>
+                                              <p:pRg st="2" end="2"/>
+                                            </p:txEl>
+                                          </p:spTgt>
+                                        </p:tgtEl>
+                                        <p:attrNameLst>
+                                          <p:attrName>style.visibility</p:attrName>
+                                        </p:attrNameLst>
+                                      </p:cBhvr>
+                                      <p:to>
+                                        <p:strVal val="visible"/>
+                                      </p:to>
+                                    </p:set>
+                                    <p:animEffect transition="in" filter="fade">
+                                      <p:cBhvr>
+                                        <p:cTn id="7" dur="500"/>
+                                        <p:tgtEl>
+                                          <p:spTgt spid="3">
+                                            <p:txEl>
+                                              <p:pRg st="2" end="2"/>
+                                            </p:txEl>
+                                          </p:spTgt>
+                                        </p:tgtEl>
+                                      </p:cBhvr>
+                                    </p:animEffect>
+                                  </p:childTnLst>
+                                </p:cTn>
+                              </p:par>
+                            </p:childTnLst>
+                          </p:cTn>
+                        </p:par>
+                      </p:childTnLst>
+                    </p:cTn>
+                  </p:par>
+                  <p:par>
+                    <p:cTn id="8" fill="hold">
+                      <p:stCondLst>
+                        <p:cond delay="indefinite"/>
+                      </p:stCondLst>
+                      <p:childTnLst>
+                        <p:par>
+                          <p:cTn id="9" fill="hold">
+                            <p:stCondLst>
+                              <p:cond delay="0"/>
+                            </p:stCondLst>
+                            <p:childTnLst>
+                              <p:par>
+                                <p:cTn id="10" presetID="10" presetClass="entr" presetSubtype="0" fill="hold" nodeType="clickEffect">
+                                  <p:stCondLst>
+                                    <p:cond delay="0"/>
+                                  </p:stCondLst>
+                                  <p:childTnLst>
+                                    <p:set>
+                                      <p:cBhvr>
+                                        <p:cTn id="11" dur="1" fill="hold">
+                                          <p:stCondLst>
+                                            <p:cond delay="0"/>
+                                          </p:stCondLst>
+                                        </p:cTn>
+                                        <p:tgtEl>
+                                          <p:spTgt spid="3">
+                                            <p:txEl>
+                                              <p:pRg st="3" end="3"/>
+                                            </p:txEl>
+                                          </p:spTgt>
+                                        </p:tgtEl>
+                                        <p:attrNameLst>
+                                          <p:attrName>style.visibility</p:attrName>
+                                        </p:attrNameLst>
+                                      </p:cBhvr>
+                                      <p:to>
+                                        <p:strVal val="visible"/>
+                                      </p:to>
+                                    </p:set>
+                                    <p:animEffect transition="in" filter="fade">
+                                      <p:cBhvr>
+                                        <p:cTn id="12" dur="500"/>
+                                        <p:tgtEl>
+                                          <p:spTgt spid="3">
+                                            <p:txEl>
+                                              <p:pRg st="3" end="3"/>
+                                            </p:txEl>
+                                          </p:spTgt>
+                                        </p:tgtEl>
+                                      </p:cBhvr>
+                                    </p:animEffect>
+                                  </p:childTnLst>
+                                </p:cTn>
+                              </p:par>
+                            </p:childTnLst>
+                          </p:cTn>
+                        </p:par>
+                      </p:childTnLst>
+                    </p:cTn>
+                  </p:par>
+                </p:childTnLst>
+              </p:cTn>
+              <p:prevCondLst>
+                <p:cond evt="onPrev" delay="0">
+                  <p:tgtEl>
+                    <p:sldTgt/>
+                  </p:tgtEl>
+                </p:cond>
+              </p:prevCondLst>
+              <p:nextCondLst>
+                <p:cond evt="onNext" delay="0">
+                  <p:tgtEl>
+                    <p:sldTgt/>
+                  </p:tgtEl>
+                </p:cond>
+              </p:nextCondLst>
+            </p:seq>
+          </p:childTnLst>
+        </p:cTn>
       </p:par>
     </p:tnLst>
   </p:timing>

--- a/docs/TSEA29 - presentation v.01.pptx
+++ b/docs/TSEA29 - presentation v.01.pptx
@@ -5,10 +5,10 @@
     <p:sldMasterId id="2147484363" r:id="rId1"/>
   </p:sldMasterIdLst>
   <p:notesMasterIdLst>
-    <p:notesMasterId r:id="rId17"/>
+    <p:notesMasterId r:id="rId29"/>
   </p:notesMasterIdLst>
   <p:handoutMasterIdLst>
-    <p:handoutMasterId r:id="rId18"/>
+    <p:handoutMasterId r:id="rId30"/>
   </p:handoutMasterIdLst>
   <p:sldIdLst>
     <p:sldId id="256" r:id="rId2"/>
@@ -17,15 +17,27 @@
     <p:sldId id="259" r:id="rId5"/>
     <p:sldId id="267" r:id="rId6"/>
     <p:sldId id="263" r:id="rId7"/>
-    <p:sldId id="264" r:id="rId8"/>
-    <p:sldId id="268" r:id="rId9"/>
-    <p:sldId id="260" r:id="rId10"/>
-    <p:sldId id="261" r:id="rId11"/>
-    <p:sldId id="266" r:id="rId12"/>
-    <p:sldId id="262" r:id="rId13"/>
-    <p:sldId id="271" r:id="rId14"/>
-    <p:sldId id="272" r:id="rId15"/>
-    <p:sldId id="273" r:id="rId16"/>
+    <p:sldId id="274" r:id="rId8"/>
+    <p:sldId id="275" r:id="rId9"/>
+    <p:sldId id="276" r:id="rId10"/>
+    <p:sldId id="277" r:id="rId11"/>
+    <p:sldId id="278" r:id="rId12"/>
+    <p:sldId id="279" r:id="rId13"/>
+    <p:sldId id="264" r:id="rId14"/>
+    <p:sldId id="268" r:id="rId15"/>
+    <p:sldId id="260" r:id="rId16"/>
+    <p:sldId id="280" r:id="rId17"/>
+    <p:sldId id="281" r:id="rId18"/>
+    <p:sldId id="282" r:id="rId19"/>
+    <p:sldId id="283" r:id="rId20"/>
+    <p:sldId id="284" r:id="rId21"/>
+    <p:sldId id="285" r:id="rId22"/>
+    <p:sldId id="261" r:id="rId23"/>
+    <p:sldId id="266" r:id="rId24"/>
+    <p:sldId id="262" r:id="rId25"/>
+    <p:sldId id="271" r:id="rId26"/>
+    <p:sldId id="272" r:id="rId27"/>
+    <p:sldId id="273" r:id="rId28"/>
   </p:sldIdLst>
   <p:sldSz cx="12192000" cy="6858000"/>
   <p:notesSz cx="6858000" cy="9144000"/>
@@ -3938,8 +3950,8 @@
           <a:lstStyle/>
           <a:p>
             <a:r>
-              <a:rPr lang="sv-SE" dirty="0" smtClean="0"/>
-              <a:t>GUI</a:t>
+              <a:rPr lang="sv-SE" dirty="0"/>
+              <a:t>Tejpsensor</a:t>
             </a:r>
             <a:endParaRPr lang="sv-SE" dirty="0"/>
           </a:p>
@@ -3960,38 +3972,10 @@
           <a:bodyPr/>
           <a:lstStyle/>
           <a:p>
-            <a:pPr marL="137160" indent="0">
+            <a:pPr marL="0" indent="0">
               <a:buNone/>
             </a:pPr>
-            <a:r>
-              <a:rPr lang="sv-SE" dirty="0" smtClean="0"/>
-              <a:t>Användning</a:t>
-            </a:r>
-            <a:r>
-              <a:rPr lang="sv-SE" dirty="0" smtClean="0"/>
-              <a:t/>
-            </a:r>
-            <a:br>
-              <a:rPr lang="sv-SE" dirty="0" smtClean="0"/>
-            </a:br>
-            <a:r>
-              <a:rPr lang="sv-SE" dirty="0" smtClean="0"/>
-              <a:t>	</a:t>
-            </a:r>
-            <a:br>
-              <a:rPr lang="sv-SE" dirty="0" smtClean="0"/>
-            </a:br>
-            <a:r>
-              <a:rPr lang="sv-SE" dirty="0" smtClean="0"/>
-              <a:t/>
-            </a:r>
-            <a:br>
-              <a:rPr lang="sv-SE" dirty="0" smtClean="0"/>
-            </a:br>
-            <a:r>
-              <a:rPr lang="sv-SE" dirty="0" smtClean="0"/>
-              <a:t>Kod: Java</a:t>
-            </a:r>
+            <a:endParaRPr lang="sv-SE" dirty="0"/>
           </a:p>
         </p:txBody>
       </p:sp>
@@ -4048,43 +4032,10 @@
           </a:prstGeom>
         </p:spPr>
       </p:pic>
-      <p:pic>
-        <p:nvPicPr>
-          <p:cNvPr id="7" name="Bildobjekt 3" descr="C:\Users\Student\Desktop\gui bild.PNG"/>
-          <p:cNvPicPr/>
-          <p:nvPr/>
-        </p:nvPicPr>
-        <p:blipFill>
-          <a:blip r:embed="rId3">
-            <a:extLst>
-              <a:ext uri="{28A0092B-C50C-407E-A947-70E740481C1C}">
-                <a14:useLocalDpi xmlns:a14="http://schemas.microsoft.com/office/drawing/2010/main" val="0"/>
-              </a:ext>
-            </a:extLst>
-          </a:blip>
-          <a:srcRect/>
-          <a:stretch>
-            <a:fillRect/>
-          </a:stretch>
-        </p:blipFill>
-        <p:spPr bwMode="auto">
-          <a:xfrm>
-            <a:off x="4373631" y="1858234"/>
-            <a:ext cx="7657752" cy="4193091"/>
-          </a:xfrm>
-          <a:prstGeom prst="rect">
-            <a:avLst/>
-          </a:prstGeom>
-          <a:noFill/>
-          <a:ln>
-            <a:noFill/>
-          </a:ln>
-        </p:spPr>
-      </p:pic>
     </p:spTree>
     <p:extLst>
       <p:ext uri="{BB962C8B-B14F-4D97-AF65-F5344CB8AC3E}">
-        <p14:creationId xmlns:p14="http://schemas.microsoft.com/office/powerpoint/2010/main" val="2522562466"/>
+        <p14:creationId xmlns:p14="http://schemas.microsoft.com/office/powerpoint/2010/main" val="717293904"/>
       </p:ext>
     </p:extLst>
   </p:cSld>
@@ -4135,7 +4086,7 @@
           <a:p>
             <a:r>
               <a:rPr lang="sv-SE" dirty="0" smtClean="0"/>
-              <a:t>Arbetsmetod</a:t>
+              <a:t>Gyro</a:t>
             </a:r>
             <a:endParaRPr lang="sv-SE" dirty="0"/>
           </a:p>
@@ -4159,60 +4110,7 @@
             <a:pPr marL="0" indent="0">
               <a:buNone/>
             </a:pPr>
-            <a:r>
-              <a:rPr lang="sv-SE" dirty="0" smtClean="0"/>
-              <a:t>Jobbar inifrån ut</a:t>
-            </a:r>
-            <a:br>
-              <a:rPr lang="sv-SE" dirty="0" smtClean="0"/>
-            </a:br>
-            <a:r>
-              <a:rPr lang="sv-SE" dirty="0" smtClean="0"/>
-              <a:t/>
-            </a:r>
-            <a:br>
-              <a:rPr lang="sv-SE" dirty="0" smtClean="0"/>
-            </a:br>
-            <a:r>
-              <a:rPr lang="sv-SE" dirty="0" smtClean="0"/>
-              <a:t>Lösning av problem:</a:t>
-            </a:r>
-            <a:br>
-              <a:rPr lang="sv-SE" dirty="0" smtClean="0"/>
-            </a:br>
-            <a:r>
-              <a:rPr lang="sv-SE" dirty="0" smtClean="0"/>
-              <a:t>	analysera</a:t>
-            </a:r>
-            <a:br>
-              <a:rPr lang="sv-SE" dirty="0" smtClean="0"/>
-            </a:br>
-            <a:r>
-              <a:rPr lang="sv-SE" dirty="0" smtClean="0"/>
-              <a:t>	brainstorm</a:t>
-            </a:r>
-            <a:br>
-              <a:rPr lang="sv-SE" dirty="0" smtClean="0"/>
-            </a:br>
-            <a:r>
-              <a:rPr lang="sv-SE" dirty="0" smtClean="0"/>
-              <a:t>	åtgärda</a:t>
-            </a:r>
-            <a:br>
-              <a:rPr lang="sv-SE" dirty="0" smtClean="0"/>
-            </a:br>
-            <a:r>
-              <a:rPr lang="sv-SE" dirty="0" smtClean="0"/>
-              <a:t/>
-            </a:r>
-            <a:br>
-              <a:rPr lang="sv-SE" dirty="0" smtClean="0"/>
-            </a:br>
-            <a:r>
-              <a:rPr lang="sv-SE" sz="3600" dirty="0" smtClean="0"/>
-              <a:t>Testa, testa, testa!</a:t>
-            </a:r>
-            <a:endParaRPr lang="sv-SE" sz="3600" dirty="0"/>
+            <a:endParaRPr lang="sv-SE" dirty="0"/>
           </a:p>
         </p:txBody>
       </p:sp>
@@ -4272,7 +4170,7 @@
     </p:spTree>
     <p:extLst>
       <p:ext uri="{BB962C8B-B14F-4D97-AF65-F5344CB8AC3E}">
-        <p14:creationId xmlns:p14="http://schemas.microsoft.com/office/powerpoint/2010/main" val="2546463700"/>
+        <p14:creationId xmlns:p14="http://schemas.microsoft.com/office/powerpoint/2010/main" val="1114743888"/>
       </p:ext>
     </p:extLst>
   </p:cSld>
@@ -4322,8 +4220,8 @@
           <a:lstStyle/>
           <a:p>
             <a:r>
-              <a:rPr lang="sv-SE" dirty="0" smtClean="0"/>
-              <a:t>Resultat</a:t>
+              <a:rPr lang="sv-SE" dirty="0"/>
+              <a:t>Sensorenheten – ”sinnena”</a:t>
             </a:r>
             <a:endParaRPr lang="sv-SE" dirty="0"/>
           </a:p>
@@ -4339,51 +4237,123 @@
             <p:ph idx="1"/>
           </p:nvPr>
         </p:nvSpPr>
-        <p:spPr>
-          <a:xfrm>
-            <a:off x="609600" y="1360449"/>
-            <a:ext cx="10972800" cy="4948911"/>
-          </a:xfrm>
-        </p:spPr>
+        <p:spPr/>
         <p:txBody>
           <a:bodyPr>
-            <a:normAutofit/>
+            <a:normAutofit lnSpcReduction="10000"/>
           </a:bodyPr>
           <a:lstStyle/>
           <a:p>
-            <a:pPr marL="137160" indent="0">
+            <a:pPr marL="0" indent="0">
               <a:buNone/>
             </a:pPr>
             <a:r>
               <a:rPr lang="sv-SE" dirty="0" smtClean="0"/>
-              <a:t>Resultat:</a:t>
+              <a:t>Ingående </a:t>
+            </a:r>
+            <a:r>
+              <a:rPr lang="sv-SE" dirty="0"/>
+              <a:t>komponenter</a:t>
             </a:r>
             <a:br>
-              <a:rPr lang="sv-SE" dirty="0" smtClean="0"/>
+              <a:rPr lang="sv-SE" dirty="0"/>
             </a:br>
             <a:r>
               <a:rPr lang="sv-SE" dirty="0" smtClean="0"/>
-              <a:t>	fungerande robot inom tidsram</a:t>
-            </a:r>
-            <a:br>
-              <a:rPr lang="sv-SE" dirty="0" smtClean="0"/>
-            </a:br>
-            <a:r>
-              <a:rPr lang="sv-SE" dirty="0" smtClean="0"/>
-              <a:t>	inga vidare problem alls</a:t>
-            </a:r>
-          </a:p>
-          <a:p>
-            <a:pPr marL="137160" indent="0">
+              <a:t>	Ultraljudssensor</a:t>
+            </a:r>
+          </a:p>
+          <a:p>
+            <a:pPr marL="0" indent="0">
               <a:buNone/>
             </a:pPr>
             <a:r>
-              <a:rPr lang="sv-SE" dirty="0" smtClean="0"/>
-              <a:t/>
-            </a:r>
-            <a:br>
-              <a:rPr lang="sv-SE" dirty="0" smtClean="0"/>
-            </a:br>
+              <a:rPr lang="sv-SE" dirty="0"/>
+              <a:t>	</a:t>
+            </a:r>
+            <a:r>
+              <a:rPr lang="sv-SE" dirty="0" smtClean="0"/>
+              <a:t>Lasersensor</a:t>
+            </a:r>
+          </a:p>
+          <a:p>
+            <a:pPr marL="0" indent="0">
+              <a:buNone/>
+            </a:pPr>
+            <a:r>
+              <a:rPr lang="sv-SE" dirty="0"/>
+              <a:t>	</a:t>
+            </a:r>
+            <a:r>
+              <a:rPr lang="sv-SE" dirty="0" smtClean="0"/>
+              <a:t>IR-sensor</a:t>
+            </a:r>
+          </a:p>
+          <a:p>
+            <a:pPr marL="0" indent="0">
+              <a:buNone/>
+            </a:pPr>
+            <a:r>
+              <a:rPr lang="sv-SE" dirty="0"/>
+              <a:t>	</a:t>
+            </a:r>
+            <a:r>
+              <a:rPr lang="sv-SE" dirty="0" smtClean="0"/>
+              <a:t>Tejpsensor x 2</a:t>
+            </a:r>
+          </a:p>
+          <a:p>
+            <a:pPr marL="0" indent="0">
+              <a:buNone/>
+            </a:pPr>
+            <a:r>
+              <a:rPr lang="sv-SE" dirty="0"/>
+              <a:t>	</a:t>
+            </a:r>
+            <a:r>
+              <a:rPr lang="sv-SE" dirty="0" smtClean="0"/>
+              <a:t>Gyro</a:t>
+            </a:r>
+            <a:endParaRPr lang="sv-SE" dirty="0"/>
+          </a:p>
+          <a:p>
+            <a:pPr marL="0" indent="0">
+              <a:buNone/>
+            </a:pPr>
+            <a:endParaRPr lang="sv-SE" dirty="0"/>
+          </a:p>
+          <a:p>
+            <a:pPr marL="0" indent="0">
+              <a:buNone/>
+            </a:pPr>
+            <a:r>
+              <a:rPr lang="sv-SE" dirty="0" smtClean="0"/>
+              <a:t>Hämtar </a:t>
+            </a:r>
+            <a:r>
+              <a:rPr lang="sv-SE" dirty="0"/>
+              <a:t>rådata från sensormoduler</a:t>
+            </a:r>
+          </a:p>
+          <a:p>
+            <a:pPr marL="0" indent="0">
+              <a:buNone/>
+            </a:pPr>
+            <a:endParaRPr lang="sv-SE" dirty="0"/>
+          </a:p>
+          <a:p>
+            <a:pPr marL="0" indent="0">
+              <a:buNone/>
+            </a:pPr>
+            <a:r>
+              <a:rPr lang="sv-SE" dirty="0"/>
+              <a:t>Skickar data till målsökningsenheten</a:t>
+            </a:r>
+          </a:p>
+          <a:p>
+            <a:pPr marL="0" indent="0">
+              <a:buNone/>
+            </a:pPr>
             <a:endParaRPr lang="sv-SE" dirty="0"/>
           </a:p>
         </p:txBody>
@@ -4444,7 +4414,7 @@
     </p:spTree>
     <p:extLst>
       <p:ext uri="{BB962C8B-B14F-4D97-AF65-F5344CB8AC3E}">
-        <p14:creationId xmlns:p14="http://schemas.microsoft.com/office/powerpoint/2010/main" val="922487978"/>
+        <p14:creationId xmlns:p14="http://schemas.microsoft.com/office/powerpoint/2010/main" val="1967594891"/>
       </p:ext>
     </p:extLst>
   </p:cSld>
@@ -4488,39 +4458,42 @@
             <p:ph type="title"/>
           </p:nvPr>
         </p:nvSpPr>
-        <p:spPr/>
-        <p:txBody>
-          <a:bodyPr/>
-          <a:lstStyle/>
-          <a:p>
-            <a:r>
-              <a:rPr lang="sv-SE" dirty="0" smtClean="0"/>
-              <a:t>Vidareutveckling</a:t>
-            </a:r>
-            <a:endParaRPr lang="sv-SE" dirty="0"/>
-          </a:p>
-        </p:txBody>
-      </p:sp>
-      <p:sp>
-        <p:nvSpPr>
-          <p:cNvPr id="3" name="Content Placeholder 2"/>
-          <p:cNvSpPr>
-            <a:spLocks noGrp="1"/>
-          </p:cNvSpPr>
-          <p:nvPr>
-            <p:ph idx="1"/>
-          </p:nvPr>
-        </p:nvSpPr>
         <p:spPr>
           <a:xfrm>
-            <a:off x="609600" y="1360449"/>
-            <a:ext cx="10972800" cy="4948911"/>
+            <a:off x="598449" y="555802"/>
+            <a:ext cx="10972800" cy="1375742"/>
           </a:xfrm>
         </p:spPr>
         <p:txBody>
-          <a:bodyPr>
-            <a:normAutofit/>
-          </a:bodyPr>
+          <a:bodyPr/>
+          <a:lstStyle/>
+          <a:p>
+            <a:r>
+              <a:rPr lang="sv-SE" dirty="0" smtClean="0"/>
+              <a:t>Målsökningsenheten – ”hjärnan”</a:t>
+            </a:r>
+            <a:endParaRPr lang="sv-SE" dirty="0"/>
+          </a:p>
+        </p:txBody>
+      </p:sp>
+      <p:sp>
+        <p:nvSpPr>
+          <p:cNvPr id="3" name="Content Placeholder 2"/>
+          <p:cNvSpPr>
+            <a:spLocks noGrp="1"/>
+          </p:cNvSpPr>
+          <p:nvPr>
+            <p:ph idx="1"/>
+          </p:nvPr>
+        </p:nvSpPr>
+        <p:spPr>
+          <a:xfrm>
+            <a:off x="609600" y="1873405"/>
+            <a:ext cx="10972800" cy="4435954"/>
+          </a:xfrm>
+        </p:spPr>
+        <p:txBody>
+          <a:bodyPr/>
           <a:lstStyle/>
           <a:p>
             <a:pPr marL="137160" indent="0">
@@ -4528,24 +4501,38 @@
             </a:pPr>
             <a:r>
               <a:rPr lang="sv-SE" dirty="0" smtClean="0"/>
-              <a:t>Vidareutveckling</a:t>
-            </a:r>
-            <a:r>
-              <a:rPr lang="sv-SE" dirty="0"/>
-              <a:t>:</a:t>
-            </a:r>
-            <a:br>
-              <a:rPr lang="sv-SE" dirty="0"/>
-            </a:br>
-            <a:r>
-              <a:rPr lang="sv-SE" dirty="0"/>
-              <a:t>	Kan bli även större och bättre!</a:t>
+              <a:t>”Utför all logik”</a:t>
             </a:r>
           </a:p>
           <a:p>
             <a:pPr marL="137160" indent="0">
               <a:buNone/>
             </a:pPr>
+            <a:endParaRPr lang="sv-SE" dirty="0" smtClean="0"/>
+          </a:p>
+          <a:p>
+            <a:pPr marL="137160" indent="0">
+              <a:buNone/>
+            </a:pPr>
+            <a:r>
+              <a:rPr lang="sv-SE" dirty="0" smtClean="0"/>
+              <a:t>Skickar order till styrenheten</a:t>
+            </a:r>
+          </a:p>
+          <a:p>
+            <a:endParaRPr lang="sv-SE" dirty="0"/>
+          </a:p>
+          <a:p>
+            <a:pPr marL="137160" indent="0">
+              <a:buNone/>
+            </a:pPr>
+            <a:r>
+              <a:rPr lang="sv-SE" dirty="0"/>
+              <a:t>AI – 2 olika lägen</a:t>
+            </a:r>
+            <a:endParaRPr lang="sv-SE" dirty="0" smtClean="0"/>
+          </a:p>
+          <a:p>
             <a:endParaRPr lang="sv-SE" dirty="0"/>
           </a:p>
         </p:txBody>
@@ -4606,7 +4593,7 @@
     </p:spTree>
     <p:extLst>
       <p:ext uri="{BB962C8B-B14F-4D97-AF65-F5344CB8AC3E}">
-        <p14:creationId xmlns:p14="http://schemas.microsoft.com/office/powerpoint/2010/main" val="221010614"/>
+        <p14:creationId xmlns:p14="http://schemas.microsoft.com/office/powerpoint/2010/main" val="260441469"/>
       </p:ext>
     </p:extLst>
   </p:cSld>
@@ -4616,7 +4603,152 @@
   <p:timing>
     <p:tnLst>
       <p:par>
-        <p:cTn id="1" dur="indefinite" restart="never" nodeType="tmRoot"/>
+        <p:cTn id="1" dur="indefinite" restart="never" nodeType="tmRoot">
+          <p:childTnLst>
+            <p:seq concurrent="1" nextAc="seek">
+              <p:cTn id="2" dur="indefinite" nodeType="mainSeq">
+                <p:childTnLst>
+                  <p:par>
+                    <p:cTn id="3" fill="hold">
+                      <p:stCondLst>
+                        <p:cond delay="indefinite"/>
+                      </p:stCondLst>
+                      <p:childTnLst>
+                        <p:par>
+                          <p:cTn id="4" fill="hold">
+                            <p:stCondLst>
+                              <p:cond delay="0"/>
+                            </p:stCondLst>
+                            <p:childTnLst>
+                              <p:par>
+                                <p:cTn id="5" presetID="10" presetClass="entr" presetSubtype="0" fill="hold" nodeType="clickEffect">
+                                  <p:stCondLst>
+                                    <p:cond delay="0"/>
+                                  </p:stCondLst>
+                                  <p:childTnLst>
+                                    <p:set>
+                                      <p:cBhvr>
+                                        <p:cTn id="6" dur="1" fill="hold">
+                                          <p:stCondLst>
+                                            <p:cond delay="0"/>
+                                          </p:stCondLst>
+                                        </p:cTn>
+                                        <p:tgtEl>
+                                          <p:spTgt spid="3">
+                                            <p:txEl>
+                                              <p:pRg st="2" end="2"/>
+                                            </p:txEl>
+                                          </p:spTgt>
+                                        </p:tgtEl>
+                                        <p:attrNameLst>
+                                          <p:attrName>style.visibility</p:attrName>
+                                        </p:attrNameLst>
+                                      </p:cBhvr>
+                                      <p:to>
+                                        <p:strVal val="visible"/>
+                                      </p:to>
+                                    </p:set>
+                                    <p:animEffect transition="in" filter="fade">
+                                      <p:cBhvr>
+                                        <p:cTn id="7" dur="500"/>
+                                        <p:tgtEl>
+                                          <p:spTgt spid="3">
+                                            <p:txEl>
+                                              <p:pRg st="2" end="2"/>
+                                            </p:txEl>
+                                          </p:spTgt>
+                                        </p:tgtEl>
+                                      </p:cBhvr>
+                                    </p:animEffect>
+                                  </p:childTnLst>
+                                </p:cTn>
+                              </p:par>
+                            </p:childTnLst>
+                          </p:cTn>
+                        </p:par>
+                      </p:childTnLst>
+                    </p:cTn>
+                  </p:par>
+                  <p:par>
+                    <p:cTn id="8" fill="hold">
+                      <p:stCondLst>
+                        <p:cond delay="indefinite"/>
+                      </p:stCondLst>
+                      <p:childTnLst>
+                        <p:par>
+                          <p:cTn id="9" fill="hold">
+                            <p:stCondLst>
+                              <p:cond delay="0"/>
+                            </p:stCondLst>
+                            <p:childTnLst>
+                              <p:par>
+                                <p:cTn id="10" presetID="10" presetClass="entr" presetSubtype="0" fill="hold" nodeType="clickEffect">
+                                  <p:stCondLst>
+                                    <p:cond delay="0"/>
+                                  </p:stCondLst>
+                                  <p:childTnLst>
+                                    <p:set>
+                                      <p:cBhvr>
+                                        <p:cTn id="11" dur="1" fill="hold">
+                                          <p:stCondLst>
+                                            <p:cond delay="0"/>
+                                          </p:stCondLst>
+                                        </p:cTn>
+                                        <p:tgtEl>
+                                          <p:spTgt spid="3">
+                                            <p:txEl>
+                                              <p:pRg st="4" end="4"/>
+                                            </p:txEl>
+                                          </p:spTgt>
+                                        </p:tgtEl>
+                                        <p:attrNameLst>
+                                          <p:attrName>style.visibility</p:attrName>
+                                        </p:attrNameLst>
+                                      </p:cBhvr>
+                                      <p:to>
+                                        <p:strVal val="visible"/>
+                                      </p:to>
+                                    </p:set>
+                                    <p:animEffect transition="in" filter="fade">
+                                      <p:cBhvr>
+                                        <p:cTn id="12" dur="500"/>
+                                        <p:tgtEl>
+                                          <p:spTgt spid="3">
+                                            <p:txEl>
+                                              <p:pRg st="4" end="4"/>
+                                            </p:txEl>
+                                          </p:spTgt>
+                                        </p:tgtEl>
+                                      </p:cBhvr>
+                                    </p:animEffect>
+                                  </p:childTnLst>
+                                </p:cTn>
+                              </p:par>
+                            </p:childTnLst>
+                          </p:cTn>
+                        </p:par>
+                      </p:childTnLst>
+                    </p:cTn>
+                  </p:par>
+                </p:childTnLst>
+              </p:cTn>
+              <p:prevCondLst>
+                <p:cond evt="onPrev" delay="0">
+                  <p:tgtEl>
+                    <p:sldTgt/>
+                  </p:tgtEl>
+                </p:cond>
+              </p:prevCondLst>
+              <p:nextCondLst>
+                <p:cond evt="onNext" delay="0">
+                  <p:tgtEl>
+                    <p:sldTgt/>
+                  </p:tgtEl>
+                </p:cond>
+              </p:nextCondLst>
+            </p:seq>
+          </p:childTnLst>
+        </p:cTn>
       </p:par>
     </p:tnLst>
   </p:timing>
@@ -4657,7 +4789,7 @@
           <a:p>
             <a:r>
               <a:rPr lang="sv-SE" dirty="0" smtClean="0"/>
-              <a:t>Varför oss?</a:t>
+              <a:t>AI -</a:t>
             </a:r>
             <a:endParaRPr lang="sv-SE" dirty="0"/>
           </a:p>
@@ -4665,52 +4797,189 @@
       </p:sp>
       <p:sp>
         <p:nvSpPr>
-          <p:cNvPr id="3" name="Content Placeholder 2"/>
-          <p:cNvSpPr>
-            <a:spLocks noGrp="1"/>
-          </p:cNvSpPr>
-          <p:nvPr>
-            <p:ph idx="1"/>
-          </p:nvPr>
-        </p:nvSpPr>
+          <p:cNvPr id="4" name="Slide Number Placeholder 3"/>
+          <p:cNvSpPr>
+            <a:spLocks noGrp="1"/>
+          </p:cNvSpPr>
+          <p:nvPr>
+            <p:ph type="sldNum" sz="quarter" idx="12"/>
+          </p:nvPr>
+        </p:nvSpPr>
+        <p:spPr/>
+        <p:txBody>
+          <a:bodyPr/>
+          <a:lstStyle/>
+          <a:p>
+            <a:fld id="{1A411B19-8391-4D6C-9DE5-9EB0D5950738}" type="slidenum">
+              <a:rPr lang="sv-SE" smtClean="0"/>
+              <a:t>14</a:t>
+            </a:fld>
+            <a:endParaRPr lang="sv-SE"/>
+          </a:p>
+        </p:txBody>
+      </p:sp>
+      <p:pic>
+        <p:nvPicPr>
+          <p:cNvPr id="6" name="Bildobjekt 9"/>
+          <p:cNvPicPr>
+            <a:picLocks noChangeAspect="1"/>
+          </p:cNvPicPr>
+          <p:nvPr/>
+        </p:nvPicPr>
+        <p:blipFill>
+          <a:blip r:embed="rId2">
+            <a:extLst>
+              <a:ext uri="{28A0092B-C50C-407E-A947-70E740481C1C}">
+                <a14:useLocalDpi xmlns:a14="http://schemas.microsoft.com/office/drawing/2010/main" val="0"/>
+              </a:ext>
+            </a:extLst>
+          </a:blip>
+          <a:stretch>
+            <a:fillRect/>
+          </a:stretch>
+        </p:blipFill>
         <p:spPr>
           <a:xfrm>
-            <a:off x="609600" y="1360449"/>
-            <a:ext cx="10972800" cy="4948911"/>
+            <a:off x="908146" y="555802"/>
+            <a:ext cx="1581371" cy="504895"/>
+          </a:xfrm>
+          <a:prstGeom prst="rect">
+            <a:avLst/>
+          </a:prstGeom>
+        </p:spPr>
+      </p:pic>
+      <p:pic>
+        <p:nvPicPr>
+          <p:cNvPr id="7" name="Platshållare för innehåll 6"/>
+          <p:cNvPicPr>
+            <a:picLocks noGrp="1" noChangeAspect="1"/>
+          </p:cNvPicPr>
+          <p:nvPr>
+            <p:ph idx="1"/>
+          </p:nvPr>
+        </p:nvPicPr>
+        <p:blipFill>
+          <a:blip r:embed="rId3">
+            <a:extLst>
+              <a:ext uri="{28A0092B-C50C-407E-A947-70E740481C1C}">
+                <a14:useLocalDpi xmlns:a14="http://schemas.microsoft.com/office/drawing/2010/main" val="0"/>
+              </a:ext>
+            </a:extLst>
+          </a:blip>
+          <a:stretch>
+            <a:fillRect/>
+          </a:stretch>
+        </p:blipFill>
+        <p:spPr>
+          <a:xfrm>
+            <a:off x="2763309" y="1417638"/>
+            <a:ext cx="7047037" cy="5364163"/>
           </a:xfrm>
         </p:spPr>
-        <p:txBody>
-          <a:bodyPr>
-            <a:normAutofit/>
-          </a:bodyPr>
+      </p:pic>
+    </p:spTree>
+    <p:extLst>
+      <p:ext uri="{BB962C8B-B14F-4D97-AF65-F5344CB8AC3E}">
+        <p14:creationId xmlns:p14="http://schemas.microsoft.com/office/powerpoint/2010/main" val="137973162"/>
+      </p:ext>
+    </p:extLst>
+  </p:cSld>
+  <p:clrMapOvr>
+    <a:masterClrMapping/>
+  </p:clrMapOvr>
+  <p:timing>
+    <p:tnLst>
+      <p:par>
+        <p:cTn id="1" dur="indefinite" restart="never" nodeType="tmRoot"/>
+      </p:par>
+    </p:tnLst>
+  </p:timing>
+</p:sld>
+</file>
+
+<file path=ppt/slides/slide15.xml><?xml version="1.0" encoding="utf-8"?>
+<p:sld xmlns:a="http://schemas.openxmlformats.org/drawingml/2006/main" xmlns:r="http://schemas.openxmlformats.org/officeDocument/2006/relationships" xmlns:p="http://schemas.openxmlformats.org/presentationml/2006/main">
+  <p:cSld>
+    <p:spTree>
+      <p:nvGrpSpPr>
+        <p:cNvPr id="1" name=""/>
+        <p:cNvGrpSpPr/>
+        <p:nvPr/>
+      </p:nvGrpSpPr>
+      <p:grpSpPr>
+        <a:xfrm>
+          <a:off x="0" y="0"/>
+          <a:ext cx="0" cy="0"/>
+          <a:chOff x="0" y="0"/>
+          <a:chExt cx="0" cy="0"/>
+        </a:xfrm>
+      </p:grpSpPr>
+      <p:sp>
+        <p:nvSpPr>
+          <p:cNvPr id="2" name="Title 1"/>
+          <p:cNvSpPr>
+            <a:spLocks noGrp="1"/>
+          </p:cNvSpPr>
+          <p:nvPr>
+            <p:ph type="title"/>
+          </p:nvPr>
+        </p:nvSpPr>
+        <p:spPr/>
+        <p:txBody>
+          <a:bodyPr/>
+          <a:lstStyle/>
+          <a:p>
+            <a:r>
+              <a:rPr lang="sv-SE" dirty="0" smtClean="0"/>
+              <a:t>Styrenheten – ”slaven”</a:t>
+            </a:r>
+            <a:endParaRPr lang="sv-SE" dirty="0"/>
+          </a:p>
+        </p:txBody>
+      </p:sp>
+      <p:sp>
+        <p:nvSpPr>
+          <p:cNvPr id="3" name="Content Placeholder 2"/>
+          <p:cNvSpPr>
+            <a:spLocks noGrp="1"/>
+          </p:cNvSpPr>
+          <p:nvPr>
+            <p:ph idx="1"/>
+          </p:nvPr>
+        </p:nvSpPr>
+        <p:spPr/>
+        <p:txBody>
+          <a:bodyPr/>
           <a:lstStyle/>
           <a:p>
             <a:pPr marL="137160" indent="0">
               <a:buNone/>
             </a:pPr>
             <a:r>
-              <a:rPr lang="sv-SE" dirty="0" smtClean="0"/>
-              <a:t>Varför </a:t>
-            </a:r>
-            <a:r>
               <a:rPr lang="sv-SE" dirty="0"/>
-              <a:t>oss?</a:t>
-            </a:r>
+              <a:t>Styrkomponenter:</a:t>
+            </a:r>
+            <a:br>
+              <a:rPr lang="sv-SE" dirty="0"/>
+            </a:br>
+            <a:r>
+              <a:rPr lang="sv-SE" dirty="0"/>
+              <a:t>	</a:t>
+            </a:r>
+            <a:endParaRPr lang="sv-SE" dirty="0" smtClean="0"/>
           </a:p>
           <a:p>
             <a:pPr marL="137160" indent="0">
               <a:buNone/>
             </a:pPr>
             <a:r>
-              <a:rPr lang="sv-SE" dirty="0"/>
-              <a:t> 	potential, genomtänkt, ambitiös</a:t>
-            </a:r>
-          </a:p>
-          <a:p>
-            <a:pPr marL="137160" indent="0">
-              <a:buNone/>
-            </a:pPr>
-            <a:endParaRPr lang="sv-SE" dirty="0"/>
+              <a:rPr lang="sv-SE" dirty="0" smtClean="0"/>
+              <a:t/>
+            </a:r>
+            <a:br>
+              <a:rPr lang="sv-SE" dirty="0" smtClean="0"/>
+            </a:br>
+            <a:endParaRPr lang="sv-SE" dirty="0" smtClean="0"/>
           </a:p>
         </p:txBody>
       </p:sp>
@@ -4731,7 +5000,7 @@
           <a:p>
             <a:fld id="{1A411B19-8391-4D6C-9DE5-9EB0D5950738}" type="slidenum">
               <a:rPr lang="sv-SE" smtClean="0"/>
-              <a:t>14</a:t>
+              <a:t>15</a:t>
             </a:fld>
             <a:endParaRPr lang="sv-SE"/>
           </a:p>
@@ -4770,7 +5039,7 @@
     </p:spTree>
     <p:extLst>
       <p:ext uri="{BB962C8B-B14F-4D97-AF65-F5344CB8AC3E}">
-        <p14:creationId xmlns:p14="http://schemas.microsoft.com/office/powerpoint/2010/main" val="4091378235"/>
+        <p14:creationId xmlns:p14="http://schemas.microsoft.com/office/powerpoint/2010/main" val="2685041820"/>
       </p:ext>
     </p:extLst>
   </p:cSld>
@@ -4780,14 +5049,98 @@
   <p:timing>
     <p:tnLst>
       <p:par>
-        <p:cTn id="1" dur="indefinite" restart="never" nodeType="tmRoot"/>
+        <p:cTn id="1" dur="indefinite" restart="never" nodeType="tmRoot">
+          <p:childTnLst>
+            <p:seq concurrent="1" nextAc="seek">
+              <p:cTn id="2" dur="indefinite" nodeType="mainSeq">
+                <p:childTnLst>
+                  <p:par>
+                    <p:cTn id="3" fill="hold">
+                      <p:stCondLst>
+                        <p:cond delay="indefinite"/>
+                      </p:stCondLst>
+                      <p:childTnLst>
+                        <p:par>
+                          <p:cTn id="4" fill="hold">
+                            <p:stCondLst>
+                              <p:cond delay="0"/>
+                            </p:stCondLst>
+                            <p:childTnLst>
+                              <p:par>
+                                <p:cTn id="5" presetID="10" presetClass="entr" presetSubtype="0" fill="hold" nodeType="clickEffect">
+                                  <p:stCondLst>
+                                    <p:cond delay="0"/>
+                                  </p:stCondLst>
+                                  <p:childTnLst>
+                                    <p:set>
+                                      <p:cBhvr>
+                                        <p:cTn id="6" dur="1" fill="hold">
+                                          <p:stCondLst>
+                                            <p:cond delay="0"/>
+                                          </p:stCondLst>
+                                        </p:cTn>
+                                        <p:tgtEl>
+                                          <p:spTgt spid="3">
+                                            <p:txEl>
+                                              <p:pRg st="1" end="1"/>
+                                            </p:txEl>
+                                          </p:spTgt>
+                                        </p:tgtEl>
+                                        <p:attrNameLst>
+                                          <p:attrName>style.visibility</p:attrName>
+                                        </p:attrNameLst>
+                                      </p:cBhvr>
+                                      <p:to>
+                                        <p:strVal val="visible"/>
+                                      </p:to>
+                                    </p:set>
+                                    <p:animEffect transition="in" filter="fade">
+                                      <p:cBhvr>
+                                        <p:cTn id="7" dur="500"/>
+                                        <p:tgtEl>
+                                          <p:spTgt spid="3">
+                                            <p:txEl>
+                                              <p:pRg st="1" end="1"/>
+                                            </p:txEl>
+                                          </p:spTgt>
+                                        </p:tgtEl>
+                                      </p:cBhvr>
+                                    </p:animEffect>
+                                  </p:childTnLst>
+                                </p:cTn>
+                              </p:par>
+                            </p:childTnLst>
+                          </p:cTn>
+                        </p:par>
+                      </p:childTnLst>
+                    </p:cTn>
+                  </p:par>
+                </p:childTnLst>
+              </p:cTn>
+              <p:prevCondLst>
+                <p:cond evt="onPrev" delay="0">
+                  <p:tgtEl>
+                    <p:sldTgt/>
+                  </p:tgtEl>
+                </p:cond>
+              </p:prevCondLst>
+              <p:nextCondLst>
+                <p:cond evt="onNext" delay="0">
+                  <p:tgtEl>
+                    <p:sldTgt/>
+                  </p:tgtEl>
+                </p:cond>
+              </p:nextCondLst>
+            </p:seq>
+          </p:childTnLst>
+        </p:cTn>
       </p:par>
     </p:tnLst>
   </p:timing>
 </p:sld>
 </file>
 
-<file path=ppt/slides/slide15.xml><?xml version="1.0" encoding="utf-8"?>
+<file path=ppt/slides/slide16.xml><?xml version="1.0" encoding="utf-8"?>
 <p:sld xmlns:a="http://schemas.openxmlformats.org/drawingml/2006/main" xmlns:r="http://schemas.openxmlformats.org/officeDocument/2006/relationships" xmlns:p="http://schemas.openxmlformats.org/presentationml/2006/main">
   <p:cSld>
     <p:spTree>
@@ -4820,8 +5173,8 @@
           <a:lstStyle/>
           <a:p>
             <a:r>
-              <a:rPr lang="sv-SE" dirty="0" smtClean="0"/>
-              <a:t>Avslut</a:t>
+              <a:rPr lang="sv-SE" dirty="0"/>
+              <a:t>Servomotorer</a:t>
             </a:r>
             <a:endParaRPr lang="sv-SE" dirty="0"/>
           </a:p>
@@ -4837,36 +5190,22 @@
             <p:ph idx="1"/>
           </p:nvPr>
         </p:nvSpPr>
-        <p:spPr>
-          <a:xfrm>
-            <a:off x="609600" y="1360449"/>
-            <a:ext cx="10972800" cy="4948911"/>
-          </a:xfrm>
-        </p:spPr>
-        <p:txBody>
-          <a:bodyPr>
-            <a:normAutofit/>
-          </a:bodyPr>
+        <p:spPr/>
+        <p:txBody>
+          <a:bodyPr/>
           <a:lstStyle/>
           <a:p>
             <a:pPr marL="137160" indent="0">
               <a:buNone/>
             </a:pPr>
-            <a:endParaRPr lang="sv-SE" sz="8800" dirty="0" smtClean="0"/>
-          </a:p>
-          <a:p>
-            <a:pPr marL="137160" indent="0">
-              <a:buNone/>
-            </a:pPr>
-            <a:r>
-              <a:rPr lang="sv-SE" sz="8800" dirty="0"/>
-              <a:t>	</a:t>
-            </a:r>
-            <a:r>
-              <a:rPr lang="sv-SE" sz="8800" dirty="0" smtClean="0"/>
-              <a:t>			</a:t>
-            </a:r>
-            <a:endParaRPr lang="sv-SE" sz="8800" dirty="0"/>
+            <a:r>
+              <a:rPr lang="sv-SE" dirty="0" smtClean="0"/>
+              <a:t/>
+            </a:r>
+            <a:br>
+              <a:rPr lang="sv-SE" dirty="0" smtClean="0"/>
+            </a:br>
+            <a:endParaRPr lang="sv-SE" dirty="0" smtClean="0"/>
           </a:p>
         </p:txBody>
       </p:sp>
@@ -4887,7 +5226,7 @@
           <a:p>
             <a:fld id="{1A411B19-8391-4D6C-9DE5-9EB0D5950738}" type="slidenum">
               <a:rPr lang="sv-SE" smtClean="0"/>
-              <a:t>15</a:t>
+              <a:t>16</a:t>
             </a:fld>
             <a:endParaRPr lang="sv-SE"/>
           </a:p>
@@ -4923,75 +5262,10 @@
           </a:prstGeom>
         </p:spPr>
       </p:pic>
-      <p:sp>
-        <p:nvSpPr>
-          <p:cNvPr id="6" name="Rektangel 5"/>
-          <p:cNvSpPr/>
-          <p:nvPr/>
-        </p:nvSpPr>
-        <p:spPr>
-          <a:xfrm>
-            <a:off x="2322836" y="2940169"/>
-            <a:ext cx="7668000" cy="1044000"/>
-          </a:xfrm>
-          <a:prstGeom prst="rect">
-            <a:avLst/>
-          </a:prstGeom>
-          <a:noFill/>
-        </p:spPr>
-        <p:txBody>
-          <a:bodyPr wrap="square" lIns="91440" tIns="45720" rIns="91440" bIns="45720">
-            <a:spAutoFit/>
-          </a:bodyPr>
-          <a:lstStyle/>
-          <a:p>
-            <a:pPr algn="ctr"/>
-            <a:r>
-              <a:rPr lang="sv-SE" sz="5400" b="1" cap="none" spc="0" dirty="0" smtClean="0">
-                <a:ln w="9525">
-                  <a:solidFill>
-                    <a:schemeClr val="bg1"/>
-                  </a:solidFill>
-                  <a:prstDash val="solid"/>
-                </a:ln>
-                <a:solidFill>
-                  <a:schemeClr val="tx1"/>
-                </a:solidFill>
-                <a:effectLst>
-                  <a:outerShdw blurRad="12700" dist="38100" dir="2700000" algn="tl" rotWithShape="0">
-                    <a:schemeClr val="bg1">
-                      <a:lumMod val="50000"/>
-                    </a:schemeClr>
-                  </a:outerShdw>
-                </a:effectLst>
-              </a:rPr>
-              <a:t>Frågor?</a:t>
-            </a:r>
-            <a:endParaRPr lang="sv-SE" sz="5400" b="1" cap="none" spc="0" dirty="0">
-              <a:ln w="9525">
-                <a:solidFill>
-                  <a:schemeClr val="bg1"/>
-                </a:solidFill>
-                <a:prstDash val="solid"/>
-              </a:ln>
-              <a:solidFill>
-                <a:schemeClr val="tx1"/>
-              </a:solidFill>
-              <a:effectLst>
-                <a:outerShdw blurRad="12700" dist="38100" dir="2700000" algn="tl" rotWithShape="0">
-                  <a:schemeClr val="bg1">
-                    <a:lumMod val="50000"/>
-                  </a:schemeClr>
-                </a:outerShdw>
-              </a:effectLst>
-            </a:endParaRPr>
-          </a:p>
-        </p:txBody>
-      </p:sp>
     </p:spTree>
     <p:extLst>
       <p:ext uri="{BB962C8B-B14F-4D97-AF65-F5344CB8AC3E}">
-        <p14:creationId xmlns:p14="http://schemas.microsoft.com/office/powerpoint/2010/main" val="3702482839"/>
+        <p14:creationId xmlns:p14="http://schemas.microsoft.com/office/powerpoint/2010/main" val="437262471"/>
       </p:ext>
     </p:extLst>
   </p:cSld>
@@ -5001,7 +5275,769 @@
   <p:timing>
     <p:tnLst>
       <p:par>
-        <p:cTn id="1" dur="indefinite" restart="never" nodeType="tmRoot"/>
+        <p:cTn id="1" dur="indefinite" restart="never" nodeType="tmRoot">
+          <p:childTnLst>
+            <p:seq concurrent="1" nextAc="seek">
+              <p:cTn id="2" dur="indefinite" nodeType="mainSeq">
+                <p:childTnLst>
+                  <p:par>
+                    <p:cTn id="3" fill="hold">
+                      <p:stCondLst>
+                        <p:cond delay="indefinite"/>
+                      </p:stCondLst>
+                      <p:childTnLst>
+                        <p:par>
+                          <p:cTn id="4" fill="hold">
+                            <p:stCondLst>
+                              <p:cond delay="0"/>
+                            </p:stCondLst>
+                            <p:childTnLst>
+                              <p:par>
+                                <p:cTn id="5" presetID="10" presetClass="entr" presetSubtype="0" fill="hold" nodeType="clickEffect">
+                                  <p:stCondLst>
+                                    <p:cond delay="0"/>
+                                  </p:stCondLst>
+                                  <p:childTnLst>
+                                    <p:set>
+                                      <p:cBhvr>
+                                        <p:cTn id="6" dur="1" fill="hold">
+                                          <p:stCondLst>
+                                            <p:cond delay="0"/>
+                                          </p:stCondLst>
+                                        </p:cTn>
+                                        <p:tgtEl>
+                                          <p:spTgt spid="3">
+                                            <p:txEl>
+                                              <p:pRg st="0" end="0"/>
+                                            </p:txEl>
+                                          </p:spTgt>
+                                        </p:tgtEl>
+                                        <p:attrNameLst>
+                                          <p:attrName>style.visibility</p:attrName>
+                                        </p:attrNameLst>
+                                      </p:cBhvr>
+                                      <p:to>
+                                        <p:strVal val="visible"/>
+                                      </p:to>
+                                    </p:set>
+                                    <p:animEffect transition="in" filter="fade">
+                                      <p:cBhvr>
+                                        <p:cTn id="7" dur="500"/>
+                                        <p:tgtEl>
+                                          <p:spTgt spid="3">
+                                            <p:txEl>
+                                              <p:pRg st="0" end="0"/>
+                                            </p:txEl>
+                                          </p:spTgt>
+                                        </p:tgtEl>
+                                      </p:cBhvr>
+                                    </p:animEffect>
+                                  </p:childTnLst>
+                                </p:cTn>
+                              </p:par>
+                            </p:childTnLst>
+                          </p:cTn>
+                        </p:par>
+                      </p:childTnLst>
+                    </p:cTn>
+                  </p:par>
+                </p:childTnLst>
+              </p:cTn>
+              <p:prevCondLst>
+                <p:cond evt="onPrev" delay="0">
+                  <p:tgtEl>
+                    <p:sldTgt/>
+                  </p:tgtEl>
+                </p:cond>
+              </p:prevCondLst>
+              <p:nextCondLst>
+                <p:cond evt="onNext" delay="0">
+                  <p:tgtEl>
+                    <p:sldTgt/>
+                  </p:tgtEl>
+                </p:cond>
+              </p:nextCondLst>
+            </p:seq>
+          </p:childTnLst>
+        </p:cTn>
+      </p:par>
+    </p:tnLst>
+  </p:timing>
+</p:sld>
+</file>
+
+<file path=ppt/slides/slide17.xml><?xml version="1.0" encoding="utf-8"?>
+<p:sld xmlns:a="http://schemas.openxmlformats.org/drawingml/2006/main" xmlns:r="http://schemas.openxmlformats.org/officeDocument/2006/relationships" xmlns:p="http://schemas.openxmlformats.org/presentationml/2006/main">
+  <p:cSld>
+    <p:spTree>
+      <p:nvGrpSpPr>
+        <p:cNvPr id="1" name=""/>
+        <p:cNvGrpSpPr/>
+        <p:nvPr/>
+      </p:nvGrpSpPr>
+      <p:grpSpPr>
+        <a:xfrm>
+          <a:off x="0" y="0"/>
+          <a:ext cx="0" cy="0"/>
+          <a:chOff x="0" y="0"/>
+          <a:chExt cx="0" cy="0"/>
+        </a:xfrm>
+      </p:grpSpPr>
+      <p:sp>
+        <p:nvSpPr>
+          <p:cNvPr id="2" name="Title 1"/>
+          <p:cNvSpPr>
+            <a:spLocks noGrp="1"/>
+          </p:cNvSpPr>
+          <p:nvPr>
+            <p:ph type="title"/>
+          </p:nvPr>
+        </p:nvSpPr>
+        <p:spPr/>
+        <p:txBody>
+          <a:bodyPr/>
+          <a:lstStyle/>
+          <a:p>
+            <a:r>
+              <a:rPr lang="sv-SE" dirty="0"/>
+              <a:t>IR-sändare</a:t>
+            </a:r>
+            <a:endParaRPr lang="sv-SE" dirty="0"/>
+          </a:p>
+        </p:txBody>
+      </p:sp>
+      <p:sp>
+        <p:nvSpPr>
+          <p:cNvPr id="3" name="Content Placeholder 2"/>
+          <p:cNvSpPr>
+            <a:spLocks noGrp="1"/>
+          </p:cNvSpPr>
+          <p:nvPr>
+            <p:ph idx="1"/>
+          </p:nvPr>
+        </p:nvSpPr>
+        <p:spPr/>
+        <p:txBody>
+          <a:bodyPr/>
+          <a:lstStyle/>
+          <a:p>
+            <a:pPr marL="137160" indent="0">
+              <a:buNone/>
+            </a:pPr>
+            <a:r>
+              <a:rPr lang="sv-SE" dirty="0" smtClean="0"/>
+              <a:t/>
+            </a:r>
+            <a:br>
+              <a:rPr lang="sv-SE" dirty="0" smtClean="0"/>
+            </a:br>
+            <a:endParaRPr lang="sv-SE" dirty="0" smtClean="0"/>
+          </a:p>
+        </p:txBody>
+      </p:sp>
+      <p:sp>
+        <p:nvSpPr>
+          <p:cNvPr id="4" name="Slide Number Placeholder 3"/>
+          <p:cNvSpPr>
+            <a:spLocks noGrp="1"/>
+          </p:cNvSpPr>
+          <p:nvPr>
+            <p:ph type="sldNum" sz="quarter" idx="12"/>
+          </p:nvPr>
+        </p:nvSpPr>
+        <p:spPr/>
+        <p:txBody>
+          <a:bodyPr/>
+          <a:lstStyle/>
+          <a:p>
+            <a:fld id="{1A411B19-8391-4D6C-9DE5-9EB0D5950738}" type="slidenum">
+              <a:rPr lang="sv-SE" smtClean="0"/>
+              <a:t>17</a:t>
+            </a:fld>
+            <a:endParaRPr lang="sv-SE"/>
+          </a:p>
+        </p:txBody>
+      </p:sp>
+      <p:pic>
+        <p:nvPicPr>
+          <p:cNvPr id="5" name="Bildobjekt 9"/>
+          <p:cNvPicPr>
+            <a:picLocks noChangeAspect="1"/>
+          </p:cNvPicPr>
+          <p:nvPr/>
+        </p:nvPicPr>
+        <p:blipFill>
+          <a:blip r:embed="rId2">
+            <a:extLst>
+              <a:ext uri="{28A0092B-C50C-407E-A947-70E740481C1C}">
+                <a14:useLocalDpi xmlns:a14="http://schemas.microsoft.com/office/drawing/2010/main" val="0"/>
+              </a:ext>
+            </a:extLst>
+          </a:blip>
+          <a:stretch>
+            <a:fillRect/>
+          </a:stretch>
+        </p:blipFill>
+        <p:spPr>
+          <a:xfrm>
+            <a:off x="908146" y="555802"/>
+            <a:ext cx="1581371" cy="504895"/>
+          </a:xfrm>
+          <a:prstGeom prst="rect">
+            <a:avLst/>
+          </a:prstGeom>
+        </p:spPr>
+      </p:pic>
+    </p:spTree>
+    <p:extLst>
+      <p:ext uri="{BB962C8B-B14F-4D97-AF65-F5344CB8AC3E}">
+        <p14:creationId xmlns:p14="http://schemas.microsoft.com/office/powerpoint/2010/main" val="2785642169"/>
+      </p:ext>
+    </p:extLst>
+  </p:cSld>
+  <p:clrMapOvr>
+    <a:masterClrMapping/>
+  </p:clrMapOvr>
+  <p:timing>
+    <p:tnLst>
+      <p:par>
+        <p:cTn id="1" dur="indefinite" restart="never" nodeType="tmRoot">
+          <p:childTnLst>
+            <p:seq concurrent="1" nextAc="seek">
+              <p:cTn id="2" dur="indefinite" nodeType="mainSeq">
+                <p:childTnLst>
+                  <p:par>
+                    <p:cTn id="3" fill="hold">
+                      <p:stCondLst>
+                        <p:cond delay="indefinite"/>
+                      </p:stCondLst>
+                      <p:childTnLst>
+                        <p:par>
+                          <p:cTn id="4" fill="hold">
+                            <p:stCondLst>
+                              <p:cond delay="0"/>
+                            </p:stCondLst>
+                            <p:childTnLst>
+                              <p:par>
+                                <p:cTn id="5" presetID="10" presetClass="entr" presetSubtype="0" fill="hold" nodeType="clickEffect">
+                                  <p:stCondLst>
+                                    <p:cond delay="0"/>
+                                  </p:stCondLst>
+                                  <p:childTnLst>
+                                    <p:set>
+                                      <p:cBhvr>
+                                        <p:cTn id="6" dur="1" fill="hold">
+                                          <p:stCondLst>
+                                            <p:cond delay="0"/>
+                                          </p:stCondLst>
+                                        </p:cTn>
+                                        <p:tgtEl>
+                                          <p:spTgt spid="3">
+                                            <p:txEl>
+                                              <p:pRg st="0" end="0"/>
+                                            </p:txEl>
+                                          </p:spTgt>
+                                        </p:tgtEl>
+                                        <p:attrNameLst>
+                                          <p:attrName>style.visibility</p:attrName>
+                                        </p:attrNameLst>
+                                      </p:cBhvr>
+                                      <p:to>
+                                        <p:strVal val="visible"/>
+                                      </p:to>
+                                    </p:set>
+                                    <p:animEffect transition="in" filter="fade">
+                                      <p:cBhvr>
+                                        <p:cTn id="7" dur="500"/>
+                                        <p:tgtEl>
+                                          <p:spTgt spid="3">
+                                            <p:txEl>
+                                              <p:pRg st="0" end="0"/>
+                                            </p:txEl>
+                                          </p:spTgt>
+                                        </p:tgtEl>
+                                      </p:cBhvr>
+                                    </p:animEffect>
+                                  </p:childTnLst>
+                                </p:cTn>
+                              </p:par>
+                            </p:childTnLst>
+                          </p:cTn>
+                        </p:par>
+                      </p:childTnLst>
+                    </p:cTn>
+                  </p:par>
+                </p:childTnLst>
+              </p:cTn>
+              <p:prevCondLst>
+                <p:cond evt="onPrev" delay="0">
+                  <p:tgtEl>
+                    <p:sldTgt/>
+                  </p:tgtEl>
+                </p:cond>
+              </p:prevCondLst>
+              <p:nextCondLst>
+                <p:cond evt="onNext" delay="0">
+                  <p:tgtEl>
+                    <p:sldTgt/>
+                  </p:tgtEl>
+                </p:cond>
+              </p:nextCondLst>
+            </p:seq>
+          </p:childTnLst>
+        </p:cTn>
+      </p:par>
+    </p:tnLst>
+  </p:timing>
+</p:sld>
+</file>
+
+<file path=ppt/slides/slide18.xml><?xml version="1.0" encoding="utf-8"?>
+<p:sld xmlns:a="http://schemas.openxmlformats.org/drawingml/2006/main" xmlns:r="http://schemas.openxmlformats.org/officeDocument/2006/relationships" xmlns:p="http://schemas.openxmlformats.org/presentationml/2006/main">
+  <p:cSld>
+    <p:spTree>
+      <p:nvGrpSpPr>
+        <p:cNvPr id="1" name=""/>
+        <p:cNvGrpSpPr/>
+        <p:nvPr/>
+      </p:nvGrpSpPr>
+      <p:grpSpPr>
+        <a:xfrm>
+          <a:off x="0" y="0"/>
+          <a:ext cx="0" cy="0"/>
+          <a:chOff x="0" y="0"/>
+          <a:chExt cx="0" cy="0"/>
+        </a:xfrm>
+      </p:grpSpPr>
+      <p:sp>
+        <p:nvSpPr>
+          <p:cNvPr id="2" name="Title 1"/>
+          <p:cNvSpPr>
+            <a:spLocks noGrp="1"/>
+          </p:cNvSpPr>
+          <p:nvPr>
+            <p:ph type="title"/>
+          </p:nvPr>
+        </p:nvSpPr>
+        <p:spPr/>
+        <p:txBody>
+          <a:bodyPr/>
+          <a:lstStyle/>
+          <a:p>
+            <a:r>
+              <a:rPr lang="sv-SE" dirty="0"/>
+              <a:t>Laserkanon</a:t>
+            </a:r>
+            <a:endParaRPr lang="sv-SE" dirty="0"/>
+          </a:p>
+        </p:txBody>
+      </p:sp>
+      <p:sp>
+        <p:nvSpPr>
+          <p:cNvPr id="3" name="Content Placeholder 2"/>
+          <p:cNvSpPr>
+            <a:spLocks noGrp="1"/>
+          </p:cNvSpPr>
+          <p:nvPr>
+            <p:ph idx="1"/>
+          </p:nvPr>
+        </p:nvSpPr>
+        <p:spPr/>
+        <p:txBody>
+          <a:bodyPr/>
+          <a:lstStyle/>
+          <a:p>
+            <a:pPr marL="137160" indent="0">
+              <a:buNone/>
+            </a:pPr>
+            <a:r>
+              <a:rPr lang="sv-SE" dirty="0" smtClean="0"/>
+              <a:t/>
+            </a:r>
+            <a:br>
+              <a:rPr lang="sv-SE" dirty="0" smtClean="0"/>
+            </a:br>
+            <a:endParaRPr lang="sv-SE" dirty="0" smtClean="0"/>
+          </a:p>
+        </p:txBody>
+      </p:sp>
+      <p:sp>
+        <p:nvSpPr>
+          <p:cNvPr id="4" name="Slide Number Placeholder 3"/>
+          <p:cNvSpPr>
+            <a:spLocks noGrp="1"/>
+          </p:cNvSpPr>
+          <p:nvPr>
+            <p:ph type="sldNum" sz="quarter" idx="12"/>
+          </p:nvPr>
+        </p:nvSpPr>
+        <p:spPr/>
+        <p:txBody>
+          <a:bodyPr/>
+          <a:lstStyle/>
+          <a:p>
+            <a:fld id="{1A411B19-8391-4D6C-9DE5-9EB0D5950738}" type="slidenum">
+              <a:rPr lang="sv-SE" smtClean="0"/>
+              <a:t>18</a:t>
+            </a:fld>
+            <a:endParaRPr lang="sv-SE"/>
+          </a:p>
+        </p:txBody>
+      </p:sp>
+      <p:pic>
+        <p:nvPicPr>
+          <p:cNvPr id="5" name="Bildobjekt 9"/>
+          <p:cNvPicPr>
+            <a:picLocks noChangeAspect="1"/>
+          </p:cNvPicPr>
+          <p:nvPr/>
+        </p:nvPicPr>
+        <p:blipFill>
+          <a:blip r:embed="rId2">
+            <a:extLst>
+              <a:ext uri="{28A0092B-C50C-407E-A947-70E740481C1C}">
+                <a14:useLocalDpi xmlns:a14="http://schemas.microsoft.com/office/drawing/2010/main" val="0"/>
+              </a:ext>
+            </a:extLst>
+          </a:blip>
+          <a:stretch>
+            <a:fillRect/>
+          </a:stretch>
+        </p:blipFill>
+        <p:spPr>
+          <a:xfrm>
+            <a:off x="908146" y="555802"/>
+            <a:ext cx="1581371" cy="504895"/>
+          </a:xfrm>
+          <a:prstGeom prst="rect">
+            <a:avLst/>
+          </a:prstGeom>
+        </p:spPr>
+      </p:pic>
+    </p:spTree>
+    <p:extLst>
+      <p:ext uri="{BB962C8B-B14F-4D97-AF65-F5344CB8AC3E}">
+        <p14:creationId xmlns:p14="http://schemas.microsoft.com/office/powerpoint/2010/main" val="2078846853"/>
+      </p:ext>
+    </p:extLst>
+  </p:cSld>
+  <p:clrMapOvr>
+    <a:masterClrMapping/>
+  </p:clrMapOvr>
+  <p:timing>
+    <p:tnLst>
+      <p:par>
+        <p:cTn id="1" dur="indefinite" restart="never" nodeType="tmRoot">
+          <p:childTnLst>
+            <p:seq concurrent="1" nextAc="seek">
+              <p:cTn id="2" dur="indefinite" nodeType="mainSeq">
+                <p:childTnLst>
+                  <p:par>
+                    <p:cTn id="3" fill="hold">
+                      <p:stCondLst>
+                        <p:cond delay="indefinite"/>
+                      </p:stCondLst>
+                      <p:childTnLst>
+                        <p:par>
+                          <p:cTn id="4" fill="hold">
+                            <p:stCondLst>
+                              <p:cond delay="0"/>
+                            </p:stCondLst>
+                            <p:childTnLst>
+                              <p:par>
+                                <p:cTn id="5" presetID="10" presetClass="entr" presetSubtype="0" fill="hold" nodeType="clickEffect">
+                                  <p:stCondLst>
+                                    <p:cond delay="0"/>
+                                  </p:stCondLst>
+                                  <p:childTnLst>
+                                    <p:set>
+                                      <p:cBhvr>
+                                        <p:cTn id="6" dur="1" fill="hold">
+                                          <p:stCondLst>
+                                            <p:cond delay="0"/>
+                                          </p:stCondLst>
+                                        </p:cTn>
+                                        <p:tgtEl>
+                                          <p:spTgt spid="3">
+                                            <p:txEl>
+                                              <p:pRg st="0" end="0"/>
+                                            </p:txEl>
+                                          </p:spTgt>
+                                        </p:tgtEl>
+                                        <p:attrNameLst>
+                                          <p:attrName>style.visibility</p:attrName>
+                                        </p:attrNameLst>
+                                      </p:cBhvr>
+                                      <p:to>
+                                        <p:strVal val="visible"/>
+                                      </p:to>
+                                    </p:set>
+                                    <p:animEffect transition="in" filter="fade">
+                                      <p:cBhvr>
+                                        <p:cTn id="7" dur="500"/>
+                                        <p:tgtEl>
+                                          <p:spTgt spid="3">
+                                            <p:txEl>
+                                              <p:pRg st="0" end="0"/>
+                                            </p:txEl>
+                                          </p:spTgt>
+                                        </p:tgtEl>
+                                      </p:cBhvr>
+                                    </p:animEffect>
+                                  </p:childTnLst>
+                                </p:cTn>
+                              </p:par>
+                            </p:childTnLst>
+                          </p:cTn>
+                        </p:par>
+                      </p:childTnLst>
+                    </p:cTn>
+                  </p:par>
+                </p:childTnLst>
+              </p:cTn>
+              <p:prevCondLst>
+                <p:cond evt="onPrev" delay="0">
+                  <p:tgtEl>
+                    <p:sldTgt/>
+                  </p:tgtEl>
+                </p:cond>
+              </p:prevCondLst>
+              <p:nextCondLst>
+                <p:cond evt="onNext" delay="0">
+                  <p:tgtEl>
+                    <p:sldTgt/>
+                  </p:tgtEl>
+                </p:cond>
+              </p:nextCondLst>
+            </p:seq>
+          </p:childTnLst>
+        </p:cTn>
+      </p:par>
+    </p:tnLst>
+  </p:timing>
+</p:sld>
+</file>
+
+<file path=ppt/slides/slide19.xml><?xml version="1.0" encoding="utf-8"?>
+<p:sld xmlns:a="http://schemas.openxmlformats.org/drawingml/2006/main" xmlns:r="http://schemas.openxmlformats.org/officeDocument/2006/relationships" xmlns:p="http://schemas.openxmlformats.org/presentationml/2006/main">
+  <p:cSld>
+    <p:spTree>
+      <p:nvGrpSpPr>
+        <p:cNvPr id="1" name=""/>
+        <p:cNvGrpSpPr/>
+        <p:nvPr/>
+      </p:nvGrpSpPr>
+      <p:grpSpPr>
+        <a:xfrm>
+          <a:off x="0" y="0"/>
+          <a:ext cx="0" cy="0"/>
+          <a:chOff x="0" y="0"/>
+          <a:chExt cx="0" cy="0"/>
+        </a:xfrm>
+      </p:grpSpPr>
+      <p:sp>
+        <p:nvSpPr>
+          <p:cNvPr id="2" name="Title 1"/>
+          <p:cNvSpPr>
+            <a:spLocks noGrp="1"/>
+          </p:cNvSpPr>
+          <p:nvPr>
+            <p:ph type="title"/>
+          </p:nvPr>
+        </p:nvSpPr>
+        <p:spPr/>
+        <p:txBody>
+          <a:bodyPr/>
+          <a:lstStyle/>
+          <a:p>
+            <a:r>
+              <a:rPr lang="sv-SE" dirty="0" smtClean="0"/>
+              <a:t>Lysdioder</a:t>
+            </a:r>
+            <a:endParaRPr lang="sv-SE" dirty="0"/>
+          </a:p>
+        </p:txBody>
+      </p:sp>
+      <p:sp>
+        <p:nvSpPr>
+          <p:cNvPr id="3" name="Content Placeholder 2"/>
+          <p:cNvSpPr>
+            <a:spLocks noGrp="1"/>
+          </p:cNvSpPr>
+          <p:nvPr>
+            <p:ph idx="1"/>
+          </p:nvPr>
+        </p:nvSpPr>
+        <p:spPr/>
+        <p:txBody>
+          <a:bodyPr/>
+          <a:lstStyle/>
+          <a:p>
+            <a:pPr marL="137160" indent="0">
+              <a:buNone/>
+            </a:pPr>
+            <a:r>
+              <a:rPr lang="sv-SE" dirty="0" smtClean="0"/>
+              <a:t/>
+            </a:r>
+            <a:br>
+              <a:rPr lang="sv-SE" dirty="0" smtClean="0"/>
+            </a:br>
+            <a:endParaRPr lang="sv-SE" dirty="0" smtClean="0"/>
+          </a:p>
+        </p:txBody>
+      </p:sp>
+      <p:sp>
+        <p:nvSpPr>
+          <p:cNvPr id="4" name="Slide Number Placeholder 3"/>
+          <p:cNvSpPr>
+            <a:spLocks noGrp="1"/>
+          </p:cNvSpPr>
+          <p:nvPr>
+            <p:ph type="sldNum" sz="quarter" idx="12"/>
+          </p:nvPr>
+        </p:nvSpPr>
+        <p:spPr/>
+        <p:txBody>
+          <a:bodyPr/>
+          <a:lstStyle/>
+          <a:p>
+            <a:fld id="{1A411B19-8391-4D6C-9DE5-9EB0D5950738}" type="slidenum">
+              <a:rPr lang="sv-SE" smtClean="0"/>
+              <a:t>19</a:t>
+            </a:fld>
+            <a:endParaRPr lang="sv-SE"/>
+          </a:p>
+        </p:txBody>
+      </p:sp>
+      <p:pic>
+        <p:nvPicPr>
+          <p:cNvPr id="5" name="Bildobjekt 9"/>
+          <p:cNvPicPr>
+            <a:picLocks noChangeAspect="1"/>
+          </p:cNvPicPr>
+          <p:nvPr/>
+        </p:nvPicPr>
+        <p:blipFill>
+          <a:blip r:embed="rId2">
+            <a:extLst>
+              <a:ext uri="{28A0092B-C50C-407E-A947-70E740481C1C}">
+                <a14:useLocalDpi xmlns:a14="http://schemas.microsoft.com/office/drawing/2010/main" val="0"/>
+              </a:ext>
+            </a:extLst>
+          </a:blip>
+          <a:stretch>
+            <a:fillRect/>
+          </a:stretch>
+        </p:blipFill>
+        <p:spPr>
+          <a:xfrm>
+            <a:off x="908146" y="555802"/>
+            <a:ext cx="1581371" cy="504895"/>
+          </a:xfrm>
+          <a:prstGeom prst="rect">
+            <a:avLst/>
+          </a:prstGeom>
+        </p:spPr>
+      </p:pic>
+    </p:spTree>
+    <p:extLst>
+      <p:ext uri="{BB962C8B-B14F-4D97-AF65-F5344CB8AC3E}">
+        <p14:creationId xmlns:p14="http://schemas.microsoft.com/office/powerpoint/2010/main" val="1122455145"/>
+      </p:ext>
+    </p:extLst>
+  </p:cSld>
+  <p:clrMapOvr>
+    <a:masterClrMapping/>
+  </p:clrMapOvr>
+  <p:timing>
+    <p:tnLst>
+      <p:par>
+        <p:cTn id="1" dur="indefinite" restart="never" nodeType="tmRoot">
+          <p:childTnLst>
+            <p:seq concurrent="1" nextAc="seek">
+              <p:cTn id="2" dur="indefinite" nodeType="mainSeq">
+                <p:childTnLst>
+                  <p:par>
+                    <p:cTn id="3" fill="hold">
+                      <p:stCondLst>
+                        <p:cond delay="indefinite"/>
+                      </p:stCondLst>
+                      <p:childTnLst>
+                        <p:par>
+                          <p:cTn id="4" fill="hold">
+                            <p:stCondLst>
+                              <p:cond delay="0"/>
+                            </p:stCondLst>
+                            <p:childTnLst>
+                              <p:par>
+                                <p:cTn id="5" presetID="10" presetClass="entr" presetSubtype="0" fill="hold" nodeType="clickEffect">
+                                  <p:stCondLst>
+                                    <p:cond delay="0"/>
+                                  </p:stCondLst>
+                                  <p:childTnLst>
+                                    <p:set>
+                                      <p:cBhvr>
+                                        <p:cTn id="6" dur="1" fill="hold">
+                                          <p:stCondLst>
+                                            <p:cond delay="0"/>
+                                          </p:stCondLst>
+                                        </p:cTn>
+                                        <p:tgtEl>
+                                          <p:spTgt spid="3">
+                                            <p:txEl>
+                                              <p:pRg st="0" end="0"/>
+                                            </p:txEl>
+                                          </p:spTgt>
+                                        </p:tgtEl>
+                                        <p:attrNameLst>
+                                          <p:attrName>style.visibility</p:attrName>
+                                        </p:attrNameLst>
+                                      </p:cBhvr>
+                                      <p:to>
+                                        <p:strVal val="visible"/>
+                                      </p:to>
+                                    </p:set>
+                                    <p:animEffect transition="in" filter="fade">
+                                      <p:cBhvr>
+                                        <p:cTn id="7" dur="500"/>
+                                        <p:tgtEl>
+                                          <p:spTgt spid="3">
+                                            <p:txEl>
+                                              <p:pRg st="0" end="0"/>
+                                            </p:txEl>
+                                          </p:spTgt>
+                                        </p:tgtEl>
+                                      </p:cBhvr>
+                                    </p:animEffect>
+                                  </p:childTnLst>
+                                </p:cTn>
+                              </p:par>
+                            </p:childTnLst>
+                          </p:cTn>
+                        </p:par>
+                      </p:childTnLst>
+                    </p:cTn>
+                  </p:par>
+                </p:childTnLst>
+              </p:cTn>
+              <p:prevCondLst>
+                <p:cond evt="onPrev" delay="0">
+                  <p:tgtEl>
+                    <p:sldTgt/>
+                  </p:tgtEl>
+                </p:cond>
+              </p:prevCondLst>
+              <p:nextCondLst>
+                <p:cond evt="onNext" delay="0">
+                  <p:tgtEl>
+                    <p:sldTgt/>
+                  </p:tgtEl>
+                </p:cond>
+              </p:nextCondLst>
+            </p:seq>
+          </p:childTnLst>
+        </p:cTn>
       </p:par>
     </p:tnLst>
   </p:timing>
@@ -5344,6 +6380,1557 @@
     <p:extLst>
       <p:ext uri="{BB962C8B-B14F-4D97-AF65-F5344CB8AC3E}">
         <p14:creationId xmlns:p14="http://schemas.microsoft.com/office/powerpoint/2010/main" val="845771129"/>
+      </p:ext>
+    </p:extLst>
+  </p:cSld>
+  <p:clrMapOvr>
+    <a:masterClrMapping/>
+  </p:clrMapOvr>
+  <p:timing>
+    <p:tnLst>
+      <p:par>
+        <p:cTn id="1" dur="indefinite" restart="never" nodeType="tmRoot"/>
+      </p:par>
+    </p:tnLst>
+  </p:timing>
+</p:sld>
+</file>
+
+<file path=ppt/slides/slide20.xml><?xml version="1.0" encoding="utf-8"?>
+<p:sld xmlns:a="http://schemas.openxmlformats.org/drawingml/2006/main" xmlns:r="http://schemas.openxmlformats.org/officeDocument/2006/relationships" xmlns:p="http://schemas.openxmlformats.org/presentationml/2006/main">
+  <p:cSld>
+    <p:spTree>
+      <p:nvGrpSpPr>
+        <p:cNvPr id="1" name=""/>
+        <p:cNvGrpSpPr/>
+        <p:nvPr/>
+      </p:nvGrpSpPr>
+      <p:grpSpPr>
+        <a:xfrm>
+          <a:off x="0" y="0"/>
+          <a:ext cx="0" cy="0"/>
+          <a:chOff x="0" y="0"/>
+          <a:chExt cx="0" cy="0"/>
+        </a:xfrm>
+      </p:grpSpPr>
+      <p:sp>
+        <p:nvSpPr>
+          <p:cNvPr id="2" name="Title 1"/>
+          <p:cNvSpPr>
+            <a:spLocks noGrp="1"/>
+          </p:cNvSpPr>
+          <p:nvPr>
+            <p:ph type="title"/>
+          </p:nvPr>
+        </p:nvSpPr>
+        <p:spPr/>
+        <p:txBody>
+          <a:bodyPr/>
+          <a:lstStyle/>
+          <a:p>
+            <a:r>
+              <a:rPr lang="sv-SE" dirty="0" smtClean="0"/>
+              <a:t>Bluetooth - </a:t>
+            </a:r>
+            <a:r>
+              <a:rPr lang="sv-SE" dirty="0" err="1" smtClean="0"/>
+              <a:t>Firefly</a:t>
+            </a:r>
+            <a:endParaRPr lang="sv-SE" dirty="0"/>
+          </a:p>
+        </p:txBody>
+      </p:sp>
+      <p:sp>
+        <p:nvSpPr>
+          <p:cNvPr id="3" name="Content Placeholder 2"/>
+          <p:cNvSpPr>
+            <a:spLocks noGrp="1"/>
+          </p:cNvSpPr>
+          <p:nvPr>
+            <p:ph idx="1"/>
+          </p:nvPr>
+        </p:nvSpPr>
+        <p:spPr/>
+        <p:txBody>
+          <a:bodyPr/>
+          <a:lstStyle/>
+          <a:p>
+            <a:pPr marL="137160" indent="0">
+              <a:buNone/>
+            </a:pPr>
+            <a:endParaRPr lang="sv-SE" dirty="0" smtClean="0"/>
+          </a:p>
+          <a:p>
+            <a:pPr marL="137160" indent="0">
+              <a:buNone/>
+            </a:pPr>
+            <a:r>
+              <a:rPr lang="sv-SE" dirty="0" smtClean="0"/>
+              <a:t/>
+            </a:r>
+            <a:br>
+              <a:rPr lang="sv-SE" dirty="0" smtClean="0"/>
+            </a:br>
+            <a:endParaRPr lang="sv-SE" dirty="0" smtClean="0"/>
+          </a:p>
+        </p:txBody>
+      </p:sp>
+      <p:sp>
+        <p:nvSpPr>
+          <p:cNvPr id="4" name="Slide Number Placeholder 3"/>
+          <p:cNvSpPr>
+            <a:spLocks noGrp="1"/>
+          </p:cNvSpPr>
+          <p:nvPr>
+            <p:ph type="sldNum" sz="quarter" idx="12"/>
+          </p:nvPr>
+        </p:nvSpPr>
+        <p:spPr/>
+        <p:txBody>
+          <a:bodyPr/>
+          <a:lstStyle/>
+          <a:p>
+            <a:fld id="{1A411B19-8391-4D6C-9DE5-9EB0D5950738}" type="slidenum">
+              <a:rPr lang="sv-SE" smtClean="0"/>
+              <a:t>20</a:t>
+            </a:fld>
+            <a:endParaRPr lang="sv-SE"/>
+          </a:p>
+        </p:txBody>
+      </p:sp>
+      <p:pic>
+        <p:nvPicPr>
+          <p:cNvPr id="5" name="Bildobjekt 9"/>
+          <p:cNvPicPr>
+            <a:picLocks noChangeAspect="1"/>
+          </p:cNvPicPr>
+          <p:nvPr/>
+        </p:nvPicPr>
+        <p:blipFill>
+          <a:blip r:embed="rId2">
+            <a:extLst>
+              <a:ext uri="{28A0092B-C50C-407E-A947-70E740481C1C}">
+                <a14:useLocalDpi xmlns:a14="http://schemas.microsoft.com/office/drawing/2010/main" val="0"/>
+              </a:ext>
+            </a:extLst>
+          </a:blip>
+          <a:stretch>
+            <a:fillRect/>
+          </a:stretch>
+        </p:blipFill>
+        <p:spPr>
+          <a:xfrm>
+            <a:off x="908146" y="555802"/>
+            <a:ext cx="1581371" cy="504895"/>
+          </a:xfrm>
+          <a:prstGeom prst="rect">
+            <a:avLst/>
+          </a:prstGeom>
+        </p:spPr>
+      </p:pic>
+    </p:spTree>
+    <p:extLst>
+      <p:ext uri="{BB962C8B-B14F-4D97-AF65-F5344CB8AC3E}">
+        <p14:creationId xmlns:p14="http://schemas.microsoft.com/office/powerpoint/2010/main" val="2758334610"/>
+      </p:ext>
+    </p:extLst>
+  </p:cSld>
+  <p:clrMapOvr>
+    <a:masterClrMapping/>
+  </p:clrMapOvr>
+  <p:timing>
+    <p:tnLst>
+      <p:par>
+        <p:cTn id="1" dur="indefinite" restart="never" nodeType="tmRoot">
+          <p:childTnLst>
+            <p:seq concurrent="1" nextAc="seek">
+              <p:cTn id="2" dur="indefinite" nodeType="mainSeq">
+                <p:childTnLst>
+                  <p:par>
+                    <p:cTn id="3" fill="hold">
+                      <p:stCondLst>
+                        <p:cond delay="indefinite"/>
+                      </p:stCondLst>
+                      <p:childTnLst>
+                        <p:par>
+                          <p:cTn id="4" fill="hold">
+                            <p:stCondLst>
+                              <p:cond delay="0"/>
+                            </p:stCondLst>
+                            <p:childTnLst>
+                              <p:par>
+                                <p:cTn id="5" presetID="10" presetClass="entr" presetSubtype="0" fill="hold" nodeType="clickEffect">
+                                  <p:stCondLst>
+                                    <p:cond delay="0"/>
+                                  </p:stCondLst>
+                                  <p:childTnLst>
+                                    <p:set>
+                                      <p:cBhvr>
+                                        <p:cTn id="6" dur="1" fill="hold">
+                                          <p:stCondLst>
+                                            <p:cond delay="0"/>
+                                          </p:stCondLst>
+                                        </p:cTn>
+                                        <p:tgtEl>
+                                          <p:spTgt spid="3">
+                                            <p:txEl>
+                                              <p:pRg st="1" end="1"/>
+                                            </p:txEl>
+                                          </p:spTgt>
+                                        </p:tgtEl>
+                                        <p:attrNameLst>
+                                          <p:attrName>style.visibility</p:attrName>
+                                        </p:attrNameLst>
+                                      </p:cBhvr>
+                                      <p:to>
+                                        <p:strVal val="visible"/>
+                                      </p:to>
+                                    </p:set>
+                                    <p:animEffect transition="in" filter="fade">
+                                      <p:cBhvr>
+                                        <p:cTn id="7" dur="500"/>
+                                        <p:tgtEl>
+                                          <p:spTgt spid="3">
+                                            <p:txEl>
+                                              <p:pRg st="1" end="1"/>
+                                            </p:txEl>
+                                          </p:spTgt>
+                                        </p:tgtEl>
+                                      </p:cBhvr>
+                                    </p:animEffect>
+                                  </p:childTnLst>
+                                </p:cTn>
+                              </p:par>
+                            </p:childTnLst>
+                          </p:cTn>
+                        </p:par>
+                      </p:childTnLst>
+                    </p:cTn>
+                  </p:par>
+                </p:childTnLst>
+              </p:cTn>
+              <p:prevCondLst>
+                <p:cond evt="onPrev" delay="0">
+                  <p:tgtEl>
+                    <p:sldTgt/>
+                  </p:tgtEl>
+                </p:cond>
+              </p:prevCondLst>
+              <p:nextCondLst>
+                <p:cond evt="onNext" delay="0">
+                  <p:tgtEl>
+                    <p:sldTgt/>
+                  </p:tgtEl>
+                </p:cond>
+              </p:nextCondLst>
+            </p:seq>
+          </p:childTnLst>
+        </p:cTn>
+      </p:par>
+    </p:tnLst>
+  </p:timing>
+</p:sld>
+</file>
+
+<file path=ppt/slides/slide21.xml><?xml version="1.0" encoding="utf-8"?>
+<p:sld xmlns:a="http://schemas.openxmlformats.org/drawingml/2006/main" xmlns:r="http://schemas.openxmlformats.org/officeDocument/2006/relationships" xmlns:p="http://schemas.openxmlformats.org/presentationml/2006/main">
+  <p:cSld>
+    <p:spTree>
+      <p:nvGrpSpPr>
+        <p:cNvPr id="1" name=""/>
+        <p:cNvGrpSpPr/>
+        <p:nvPr/>
+      </p:nvGrpSpPr>
+      <p:grpSpPr>
+        <a:xfrm>
+          <a:off x="0" y="0"/>
+          <a:ext cx="0" cy="0"/>
+          <a:chOff x="0" y="0"/>
+          <a:chExt cx="0" cy="0"/>
+        </a:xfrm>
+      </p:grpSpPr>
+      <p:sp>
+        <p:nvSpPr>
+          <p:cNvPr id="2" name="Title 1"/>
+          <p:cNvSpPr>
+            <a:spLocks noGrp="1"/>
+          </p:cNvSpPr>
+          <p:nvPr>
+            <p:ph type="title"/>
+          </p:nvPr>
+        </p:nvSpPr>
+        <p:spPr/>
+        <p:txBody>
+          <a:bodyPr/>
+          <a:lstStyle/>
+          <a:p>
+            <a:r>
+              <a:rPr lang="sv-SE" dirty="0" smtClean="0"/>
+              <a:t>Styrenheten – ”slaven”</a:t>
+            </a:r>
+            <a:endParaRPr lang="sv-SE" dirty="0"/>
+          </a:p>
+        </p:txBody>
+      </p:sp>
+      <p:sp>
+        <p:nvSpPr>
+          <p:cNvPr id="3" name="Content Placeholder 2"/>
+          <p:cNvSpPr>
+            <a:spLocks noGrp="1"/>
+          </p:cNvSpPr>
+          <p:nvPr>
+            <p:ph idx="1"/>
+          </p:nvPr>
+        </p:nvSpPr>
+        <p:spPr/>
+        <p:txBody>
+          <a:bodyPr>
+            <a:normAutofit/>
+          </a:bodyPr>
+          <a:lstStyle/>
+          <a:p>
+            <a:pPr marL="137160" indent="0">
+              <a:buNone/>
+            </a:pPr>
+            <a:r>
+              <a:rPr lang="sv-SE" dirty="0"/>
+              <a:t>Styrkomponenter:</a:t>
+            </a:r>
+            <a:br>
+              <a:rPr lang="sv-SE" dirty="0"/>
+            </a:br>
+            <a:r>
+              <a:rPr lang="sv-SE" dirty="0"/>
+              <a:t>	Servomotorer</a:t>
+            </a:r>
+            <a:br>
+              <a:rPr lang="sv-SE" dirty="0"/>
+            </a:br>
+            <a:r>
+              <a:rPr lang="sv-SE" dirty="0"/>
+              <a:t>	IR-sändare</a:t>
+            </a:r>
+            <a:br>
+              <a:rPr lang="sv-SE" dirty="0"/>
+            </a:br>
+            <a:r>
+              <a:rPr lang="sv-SE" dirty="0"/>
+              <a:t>	</a:t>
+            </a:r>
+            <a:r>
+              <a:rPr lang="sv-SE" dirty="0" smtClean="0"/>
+              <a:t>Laserkanon</a:t>
+            </a:r>
+            <a:r>
+              <a:rPr lang="sv-SE" dirty="0"/>
+              <a:t/>
+            </a:r>
+            <a:br>
+              <a:rPr lang="sv-SE" dirty="0"/>
+            </a:br>
+            <a:r>
+              <a:rPr lang="sv-SE" dirty="0"/>
+              <a:t>	Lysdiod x5</a:t>
+            </a:r>
+          </a:p>
+          <a:p>
+            <a:pPr marL="137160" indent="0">
+              <a:buNone/>
+            </a:pPr>
+            <a:endParaRPr lang="sv-SE" dirty="0"/>
+          </a:p>
+          <a:p>
+            <a:pPr marL="137160" indent="0">
+              <a:buNone/>
+            </a:pPr>
+            <a:r>
+              <a:rPr lang="sv-SE" dirty="0"/>
+              <a:t>Bluetooth – enkelriktad</a:t>
+            </a:r>
+            <a:endParaRPr lang="sv-SE" dirty="0" smtClean="0"/>
+          </a:p>
+          <a:p>
+            <a:pPr marL="137160" indent="0">
+              <a:buNone/>
+            </a:pPr>
+            <a:endParaRPr lang="sv-SE" dirty="0" smtClean="0"/>
+          </a:p>
+          <a:p>
+            <a:pPr marL="137160" indent="0">
+              <a:buNone/>
+            </a:pPr>
+            <a:r>
+              <a:rPr lang="sv-SE" dirty="0" smtClean="0"/>
+              <a:t>Tar </a:t>
+            </a:r>
+            <a:r>
+              <a:rPr lang="sv-SE" dirty="0" smtClean="0"/>
+              <a:t>emot order från </a:t>
+            </a:r>
+            <a:r>
+              <a:rPr lang="sv-SE" dirty="0" smtClean="0"/>
+              <a:t>målsökningsenheten</a:t>
+            </a:r>
+            <a:endParaRPr lang="sv-SE" dirty="0" smtClean="0"/>
+          </a:p>
+        </p:txBody>
+      </p:sp>
+      <p:sp>
+        <p:nvSpPr>
+          <p:cNvPr id="4" name="Slide Number Placeholder 3"/>
+          <p:cNvSpPr>
+            <a:spLocks noGrp="1"/>
+          </p:cNvSpPr>
+          <p:nvPr>
+            <p:ph type="sldNum" sz="quarter" idx="12"/>
+          </p:nvPr>
+        </p:nvSpPr>
+        <p:spPr/>
+        <p:txBody>
+          <a:bodyPr/>
+          <a:lstStyle/>
+          <a:p>
+            <a:fld id="{1A411B19-8391-4D6C-9DE5-9EB0D5950738}" type="slidenum">
+              <a:rPr lang="sv-SE" smtClean="0"/>
+              <a:t>21</a:t>
+            </a:fld>
+            <a:endParaRPr lang="sv-SE"/>
+          </a:p>
+        </p:txBody>
+      </p:sp>
+      <p:pic>
+        <p:nvPicPr>
+          <p:cNvPr id="5" name="Bildobjekt 9"/>
+          <p:cNvPicPr>
+            <a:picLocks noChangeAspect="1"/>
+          </p:cNvPicPr>
+          <p:nvPr/>
+        </p:nvPicPr>
+        <p:blipFill>
+          <a:blip r:embed="rId2">
+            <a:extLst>
+              <a:ext uri="{28A0092B-C50C-407E-A947-70E740481C1C}">
+                <a14:useLocalDpi xmlns:a14="http://schemas.microsoft.com/office/drawing/2010/main" val="0"/>
+              </a:ext>
+            </a:extLst>
+          </a:blip>
+          <a:stretch>
+            <a:fillRect/>
+          </a:stretch>
+        </p:blipFill>
+        <p:spPr>
+          <a:xfrm>
+            <a:off x="908146" y="555802"/>
+            <a:ext cx="1581371" cy="504895"/>
+          </a:xfrm>
+          <a:prstGeom prst="rect">
+            <a:avLst/>
+          </a:prstGeom>
+        </p:spPr>
+      </p:pic>
+    </p:spTree>
+    <p:extLst>
+      <p:ext uri="{BB962C8B-B14F-4D97-AF65-F5344CB8AC3E}">
+        <p14:creationId xmlns:p14="http://schemas.microsoft.com/office/powerpoint/2010/main" val="799652257"/>
+      </p:ext>
+    </p:extLst>
+  </p:cSld>
+  <p:clrMapOvr>
+    <a:masterClrMapping/>
+  </p:clrMapOvr>
+  <p:timing>
+    <p:tnLst>
+      <p:par>
+        <p:cTn id="1" dur="indefinite" restart="never" nodeType="tmRoot"/>
+      </p:par>
+    </p:tnLst>
+  </p:timing>
+</p:sld>
+</file>
+
+<file path=ppt/slides/slide22.xml><?xml version="1.0" encoding="utf-8"?>
+<p:sld xmlns:a="http://schemas.openxmlformats.org/drawingml/2006/main" xmlns:r="http://schemas.openxmlformats.org/officeDocument/2006/relationships" xmlns:p="http://schemas.openxmlformats.org/presentationml/2006/main">
+  <p:cSld>
+    <p:spTree>
+      <p:nvGrpSpPr>
+        <p:cNvPr id="1" name=""/>
+        <p:cNvGrpSpPr/>
+        <p:nvPr/>
+      </p:nvGrpSpPr>
+      <p:grpSpPr>
+        <a:xfrm>
+          <a:off x="0" y="0"/>
+          <a:ext cx="0" cy="0"/>
+          <a:chOff x="0" y="0"/>
+          <a:chExt cx="0" cy="0"/>
+        </a:xfrm>
+      </p:grpSpPr>
+      <p:sp>
+        <p:nvSpPr>
+          <p:cNvPr id="2" name="Title 1"/>
+          <p:cNvSpPr>
+            <a:spLocks noGrp="1"/>
+          </p:cNvSpPr>
+          <p:nvPr>
+            <p:ph type="title"/>
+          </p:nvPr>
+        </p:nvSpPr>
+        <p:spPr/>
+        <p:txBody>
+          <a:bodyPr/>
+          <a:lstStyle/>
+          <a:p>
+            <a:r>
+              <a:rPr lang="sv-SE" dirty="0" smtClean="0"/>
+              <a:t>GUI</a:t>
+            </a:r>
+            <a:endParaRPr lang="sv-SE" dirty="0"/>
+          </a:p>
+        </p:txBody>
+      </p:sp>
+      <p:sp>
+        <p:nvSpPr>
+          <p:cNvPr id="3" name="Content Placeholder 2"/>
+          <p:cNvSpPr>
+            <a:spLocks noGrp="1"/>
+          </p:cNvSpPr>
+          <p:nvPr>
+            <p:ph idx="1"/>
+          </p:nvPr>
+        </p:nvSpPr>
+        <p:spPr/>
+        <p:txBody>
+          <a:bodyPr/>
+          <a:lstStyle/>
+          <a:p>
+            <a:pPr marL="137160" indent="0">
+              <a:buNone/>
+            </a:pPr>
+            <a:r>
+              <a:rPr lang="sv-SE" dirty="0" smtClean="0"/>
+              <a:t>Användning</a:t>
+            </a:r>
+            <a:br>
+              <a:rPr lang="sv-SE" dirty="0" smtClean="0"/>
+            </a:br>
+            <a:r>
+              <a:rPr lang="sv-SE" dirty="0" smtClean="0"/>
+              <a:t>	</a:t>
+            </a:r>
+            <a:br>
+              <a:rPr lang="sv-SE" dirty="0" smtClean="0"/>
+            </a:br>
+            <a:r>
+              <a:rPr lang="sv-SE" dirty="0" smtClean="0"/>
+              <a:t/>
+            </a:r>
+            <a:br>
+              <a:rPr lang="sv-SE" dirty="0" smtClean="0"/>
+            </a:br>
+            <a:r>
+              <a:rPr lang="sv-SE" dirty="0" smtClean="0"/>
+              <a:t>Kod: Java</a:t>
+            </a:r>
+          </a:p>
+        </p:txBody>
+      </p:sp>
+      <p:sp>
+        <p:nvSpPr>
+          <p:cNvPr id="4" name="Slide Number Placeholder 3"/>
+          <p:cNvSpPr>
+            <a:spLocks noGrp="1"/>
+          </p:cNvSpPr>
+          <p:nvPr>
+            <p:ph type="sldNum" sz="quarter" idx="12"/>
+          </p:nvPr>
+        </p:nvSpPr>
+        <p:spPr/>
+        <p:txBody>
+          <a:bodyPr/>
+          <a:lstStyle/>
+          <a:p>
+            <a:fld id="{1A411B19-8391-4D6C-9DE5-9EB0D5950738}" type="slidenum">
+              <a:rPr lang="sv-SE" smtClean="0"/>
+              <a:t>22</a:t>
+            </a:fld>
+            <a:endParaRPr lang="sv-SE"/>
+          </a:p>
+        </p:txBody>
+      </p:sp>
+      <p:pic>
+        <p:nvPicPr>
+          <p:cNvPr id="5" name="Bildobjekt 9"/>
+          <p:cNvPicPr>
+            <a:picLocks noChangeAspect="1"/>
+          </p:cNvPicPr>
+          <p:nvPr/>
+        </p:nvPicPr>
+        <p:blipFill>
+          <a:blip r:embed="rId2">
+            <a:extLst>
+              <a:ext uri="{28A0092B-C50C-407E-A947-70E740481C1C}">
+                <a14:useLocalDpi xmlns:a14="http://schemas.microsoft.com/office/drawing/2010/main" val="0"/>
+              </a:ext>
+            </a:extLst>
+          </a:blip>
+          <a:stretch>
+            <a:fillRect/>
+          </a:stretch>
+        </p:blipFill>
+        <p:spPr>
+          <a:xfrm>
+            <a:off x="908146" y="555802"/>
+            <a:ext cx="1581371" cy="504895"/>
+          </a:xfrm>
+          <a:prstGeom prst="rect">
+            <a:avLst/>
+          </a:prstGeom>
+        </p:spPr>
+      </p:pic>
+      <p:pic>
+        <p:nvPicPr>
+          <p:cNvPr id="7" name="Bildobjekt 3" descr="C:\Users\Student\Desktop\gui bild.PNG"/>
+          <p:cNvPicPr/>
+          <p:nvPr/>
+        </p:nvPicPr>
+        <p:blipFill>
+          <a:blip r:embed="rId3">
+            <a:extLst>
+              <a:ext uri="{28A0092B-C50C-407E-A947-70E740481C1C}">
+                <a14:useLocalDpi xmlns:a14="http://schemas.microsoft.com/office/drawing/2010/main" val="0"/>
+              </a:ext>
+            </a:extLst>
+          </a:blip>
+          <a:srcRect/>
+          <a:stretch>
+            <a:fillRect/>
+          </a:stretch>
+        </p:blipFill>
+        <p:spPr bwMode="auto">
+          <a:xfrm>
+            <a:off x="4373631" y="1858234"/>
+            <a:ext cx="7657752" cy="4193091"/>
+          </a:xfrm>
+          <a:prstGeom prst="rect">
+            <a:avLst/>
+          </a:prstGeom>
+          <a:noFill/>
+          <a:ln>
+            <a:noFill/>
+          </a:ln>
+        </p:spPr>
+      </p:pic>
+    </p:spTree>
+    <p:extLst>
+      <p:ext uri="{BB962C8B-B14F-4D97-AF65-F5344CB8AC3E}">
+        <p14:creationId xmlns:p14="http://schemas.microsoft.com/office/powerpoint/2010/main" val="2522562466"/>
+      </p:ext>
+    </p:extLst>
+  </p:cSld>
+  <p:clrMapOvr>
+    <a:masterClrMapping/>
+  </p:clrMapOvr>
+  <p:timing>
+    <p:tnLst>
+      <p:par>
+        <p:cTn id="1" dur="indefinite" restart="never" nodeType="tmRoot"/>
+      </p:par>
+    </p:tnLst>
+  </p:timing>
+</p:sld>
+</file>
+
+<file path=ppt/slides/slide23.xml><?xml version="1.0" encoding="utf-8"?>
+<p:sld xmlns:a="http://schemas.openxmlformats.org/drawingml/2006/main" xmlns:r="http://schemas.openxmlformats.org/officeDocument/2006/relationships" xmlns:p="http://schemas.openxmlformats.org/presentationml/2006/main">
+  <p:cSld>
+    <p:spTree>
+      <p:nvGrpSpPr>
+        <p:cNvPr id="1" name=""/>
+        <p:cNvGrpSpPr/>
+        <p:nvPr/>
+      </p:nvGrpSpPr>
+      <p:grpSpPr>
+        <a:xfrm>
+          <a:off x="0" y="0"/>
+          <a:ext cx="0" cy="0"/>
+          <a:chOff x="0" y="0"/>
+          <a:chExt cx="0" cy="0"/>
+        </a:xfrm>
+      </p:grpSpPr>
+      <p:sp>
+        <p:nvSpPr>
+          <p:cNvPr id="2" name="Title 1"/>
+          <p:cNvSpPr>
+            <a:spLocks noGrp="1"/>
+          </p:cNvSpPr>
+          <p:nvPr>
+            <p:ph type="title"/>
+          </p:nvPr>
+        </p:nvSpPr>
+        <p:spPr/>
+        <p:txBody>
+          <a:bodyPr/>
+          <a:lstStyle/>
+          <a:p>
+            <a:r>
+              <a:rPr lang="sv-SE" dirty="0" smtClean="0"/>
+              <a:t>Arbetsmetod</a:t>
+            </a:r>
+            <a:endParaRPr lang="sv-SE" dirty="0"/>
+          </a:p>
+        </p:txBody>
+      </p:sp>
+      <p:sp>
+        <p:nvSpPr>
+          <p:cNvPr id="3" name="Content Placeholder 2"/>
+          <p:cNvSpPr>
+            <a:spLocks noGrp="1"/>
+          </p:cNvSpPr>
+          <p:nvPr>
+            <p:ph idx="1"/>
+          </p:nvPr>
+        </p:nvSpPr>
+        <p:spPr/>
+        <p:txBody>
+          <a:bodyPr/>
+          <a:lstStyle/>
+          <a:p>
+            <a:pPr marL="0" indent="0">
+              <a:buNone/>
+            </a:pPr>
+            <a:r>
+              <a:rPr lang="sv-SE" dirty="0" smtClean="0"/>
+              <a:t>Jobbar inifrån ut</a:t>
+            </a:r>
+            <a:br>
+              <a:rPr lang="sv-SE" dirty="0" smtClean="0"/>
+            </a:br>
+            <a:r>
+              <a:rPr lang="sv-SE" dirty="0" smtClean="0"/>
+              <a:t/>
+            </a:r>
+            <a:br>
+              <a:rPr lang="sv-SE" dirty="0" smtClean="0"/>
+            </a:br>
+            <a:r>
+              <a:rPr lang="sv-SE" dirty="0" smtClean="0"/>
+              <a:t>Lösning av problem:</a:t>
+            </a:r>
+            <a:br>
+              <a:rPr lang="sv-SE" dirty="0" smtClean="0"/>
+            </a:br>
+            <a:r>
+              <a:rPr lang="sv-SE" dirty="0" smtClean="0"/>
+              <a:t>	analysera</a:t>
+            </a:r>
+            <a:br>
+              <a:rPr lang="sv-SE" dirty="0" smtClean="0"/>
+            </a:br>
+            <a:r>
+              <a:rPr lang="sv-SE" dirty="0" smtClean="0"/>
+              <a:t>	brainstorm</a:t>
+            </a:r>
+            <a:br>
+              <a:rPr lang="sv-SE" dirty="0" smtClean="0"/>
+            </a:br>
+            <a:r>
+              <a:rPr lang="sv-SE" dirty="0" smtClean="0"/>
+              <a:t>	åtgärda</a:t>
+            </a:r>
+            <a:br>
+              <a:rPr lang="sv-SE" dirty="0" smtClean="0"/>
+            </a:br>
+            <a:r>
+              <a:rPr lang="sv-SE" dirty="0" smtClean="0"/>
+              <a:t/>
+            </a:r>
+            <a:br>
+              <a:rPr lang="sv-SE" dirty="0" smtClean="0"/>
+            </a:br>
+            <a:r>
+              <a:rPr lang="sv-SE" sz="3600" dirty="0" smtClean="0"/>
+              <a:t>Testa, testa, testa!</a:t>
+            </a:r>
+            <a:endParaRPr lang="sv-SE" sz="3600" dirty="0"/>
+          </a:p>
+        </p:txBody>
+      </p:sp>
+      <p:sp>
+        <p:nvSpPr>
+          <p:cNvPr id="4" name="Slide Number Placeholder 3"/>
+          <p:cNvSpPr>
+            <a:spLocks noGrp="1"/>
+          </p:cNvSpPr>
+          <p:nvPr>
+            <p:ph type="sldNum" sz="quarter" idx="12"/>
+          </p:nvPr>
+        </p:nvSpPr>
+        <p:spPr/>
+        <p:txBody>
+          <a:bodyPr/>
+          <a:lstStyle/>
+          <a:p>
+            <a:fld id="{1A411B19-8391-4D6C-9DE5-9EB0D5950738}" type="slidenum">
+              <a:rPr lang="sv-SE" smtClean="0"/>
+              <a:t>23</a:t>
+            </a:fld>
+            <a:endParaRPr lang="sv-SE"/>
+          </a:p>
+        </p:txBody>
+      </p:sp>
+      <p:pic>
+        <p:nvPicPr>
+          <p:cNvPr id="5" name="Bildobjekt 9"/>
+          <p:cNvPicPr>
+            <a:picLocks noChangeAspect="1"/>
+          </p:cNvPicPr>
+          <p:nvPr/>
+        </p:nvPicPr>
+        <p:blipFill>
+          <a:blip r:embed="rId2">
+            <a:extLst>
+              <a:ext uri="{28A0092B-C50C-407E-A947-70E740481C1C}">
+                <a14:useLocalDpi xmlns:a14="http://schemas.microsoft.com/office/drawing/2010/main" val="0"/>
+              </a:ext>
+            </a:extLst>
+          </a:blip>
+          <a:stretch>
+            <a:fillRect/>
+          </a:stretch>
+        </p:blipFill>
+        <p:spPr>
+          <a:xfrm>
+            <a:off x="908146" y="555802"/>
+            <a:ext cx="1581371" cy="504895"/>
+          </a:xfrm>
+          <a:prstGeom prst="rect">
+            <a:avLst/>
+          </a:prstGeom>
+        </p:spPr>
+      </p:pic>
+    </p:spTree>
+    <p:extLst>
+      <p:ext uri="{BB962C8B-B14F-4D97-AF65-F5344CB8AC3E}">
+        <p14:creationId xmlns:p14="http://schemas.microsoft.com/office/powerpoint/2010/main" val="2546463700"/>
+      </p:ext>
+    </p:extLst>
+  </p:cSld>
+  <p:clrMapOvr>
+    <a:masterClrMapping/>
+  </p:clrMapOvr>
+  <p:timing>
+    <p:tnLst>
+      <p:par>
+        <p:cTn id="1" dur="indefinite" restart="never" nodeType="tmRoot"/>
+      </p:par>
+    </p:tnLst>
+  </p:timing>
+</p:sld>
+</file>
+
+<file path=ppt/slides/slide24.xml><?xml version="1.0" encoding="utf-8"?>
+<p:sld xmlns:a="http://schemas.openxmlformats.org/drawingml/2006/main" xmlns:r="http://schemas.openxmlformats.org/officeDocument/2006/relationships" xmlns:p="http://schemas.openxmlformats.org/presentationml/2006/main">
+  <p:cSld>
+    <p:spTree>
+      <p:nvGrpSpPr>
+        <p:cNvPr id="1" name=""/>
+        <p:cNvGrpSpPr/>
+        <p:nvPr/>
+      </p:nvGrpSpPr>
+      <p:grpSpPr>
+        <a:xfrm>
+          <a:off x="0" y="0"/>
+          <a:ext cx="0" cy="0"/>
+          <a:chOff x="0" y="0"/>
+          <a:chExt cx="0" cy="0"/>
+        </a:xfrm>
+      </p:grpSpPr>
+      <p:sp>
+        <p:nvSpPr>
+          <p:cNvPr id="2" name="Title 1"/>
+          <p:cNvSpPr>
+            <a:spLocks noGrp="1"/>
+          </p:cNvSpPr>
+          <p:nvPr>
+            <p:ph type="title"/>
+          </p:nvPr>
+        </p:nvSpPr>
+        <p:spPr/>
+        <p:txBody>
+          <a:bodyPr/>
+          <a:lstStyle/>
+          <a:p>
+            <a:r>
+              <a:rPr lang="sv-SE" dirty="0" smtClean="0"/>
+              <a:t>Resultat</a:t>
+            </a:r>
+            <a:endParaRPr lang="sv-SE" dirty="0"/>
+          </a:p>
+        </p:txBody>
+      </p:sp>
+      <p:sp>
+        <p:nvSpPr>
+          <p:cNvPr id="3" name="Content Placeholder 2"/>
+          <p:cNvSpPr>
+            <a:spLocks noGrp="1"/>
+          </p:cNvSpPr>
+          <p:nvPr>
+            <p:ph idx="1"/>
+          </p:nvPr>
+        </p:nvSpPr>
+        <p:spPr>
+          <a:xfrm>
+            <a:off x="609600" y="1360449"/>
+            <a:ext cx="10972800" cy="4948911"/>
+          </a:xfrm>
+        </p:spPr>
+        <p:txBody>
+          <a:bodyPr>
+            <a:normAutofit/>
+          </a:bodyPr>
+          <a:lstStyle/>
+          <a:p>
+            <a:pPr marL="137160" indent="0">
+              <a:buNone/>
+            </a:pPr>
+            <a:r>
+              <a:rPr lang="sv-SE" dirty="0" smtClean="0"/>
+              <a:t>Resultat:</a:t>
+            </a:r>
+            <a:br>
+              <a:rPr lang="sv-SE" dirty="0" smtClean="0"/>
+            </a:br>
+            <a:r>
+              <a:rPr lang="sv-SE" dirty="0" smtClean="0"/>
+              <a:t>	fungerande robot inom tidsram</a:t>
+            </a:r>
+            <a:br>
+              <a:rPr lang="sv-SE" dirty="0" smtClean="0"/>
+            </a:br>
+            <a:r>
+              <a:rPr lang="sv-SE" dirty="0" smtClean="0"/>
+              <a:t>	inga vidare problem alls</a:t>
+            </a:r>
+          </a:p>
+          <a:p>
+            <a:pPr marL="137160" indent="0">
+              <a:buNone/>
+            </a:pPr>
+            <a:r>
+              <a:rPr lang="sv-SE" dirty="0" smtClean="0"/>
+              <a:t/>
+            </a:r>
+            <a:br>
+              <a:rPr lang="sv-SE" dirty="0" smtClean="0"/>
+            </a:br>
+            <a:endParaRPr lang="sv-SE" dirty="0"/>
+          </a:p>
+        </p:txBody>
+      </p:sp>
+      <p:sp>
+        <p:nvSpPr>
+          <p:cNvPr id="4" name="Slide Number Placeholder 3"/>
+          <p:cNvSpPr>
+            <a:spLocks noGrp="1"/>
+          </p:cNvSpPr>
+          <p:nvPr>
+            <p:ph type="sldNum" sz="quarter" idx="12"/>
+          </p:nvPr>
+        </p:nvSpPr>
+        <p:spPr/>
+        <p:txBody>
+          <a:bodyPr/>
+          <a:lstStyle/>
+          <a:p>
+            <a:fld id="{1A411B19-8391-4D6C-9DE5-9EB0D5950738}" type="slidenum">
+              <a:rPr lang="sv-SE" smtClean="0"/>
+              <a:t>24</a:t>
+            </a:fld>
+            <a:endParaRPr lang="sv-SE"/>
+          </a:p>
+        </p:txBody>
+      </p:sp>
+      <p:pic>
+        <p:nvPicPr>
+          <p:cNvPr id="5" name="Bildobjekt 9"/>
+          <p:cNvPicPr>
+            <a:picLocks noChangeAspect="1"/>
+          </p:cNvPicPr>
+          <p:nvPr/>
+        </p:nvPicPr>
+        <p:blipFill>
+          <a:blip r:embed="rId2">
+            <a:extLst>
+              <a:ext uri="{28A0092B-C50C-407E-A947-70E740481C1C}">
+                <a14:useLocalDpi xmlns:a14="http://schemas.microsoft.com/office/drawing/2010/main" val="0"/>
+              </a:ext>
+            </a:extLst>
+          </a:blip>
+          <a:stretch>
+            <a:fillRect/>
+          </a:stretch>
+        </p:blipFill>
+        <p:spPr>
+          <a:xfrm>
+            <a:off x="908146" y="555802"/>
+            <a:ext cx="1581371" cy="504895"/>
+          </a:xfrm>
+          <a:prstGeom prst="rect">
+            <a:avLst/>
+          </a:prstGeom>
+        </p:spPr>
+      </p:pic>
+    </p:spTree>
+    <p:extLst>
+      <p:ext uri="{BB962C8B-B14F-4D97-AF65-F5344CB8AC3E}">
+        <p14:creationId xmlns:p14="http://schemas.microsoft.com/office/powerpoint/2010/main" val="922487978"/>
+      </p:ext>
+    </p:extLst>
+  </p:cSld>
+  <p:clrMapOvr>
+    <a:masterClrMapping/>
+  </p:clrMapOvr>
+  <p:timing>
+    <p:tnLst>
+      <p:par>
+        <p:cTn id="1" dur="indefinite" restart="never" nodeType="tmRoot"/>
+      </p:par>
+    </p:tnLst>
+  </p:timing>
+</p:sld>
+</file>
+
+<file path=ppt/slides/slide25.xml><?xml version="1.0" encoding="utf-8"?>
+<p:sld xmlns:a="http://schemas.openxmlformats.org/drawingml/2006/main" xmlns:r="http://schemas.openxmlformats.org/officeDocument/2006/relationships" xmlns:p="http://schemas.openxmlformats.org/presentationml/2006/main">
+  <p:cSld>
+    <p:spTree>
+      <p:nvGrpSpPr>
+        <p:cNvPr id="1" name=""/>
+        <p:cNvGrpSpPr/>
+        <p:nvPr/>
+      </p:nvGrpSpPr>
+      <p:grpSpPr>
+        <a:xfrm>
+          <a:off x="0" y="0"/>
+          <a:ext cx="0" cy="0"/>
+          <a:chOff x="0" y="0"/>
+          <a:chExt cx="0" cy="0"/>
+        </a:xfrm>
+      </p:grpSpPr>
+      <p:sp>
+        <p:nvSpPr>
+          <p:cNvPr id="2" name="Title 1"/>
+          <p:cNvSpPr>
+            <a:spLocks noGrp="1"/>
+          </p:cNvSpPr>
+          <p:nvPr>
+            <p:ph type="title"/>
+          </p:nvPr>
+        </p:nvSpPr>
+        <p:spPr/>
+        <p:txBody>
+          <a:bodyPr/>
+          <a:lstStyle/>
+          <a:p>
+            <a:r>
+              <a:rPr lang="sv-SE" dirty="0" smtClean="0"/>
+              <a:t>Vidareutveckling</a:t>
+            </a:r>
+            <a:endParaRPr lang="sv-SE" dirty="0"/>
+          </a:p>
+        </p:txBody>
+      </p:sp>
+      <p:sp>
+        <p:nvSpPr>
+          <p:cNvPr id="3" name="Content Placeholder 2"/>
+          <p:cNvSpPr>
+            <a:spLocks noGrp="1"/>
+          </p:cNvSpPr>
+          <p:nvPr>
+            <p:ph idx="1"/>
+          </p:nvPr>
+        </p:nvSpPr>
+        <p:spPr>
+          <a:xfrm>
+            <a:off x="609600" y="1360449"/>
+            <a:ext cx="10972800" cy="4948911"/>
+          </a:xfrm>
+        </p:spPr>
+        <p:txBody>
+          <a:bodyPr>
+            <a:normAutofit/>
+          </a:bodyPr>
+          <a:lstStyle/>
+          <a:p>
+            <a:pPr marL="137160" indent="0">
+              <a:buNone/>
+            </a:pPr>
+            <a:r>
+              <a:rPr lang="sv-SE" dirty="0" smtClean="0"/>
+              <a:t>Vidareutveckling</a:t>
+            </a:r>
+            <a:r>
+              <a:rPr lang="sv-SE" dirty="0"/>
+              <a:t>:</a:t>
+            </a:r>
+            <a:br>
+              <a:rPr lang="sv-SE" dirty="0"/>
+            </a:br>
+            <a:r>
+              <a:rPr lang="sv-SE" dirty="0"/>
+              <a:t>	Kan bli även större och bättre!</a:t>
+            </a:r>
+          </a:p>
+          <a:p>
+            <a:pPr marL="137160" indent="0">
+              <a:buNone/>
+            </a:pPr>
+            <a:endParaRPr lang="sv-SE" dirty="0"/>
+          </a:p>
+        </p:txBody>
+      </p:sp>
+      <p:sp>
+        <p:nvSpPr>
+          <p:cNvPr id="4" name="Slide Number Placeholder 3"/>
+          <p:cNvSpPr>
+            <a:spLocks noGrp="1"/>
+          </p:cNvSpPr>
+          <p:nvPr>
+            <p:ph type="sldNum" sz="quarter" idx="12"/>
+          </p:nvPr>
+        </p:nvSpPr>
+        <p:spPr/>
+        <p:txBody>
+          <a:bodyPr/>
+          <a:lstStyle/>
+          <a:p>
+            <a:fld id="{1A411B19-8391-4D6C-9DE5-9EB0D5950738}" type="slidenum">
+              <a:rPr lang="sv-SE" smtClean="0"/>
+              <a:t>25</a:t>
+            </a:fld>
+            <a:endParaRPr lang="sv-SE"/>
+          </a:p>
+        </p:txBody>
+      </p:sp>
+      <p:pic>
+        <p:nvPicPr>
+          <p:cNvPr id="5" name="Bildobjekt 9"/>
+          <p:cNvPicPr>
+            <a:picLocks noChangeAspect="1"/>
+          </p:cNvPicPr>
+          <p:nvPr/>
+        </p:nvPicPr>
+        <p:blipFill>
+          <a:blip r:embed="rId2">
+            <a:extLst>
+              <a:ext uri="{28A0092B-C50C-407E-A947-70E740481C1C}">
+                <a14:useLocalDpi xmlns:a14="http://schemas.microsoft.com/office/drawing/2010/main" val="0"/>
+              </a:ext>
+            </a:extLst>
+          </a:blip>
+          <a:stretch>
+            <a:fillRect/>
+          </a:stretch>
+        </p:blipFill>
+        <p:spPr>
+          <a:xfrm>
+            <a:off x="908146" y="555802"/>
+            <a:ext cx="1581371" cy="504895"/>
+          </a:xfrm>
+          <a:prstGeom prst="rect">
+            <a:avLst/>
+          </a:prstGeom>
+        </p:spPr>
+      </p:pic>
+    </p:spTree>
+    <p:extLst>
+      <p:ext uri="{BB962C8B-B14F-4D97-AF65-F5344CB8AC3E}">
+        <p14:creationId xmlns:p14="http://schemas.microsoft.com/office/powerpoint/2010/main" val="221010614"/>
+      </p:ext>
+    </p:extLst>
+  </p:cSld>
+  <p:clrMapOvr>
+    <a:masterClrMapping/>
+  </p:clrMapOvr>
+  <p:timing>
+    <p:tnLst>
+      <p:par>
+        <p:cTn id="1" dur="indefinite" restart="never" nodeType="tmRoot"/>
+      </p:par>
+    </p:tnLst>
+  </p:timing>
+</p:sld>
+</file>
+
+<file path=ppt/slides/slide26.xml><?xml version="1.0" encoding="utf-8"?>
+<p:sld xmlns:a="http://schemas.openxmlformats.org/drawingml/2006/main" xmlns:r="http://schemas.openxmlformats.org/officeDocument/2006/relationships" xmlns:p="http://schemas.openxmlformats.org/presentationml/2006/main">
+  <p:cSld>
+    <p:spTree>
+      <p:nvGrpSpPr>
+        <p:cNvPr id="1" name=""/>
+        <p:cNvGrpSpPr/>
+        <p:nvPr/>
+      </p:nvGrpSpPr>
+      <p:grpSpPr>
+        <a:xfrm>
+          <a:off x="0" y="0"/>
+          <a:ext cx="0" cy="0"/>
+          <a:chOff x="0" y="0"/>
+          <a:chExt cx="0" cy="0"/>
+        </a:xfrm>
+      </p:grpSpPr>
+      <p:sp>
+        <p:nvSpPr>
+          <p:cNvPr id="2" name="Title 1"/>
+          <p:cNvSpPr>
+            <a:spLocks noGrp="1"/>
+          </p:cNvSpPr>
+          <p:nvPr>
+            <p:ph type="title"/>
+          </p:nvPr>
+        </p:nvSpPr>
+        <p:spPr/>
+        <p:txBody>
+          <a:bodyPr/>
+          <a:lstStyle/>
+          <a:p>
+            <a:r>
+              <a:rPr lang="sv-SE" dirty="0" smtClean="0"/>
+              <a:t>Varför oss?</a:t>
+            </a:r>
+            <a:endParaRPr lang="sv-SE" dirty="0"/>
+          </a:p>
+        </p:txBody>
+      </p:sp>
+      <p:sp>
+        <p:nvSpPr>
+          <p:cNvPr id="3" name="Content Placeholder 2"/>
+          <p:cNvSpPr>
+            <a:spLocks noGrp="1"/>
+          </p:cNvSpPr>
+          <p:nvPr>
+            <p:ph idx="1"/>
+          </p:nvPr>
+        </p:nvSpPr>
+        <p:spPr>
+          <a:xfrm>
+            <a:off x="609600" y="1360449"/>
+            <a:ext cx="10972800" cy="4948911"/>
+          </a:xfrm>
+        </p:spPr>
+        <p:txBody>
+          <a:bodyPr>
+            <a:normAutofit/>
+          </a:bodyPr>
+          <a:lstStyle/>
+          <a:p>
+            <a:pPr marL="137160" indent="0">
+              <a:buNone/>
+            </a:pPr>
+            <a:r>
+              <a:rPr lang="sv-SE" dirty="0" smtClean="0"/>
+              <a:t>Varför </a:t>
+            </a:r>
+            <a:r>
+              <a:rPr lang="sv-SE" dirty="0"/>
+              <a:t>oss?</a:t>
+            </a:r>
+          </a:p>
+          <a:p>
+            <a:pPr marL="137160" indent="0">
+              <a:buNone/>
+            </a:pPr>
+            <a:r>
+              <a:rPr lang="sv-SE" dirty="0"/>
+              <a:t> 	potential, genomtänkt, ambitiös</a:t>
+            </a:r>
+          </a:p>
+          <a:p>
+            <a:pPr marL="137160" indent="0">
+              <a:buNone/>
+            </a:pPr>
+            <a:endParaRPr lang="sv-SE" dirty="0"/>
+          </a:p>
+        </p:txBody>
+      </p:sp>
+      <p:sp>
+        <p:nvSpPr>
+          <p:cNvPr id="4" name="Slide Number Placeholder 3"/>
+          <p:cNvSpPr>
+            <a:spLocks noGrp="1"/>
+          </p:cNvSpPr>
+          <p:nvPr>
+            <p:ph type="sldNum" sz="quarter" idx="12"/>
+          </p:nvPr>
+        </p:nvSpPr>
+        <p:spPr/>
+        <p:txBody>
+          <a:bodyPr/>
+          <a:lstStyle/>
+          <a:p>
+            <a:fld id="{1A411B19-8391-4D6C-9DE5-9EB0D5950738}" type="slidenum">
+              <a:rPr lang="sv-SE" smtClean="0"/>
+              <a:t>26</a:t>
+            </a:fld>
+            <a:endParaRPr lang="sv-SE"/>
+          </a:p>
+        </p:txBody>
+      </p:sp>
+      <p:pic>
+        <p:nvPicPr>
+          <p:cNvPr id="5" name="Bildobjekt 9"/>
+          <p:cNvPicPr>
+            <a:picLocks noChangeAspect="1"/>
+          </p:cNvPicPr>
+          <p:nvPr/>
+        </p:nvPicPr>
+        <p:blipFill>
+          <a:blip r:embed="rId2">
+            <a:extLst>
+              <a:ext uri="{28A0092B-C50C-407E-A947-70E740481C1C}">
+                <a14:useLocalDpi xmlns:a14="http://schemas.microsoft.com/office/drawing/2010/main" val="0"/>
+              </a:ext>
+            </a:extLst>
+          </a:blip>
+          <a:stretch>
+            <a:fillRect/>
+          </a:stretch>
+        </p:blipFill>
+        <p:spPr>
+          <a:xfrm>
+            <a:off x="908146" y="555802"/>
+            <a:ext cx="1581371" cy="504895"/>
+          </a:xfrm>
+          <a:prstGeom prst="rect">
+            <a:avLst/>
+          </a:prstGeom>
+        </p:spPr>
+      </p:pic>
+    </p:spTree>
+    <p:extLst>
+      <p:ext uri="{BB962C8B-B14F-4D97-AF65-F5344CB8AC3E}">
+        <p14:creationId xmlns:p14="http://schemas.microsoft.com/office/powerpoint/2010/main" val="4091378235"/>
+      </p:ext>
+    </p:extLst>
+  </p:cSld>
+  <p:clrMapOvr>
+    <a:masterClrMapping/>
+  </p:clrMapOvr>
+  <p:timing>
+    <p:tnLst>
+      <p:par>
+        <p:cTn id="1" dur="indefinite" restart="never" nodeType="tmRoot"/>
+      </p:par>
+    </p:tnLst>
+  </p:timing>
+</p:sld>
+</file>
+
+<file path=ppt/slides/slide27.xml><?xml version="1.0" encoding="utf-8"?>
+<p:sld xmlns:a="http://schemas.openxmlformats.org/drawingml/2006/main" xmlns:r="http://schemas.openxmlformats.org/officeDocument/2006/relationships" xmlns:p="http://schemas.openxmlformats.org/presentationml/2006/main">
+  <p:cSld>
+    <p:spTree>
+      <p:nvGrpSpPr>
+        <p:cNvPr id="1" name=""/>
+        <p:cNvGrpSpPr/>
+        <p:nvPr/>
+      </p:nvGrpSpPr>
+      <p:grpSpPr>
+        <a:xfrm>
+          <a:off x="0" y="0"/>
+          <a:ext cx="0" cy="0"/>
+          <a:chOff x="0" y="0"/>
+          <a:chExt cx="0" cy="0"/>
+        </a:xfrm>
+      </p:grpSpPr>
+      <p:sp>
+        <p:nvSpPr>
+          <p:cNvPr id="2" name="Title 1"/>
+          <p:cNvSpPr>
+            <a:spLocks noGrp="1"/>
+          </p:cNvSpPr>
+          <p:nvPr>
+            <p:ph type="title"/>
+          </p:nvPr>
+        </p:nvSpPr>
+        <p:spPr/>
+        <p:txBody>
+          <a:bodyPr/>
+          <a:lstStyle/>
+          <a:p>
+            <a:r>
+              <a:rPr lang="sv-SE" dirty="0" smtClean="0"/>
+              <a:t>Avslut</a:t>
+            </a:r>
+            <a:endParaRPr lang="sv-SE" dirty="0"/>
+          </a:p>
+        </p:txBody>
+      </p:sp>
+      <p:sp>
+        <p:nvSpPr>
+          <p:cNvPr id="3" name="Content Placeholder 2"/>
+          <p:cNvSpPr>
+            <a:spLocks noGrp="1"/>
+          </p:cNvSpPr>
+          <p:nvPr>
+            <p:ph idx="1"/>
+          </p:nvPr>
+        </p:nvSpPr>
+        <p:spPr>
+          <a:xfrm>
+            <a:off x="609600" y="1360449"/>
+            <a:ext cx="10972800" cy="4948911"/>
+          </a:xfrm>
+        </p:spPr>
+        <p:txBody>
+          <a:bodyPr>
+            <a:normAutofit/>
+          </a:bodyPr>
+          <a:lstStyle/>
+          <a:p>
+            <a:pPr marL="137160" indent="0">
+              <a:buNone/>
+            </a:pPr>
+            <a:endParaRPr lang="sv-SE" sz="8800" dirty="0" smtClean="0"/>
+          </a:p>
+          <a:p>
+            <a:pPr marL="137160" indent="0">
+              <a:buNone/>
+            </a:pPr>
+            <a:r>
+              <a:rPr lang="sv-SE" sz="8800" dirty="0"/>
+              <a:t>	</a:t>
+            </a:r>
+            <a:r>
+              <a:rPr lang="sv-SE" sz="8800" dirty="0" smtClean="0"/>
+              <a:t>			</a:t>
+            </a:r>
+            <a:endParaRPr lang="sv-SE" sz="8800" dirty="0"/>
+          </a:p>
+        </p:txBody>
+      </p:sp>
+      <p:sp>
+        <p:nvSpPr>
+          <p:cNvPr id="4" name="Slide Number Placeholder 3"/>
+          <p:cNvSpPr>
+            <a:spLocks noGrp="1"/>
+          </p:cNvSpPr>
+          <p:nvPr>
+            <p:ph type="sldNum" sz="quarter" idx="12"/>
+          </p:nvPr>
+        </p:nvSpPr>
+        <p:spPr/>
+        <p:txBody>
+          <a:bodyPr/>
+          <a:lstStyle/>
+          <a:p>
+            <a:fld id="{1A411B19-8391-4D6C-9DE5-9EB0D5950738}" type="slidenum">
+              <a:rPr lang="sv-SE" smtClean="0"/>
+              <a:t>27</a:t>
+            </a:fld>
+            <a:endParaRPr lang="sv-SE"/>
+          </a:p>
+        </p:txBody>
+      </p:sp>
+      <p:pic>
+        <p:nvPicPr>
+          <p:cNvPr id="5" name="Bildobjekt 9"/>
+          <p:cNvPicPr>
+            <a:picLocks noChangeAspect="1"/>
+          </p:cNvPicPr>
+          <p:nvPr/>
+        </p:nvPicPr>
+        <p:blipFill>
+          <a:blip r:embed="rId2">
+            <a:extLst>
+              <a:ext uri="{28A0092B-C50C-407E-A947-70E740481C1C}">
+                <a14:useLocalDpi xmlns:a14="http://schemas.microsoft.com/office/drawing/2010/main" val="0"/>
+              </a:ext>
+            </a:extLst>
+          </a:blip>
+          <a:stretch>
+            <a:fillRect/>
+          </a:stretch>
+        </p:blipFill>
+        <p:spPr>
+          <a:xfrm>
+            <a:off x="908146" y="555802"/>
+            <a:ext cx="1581371" cy="504895"/>
+          </a:xfrm>
+          <a:prstGeom prst="rect">
+            <a:avLst/>
+          </a:prstGeom>
+        </p:spPr>
+      </p:pic>
+      <p:sp>
+        <p:nvSpPr>
+          <p:cNvPr id="6" name="Rektangel 5"/>
+          <p:cNvSpPr/>
+          <p:nvPr/>
+        </p:nvSpPr>
+        <p:spPr>
+          <a:xfrm>
+            <a:off x="2322836" y="2940169"/>
+            <a:ext cx="7668000" cy="1044000"/>
+          </a:xfrm>
+          <a:prstGeom prst="rect">
+            <a:avLst/>
+          </a:prstGeom>
+          <a:noFill/>
+        </p:spPr>
+        <p:txBody>
+          <a:bodyPr wrap="square" lIns="91440" tIns="45720" rIns="91440" bIns="45720">
+            <a:spAutoFit/>
+          </a:bodyPr>
+          <a:lstStyle/>
+          <a:p>
+            <a:pPr algn="ctr"/>
+            <a:r>
+              <a:rPr lang="sv-SE" sz="5400" b="1" cap="none" spc="0" dirty="0" smtClean="0">
+                <a:ln w="9525">
+                  <a:solidFill>
+                    <a:schemeClr val="bg1"/>
+                  </a:solidFill>
+                  <a:prstDash val="solid"/>
+                </a:ln>
+                <a:solidFill>
+                  <a:schemeClr val="tx1"/>
+                </a:solidFill>
+                <a:effectLst>
+                  <a:outerShdw blurRad="12700" dist="38100" dir="2700000" algn="tl" rotWithShape="0">
+                    <a:schemeClr val="bg1">
+                      <a:lumMod val="50000"/>
+                    </a:schemeClr>
+                  </a:outerShdw>
+                </a:effectLst>
+              </a:rPr>
+              <a:t>Frågor?</a:t>
+            </a:r>
+            <a:endParaRPr lang="sv-SE" sz="5400" b="1" cap="none" spc="0" dirty="0">
+              <a:ln w="9525">
+                <a:solidFill>
+                  <a:schemeClr val="bg1"/>
+                </a:solidFill>
+                <a:prstDash val="solid"/>
+              </a:ln>
+              <a:solidFill>
+                <a:schemeClr val="tx1"/>
+              </a:solidFill>
+              <a:effectLst>
+                <a:outerShdw blurRad="12700" dist="38100" dir="2700000" algn="tl" rotWithShape="0">
+                  <a:schemeClr val="bg1">
+                    <a:lumMod val="50000"/>
+                  </a:schemeClr>
+                </a:outerShdw>
+              </a:effectLst>
+            </a:endParaRPr>
+          </a:p>
+        </p:txBody>
+      </p:sp>
+    </p:spTree>
+    <p:extLst>
+      <p:ext uri="{BB962C8B-B14F-4D97-AF65-F5344CB8AC3E}">
+        <p14:creationId xmlns:p14="http://schemas.microsoft.com/office/powerpoint/2010/main" val="3702482839"/>
       </p:ext>
     </p:extLst>
   </p:cSld>
@@ -6930,66 +9517,20 @@
             </a:pPr>
             <a:r>
               <a:rPr lang="sv-SE" dirty="0" smtClean="0"/>
-              <a:t>Ingående komponenter:</a:t>
-            </a:r>
-            <a:br>
-              <a:rPr lang="sv-SE" dirty="0" smtClean="0"/>
-            </a:br>
-            <a:r>
-              <a:rPr lang="sv-SE" dirty="0" smtClean="0"/>
-              <a:t>	Ultraljudssensor</a:t>
-            </a:r>
-            <a:br>
-              <a:rPr lang="sv-SE" dirty="0" smtClean="0"/>
-            </a:br>
-            <a:r>
-              <a:rPr lang="sv-SE" dirty="0" smtClean="0"/>
-              <a:t>	Lasersensor</a:t>
-            </a:r>
-            <a:br>
-              <a:rPr lang="sv-SE" dirty="0" smtClean="0"/>
-            </a:br>
-            <a:r>
-              <a:rPr lang="sv-SE" dirty="0" smtClean="0"/>
-              <a:t>	IR-sensor</a:t>
-            </a:r>
-            <a:br>
-              <a:rPr lang="sv-SE" dirty="0" smtClean="0"/>
-            </a:br>
-            <a:r>
-              <a:rPr lang="sv-SE" dirty="0" smtClean="0"/>
-              <a:t>	Tejpsensor x 2</a:t>
-            </a:r>
-            <a:br>
-              <a:rPr lang="sv-SE" dirty="0" smtClean="0"/>
-            </a:br>
-            <a:r>
-              <a:rPr lang="sv-SE" dirty="0" smtClean="0"/>
-              <a:t>	Gyro</a:t>
+              <a:t>Ingående </a:t>
+            </a:r>
+            <a:r>
+              <a:rPr lang="sv-SE" dirty="0" smtClean="0"/>
+              <a:t>komponenter</a:t>
+            </a:r>
+            <a:r>
+              <a:rPr lang="sv-SE" dirty="0" smtClean="0"/>
+              <a:t/>
             </a:r>
             <a:br>
               <a:rPr lang="sv-SE" dirty="0" smtClean="0"/>
             </a:br>
             <a:endParaRPr lang="sv-SE" dirty="0" smtClean="0"/>
-          </a:p>
-          <a:p>
-            <a:pPr marL="0" indent="0">
-              <a:buNone/>
-            </a:pPr>
-            <a:r>
-              <a:rPr lang="sv-SE" dirty="0" smtClean="0"/>
-              <a:t>Hämtar rådata från sensormoduler</a:t>
-            </a:r>
-          </a:p>
-          <a:p>
-            <a:pPr marL="0" indent="0">
-              <a:buNone/>
-            </a:pPr>
-            <a:r>
-              <a:rPr lang="sv-SE" dirty="0" smtClean="0"/>
-              <a:t>Skickar data till målsökningsenheten</a:t>
-            </a:r>
-            <a:endParaRPr lang="sv-SE" dirty="0"/>
           </a:p>
         </p:txBody>
       </p:sp>
@@ -7059,134 +9600,7 @@
   <p:timing>
     <p:tnLst>
       <p:par>
-        <p:cTn id="1" dur="indefinite" restart="never" nodeType="tmRoot">
-          <p:childTnLst>
-            <p:seq concurrent="1" nextAc="seek">
-              <p:cTn id="2" dur="indefinite" nodeType="mainSeq">
-                <p:childTnLst>
-                  <p:par>
-                    <p:cTn id="3" fill="hold">
-                      <p:stCondLst>
-                        <p:cond delay="indefinite"/>
-                      </p:stCondLst>
-                      <p:childTnLst>
-                        <p:par>
-                          <p:cTn id="4" fill="hold">
-                            <p:stCondLst>
-                              <p:cond delay="0"/>
-                            </p:stCondLst>
-                            <p:childTnLst>
-                              <p:par>
-                                <p:cTn id="5" presetID="10" presetClass="entr" presetSubtype="0" fill="hold" nodeType="clickEffect">
-                                  <p:stCondLst>
-                                    <p:cond delay="0"/>
-                                  </p:stCondLst>
-                                  <p:childTnLst>
-                                    <p:set>
-                                      <p:cBhvr>
-                                        <p:cTn id="6" dur="1" fill="hold">
-                                          <p:stCondLst>
-                                            <p:cond delay="0"/>
-                                          </p:stCondLst>
-                                        </p:cTn>
-                                        <p:tgtEl>
-                                          <p:spTgt spid="3">
-                                            <p:txEl>
-                                              <p:pRg st="1" end="1"/>
-                                            </p:txEl>
-                                          </p:spTgt>
-                                        </p:tgtEl>
-                                        <p:attrNameLst>
-                                          <p:attrName>style.visibility</p:attrName>
-                                        </p:attrNameLst>
-                                      </p:cBhvr>
-                                      <p:to>
-                                        <p:strVal val="visible"/>
-                                      </p:to>
-                                    </p:set>
-                                    <p:animEffect transition="in" filter="fade">
-                                      <p:cBhvr>
-                                        <p:cTn id="7" dur="500"/>
-                                        <p:tgtEl>
-                                          <p:spTgt spid="3">
-                                            <p:txEl>
-                                              <p:pRg st="1" end="1"/>
-                                            </p:txEl>
-                                          </p:spTgt>
-                                        </p:tgtEl>
-                                      </p:cBhvr>
-                                    </p:animEffect>
-                                  </p:childTnLst>
-                                </p:cTn>
-                              </p:par>
-                              <p:par>
-                                <p:cTn id="8" presetID="10" presetClass="entr" presetSubtype="0" fill="hold" nodeType="withEffect">
-                                  <p:stCondLst>
-                                    <p:cond delay="0"/>
-                                  </p:stCondLst>
-                                  <p:childTnLst>
-                                    <p:set>
-                                      <p:cBhvr>
-                                        <p:cTn id="9" dur="1" fill="hold">
-                                          <p:stCondLst>
-                                            <p:cond delay="0"/>
-                                          </p:stCondLst>
-                                        </p:cTn>
-                                        <p:tgtEl>
-                                          <p:spTgt spid="3">
-                                            <p:txEl>
-                                              <p:pRg st="2" end="2"/>
-                                            </p:txEl>
-                                          </p:spTgt>
-                                        </p:tgtEl>
-                                        <p:attrNameLst>
-                                          <p:attrName>style.visibility</p:attrName>
-                                        </p:attrNameLst>
-                                      </p:cBhvr>
-                                      <p:to>
-                                        <p:strVal val="visible"/>
-                                      </p:to>
-                                    </p:set>
-                                    <p:animEffect transition="in" filter="fade">
-                                      <p:cBhvr>
-                                        <p:cTn id="10" dur="500"/>
-                                        <p:tgtEl>
-                                          <p:spTgt spid="3">
-                                            <p:txEl>
-                                              <p:pRg st="2" end="2"/>
-                                            </p:txEl>
-                                          </p:spTgt>
-                                        </p:tgtEl>
-                                      </p:cBhvr>
-                                    </p:animEffect>
-                                  </p:childTnLst>
-                                </p:cTn>
-                              </p:par>
-                            </p:childTnLst>
-                          </p:cTn>
-                        </p:par>
-                      </p:childTnLst>
-                    </p:cTn>
-                  </p:par>
-                </p:childTnLst>
-              </p:cTn>
-              <p:prevCondLst>
-                <p:cond evt="onPrev" delay="0">
-                  <p:tgtEl>
-                    <p:sldTgt/>
-                  </p:tgtEl>
-                </p:cond>
-              </p:prevCondLst>
-              <p:nextCondLst>
-                <p:cond evt="onNext" delay="0">
-                  <p:tgtEl>
-                    <p:sldTgt/>
-                  </p:tgtEl>
-                </p:cond>
-              </p:nextCondLst>
-            </p:seq>
-          </p:childTnLst>
-        </p:cTn>
+        <p:cTn id="1" dur="indefinite" restart="never" nodeType="tmRoot"/>
       </p:par>
     </p:tnLst>
   </p:timing>
@@ -7220,19 +9634,14 @@
             <p:ph type="title"/>
           </p:nvPr>
         </p:nvSpPr>
-        <p:spPr>
-          <a:xfrm>
-            <a:off x="598449" y="555802"/>
-            <a:ext cx="10972800" cy="1375742"/>
-          </a:xfrm>
-        </p:spPr>
-        <p:txBody>
-          <a:bodyPr/>
-          <a:lstStyle/>
-          <a:p>
-            <a:r>
-              <a:rPr lang="sv-SE" dirty="0" smtClean="0"/>
-              <a:t>Målsökningsenheten – ”hjärnan”</a:t>
+        <p:spPr/>
+        <p:txBody>
+          <a:bodyPr/>
+          <a:lstStyle/>
+          <a:p>
+            <a:r>
+              <a:rPr lang="sv-SE" dirty="0"/>
+              <a:t>Ultraljudssensor</a:t>
             </a:r>
             <a:endParaRPr lang="sv-SE" dirty="0"/>
           </a:p>
@@ -7248,53 +9657,28 @@
             <p:ph idx="1"/>
           </p:nvPr>
         </p:nvSpPr>
-        <p:spPr>
-          <a:xfrm>
-            <a:off x="609600" y="1873405"/>
-            <a:ext cx="10972800" cy="4435954"/>
-          </a:xfrm>
-        </p:spPr>
-        <p:txBody>
-          <a:bodyPr/>
-          <a:lstStyle/>
-          <a:p>
-            <a:pPr marL="137160" indent="0">
+        <p:spPr/>
+        <p:txBody>
+          <a:bodyPr/>
+          <a:lstStyle/>
+          <a:p>
+            <a:pPr marL="0" indent="0">
               <a:buNone/>
             </a:pPr>
             <a:r>
               <a:rPr lang="sv-SE" dirty="0" smtClean="0"/>
-              <a:t>”Utför all logik”</a:t>
-            </a:r>
-          </a:p>
-          <a:p>
-            <a:pPr marL="137160" indent="0">
-              <a:buNone/>
-            </a:pPr>
-            <a:endParaRPr lang="sv-SE" dirty="0" smtClean="0"/>
-          </a:p>
-          <a:p>
-            <a:pPr marL="137160" indent="0">
-              <a:buNone/>
-            </a:pPr>
-            <a:r>
-              <a:rPr lang="sv-SE" dirty="0" smtClean="0"/>
-              <a:t>Skickar order till styrenheten</a:t>
-            </a:r>
-          </a:p>
-          <a:p>
-            <a:endParaRPr lang="sv-SE" dirty="0"/>
-          </a:p>
-          <a:p>
-            <a:pPr marL="137160" indent="0">
-              <a:buNone/>
-            </a:pPr>
-            <a:r>
-              <a:rPr lang="sv-SE" dirty="0"/>
-              <a:t>AI – 2 olika lägen</a:t>
-            </a:r>
-            <a:endParaRPr lang="sv-SE" dirty="0" smtClean="0"/>
-          </a:p>
-          <a:p>
+              <a:t/>
+            </a:r>
+            <a:br>
+              <a:rPr lang="sv-SE" dirty="0" smtClean="0"/>
+            </a:br>
+            <a:r>
+              <a:rPr lang="sv-SE" dirty="0" smtClean="0"/>
+              <a:t>	</a:t>
+            </a:r>
+            <a:br>
+              <a:rPr lang="sv-SE" dirty="0" smtClean="0"/>
+            </a:br>
             <a:endParaRPr lang="sv-SE" dirty="0"/>
           </a:p>
         </p:txBody>
@@ -7355,7 +9739,7 @@
     </p:spTree>
     <p:extLst>
       <p:ext uri="{BB962C8B-B14F-4D97-AF65-F5344CB8AC3E}">
-        <p14:creationId xmlns:p14="http://schemas.microsoft.com/office/powerpoint/2010/main" val="260441469"/>
+        <p14:creationId xmlns:p14="http://schemas.microsoft.com/office/powerpoint/2010/main" val="2870996315"/>
       </p:ext>
     </p:extLst>
   </p:cSld>
@@ -7365,152 +9749,7 @@
   <p:timing>
     <p:tnLst>
       <p:par>
-        <p:cTn id="1" dur="indefinite" restart="never" nodeType="tmRoot">
-          <p:childTnLst>
-            <p:seq concurrent="1" nextAc="seek">
-              <p:cTn id="2" dur="indefinite" nodeType="mainSeq">
-                <p:childTnLst>
-                  <p:par>
-                    <p:cTn id="3" fill="hold">
-                      <p:stCondLst>
-                        <p:cond delay="indefinite"/>
-                      </p:stCondLst>
-                      <p:childTnLst>
-                        <p:par>
-                          <p:cTn id="4" fill="hold">
-                            <p:stCondLst>
-                              <p:cond delay="0"/>
-                            </p:stCondLst>
-                            <p:childTnLst>
-                              <p:par>
-                                <p:cTn id="5" presetID="10" presetClass="entr" presetSubtype="0" fill="hold" nodeType="clickEffect">
-                                  <p:stCondLst>
-                                    <p:cond delay="0"/>
-                                  </p:stCondLst>
-                                  <p:childTnLst>
-                                    <p:set>
-                                      <p:cBhvr>
-                                        <p:cTn id="6" dur="1" fill="hold">
-                                          <p:stCondLst>
-                                            <p:cond delay="0"/>
-                                          </p:stCondLst>
-                                        </p:cTn>
-                                        <p:tgtEl>
-                                          <p:spTgt spid="3">
-                                            <p:txEl>
-                                              <p:pRg st="2" end="2"/>
-                                            </p:txEl>
-                                          </p:spTgt>
-                                        </p:tgtEl>
-                                        <p:attrNameLst>
-                                          <p:attrName>style.visibility</p:attrName>
-                                        </p:attrNameLst>
-                                      </p:cBhvr>
-                                      <p:to>
-                                        <p:strVal val="visible"/>
-                                      </p:to>
-                                    </p:set>
-                                    <p:animEffect transition="in" filter="fade">
-                                      <p:cBhvr>
-                                        <p:cTn id="7" dur="500"/>
-                                        <p:tgtEl>
-                                          <p:spTgt spid="3">
-                                            <p:txEl>
-                                              <p:pRg st="2" end="2"/>
-                                            </p:txEl>
-                                          </p:spTgt>
-                                        </p:tgtEl>
-                                      </p:cBhvr>
-                                    </p:animEffect>
-                                  </p:childTnLst>
-                                </p:cTn>
-                              </p:par>
-                            </p:childTnLst>
-                          </p:cTn>
-                        </p:par>
-                      </p:childTnLst>
-                    </p:cTn>
-                  </p:par>
-                  <p:par>
-                    <p:cTn id="8" fill="hold">
-                      <p:stCondLst>
-                        <p:cond delay="indefinite"/>
-                      </p:stCondLst>
-                      <p:childTnLst>
-                        <p:par>
-                          <p:cTn id="9" fill="hold">
-                            <p:stCondLst>
-                              <p:cond delay="0"/>
-                            </p:stCondLst>
-                            <p:childTnLst>
-                              <p:par>
-                                <p:cTn id="10" presetID="10" presetClass="entr" presetSubtype="0" fill="hold" nodeType="clickEffect">
-                                  <p:stCondLst>
-                                    <p:cond delay="0"/>
-                                  </p:stCondLst>
-                                  <p:childTnLst>
-                                    <p:set>
-                                      <p:cBhvr>
-                                        <p:cTn id="11" dur="1" fill="hold">
-                                          <p:stCondLst>
-                                            <p:cond delay="0"/>
-                                          </p:stCondLst>
-                                        </p:cTn>
-                                        <p:tgtEl>
-                                          <p:spTgt spid="3">
-                                            <p:txEl>
-                                              <p:pRg st="4" end="4"/>
-                                            </p:txEl>
-                                          </p:spTgt>
-                                        </p:tgtEl>
-                                        <p:attrNameLst>
-                                          <p:attrName>style.visibility</p:attrName>
-                                        </p:attrNameLst>
-                                      </p:cBhvr>
-                                      <p:to>
-                                        <p:strVal val="visible"/>
-                                      </p:to>
-                                    </p:set>
-                                    <p:animEffect transition="in" filter="fade">
-                                      <p:cBhvr>
-                                        <p:cTn id="12" dur="500"/>
-                                        <p:tgtEl>
-                                          <p:spTgt spid="3">
-                                            <p:txEl>
-                                              <p:pRg st="4" end="4"/>
-                                            </p:txEl>
-                                          </p:spTgt>
-                                        </p:tgtEl>
-                                      </p:cBhvr>
-                                    </p:animEffect>
-                                  </p:childTnLst>
-                                </p:cTn>
-                              </p:par>
-                            </p:childTnLst>
-                          </p:cTn>
-                        </p:par>
-                      </p:childTnLst>
-                    </p:cTn>
-                  </p:par>
-                </p:childTnLst>
-              </p:cTn>
-              <p:prevCondLst>
-                <p:cond evt="onPrev" delay="0">
-                  <p:tgtEl>
-                    <p:sldTgt/>
-                  </p:tgtEl>
-                </p:cond>
-              </p:prevCondLst>
-              <p:nextCondLst>
-                <p:cond evt="onNext" delay="0">
-                  <p:tgtEl>
-                    <p:sldTgt/>
-                  </p:tgtEl>
-                </p:cond>
-              </p:nextCondLst>
-            </p:seq>
-          </p:childTnLst>
-        </p:cTn>
+        <p:cTn id="1" dur="indefinite" restart="never" nodeType="tmRoot"/>
       </p:par>
     </p:tnLst>
   </p:timing>
@@ -7550,9 +9789,31 @@
           <a:lstStyle/>
           <a:p>
             <a:r>
-              <a:rPr lang="sv-SE" dirty="0" smtClean="0"/>
-              <a:t>AI -</a:t>
-            </a:r>
+              <a:rPr lang="sv-SE" dirty="0"/>
+              <a:t>Lasersensor</a:t>
+            </a:r>
+            <a:endParaRPr lang="sv-SE" dirty="0"/>
+          </a:p>
+        </p:txBody>
+      </p:sp>
+      <p:sp>
+        <p:nvSpPr>
+          <p:cNvPr id="3" name="Content Placeholder 2"/>
+          <p:cNvSpPr>
+            <a:spLocks noGrp="1"/>
+          </p:cNvSpPr>
+          <p:nvPr>
+            <p:ph idx="1"/>
+          </p:nvPr>
+        </p:nvSpPr>
+        <p:spPr/>
+        <p:txBody>
+          <a:bodyPr/>
+          <a:lstStyle/>
+          <a:p>
+            <a:pPr marL="0" indent="0">
+              <a:buNone/>
+            </a:pPr>
             <a:endParaRPr lang="sv-SE" dirty="0"/>
           </a:p>
         </p:txBody>
@@ -7582,7 +9843,7 @@
       </p:sp>
       <p:pic>
         <p:nvPicPr>
-          <p:cNvPr id="6" name="Bildobjekt 9"/>
+          <p:cNvPr id="5" name="Bildobjekt 9"/>
           <p:cNvPicPr>
             <a:picLocks noChangeAspect="1"/>
           </p:cNvPicPr>
@@ -7610,39 +9871,10 @@
           </a:prstGeom>
         </p:spPr>
       </p:pic>
-      <p:pic>
-        <p:nvPicPr>
-          <p:cNvPr id="7" name="Platshållare för innehåll 6"/>
-          <p:cNvPicPr>
-            <a:picLocks noGrp="1" noChangeAspect="1"/>
-          </p:cNvPicPr>
-          <p:nvPr>
-            <p:ph idx="1"/>
-          </p:nvPr>
-        </p:nvPicPr>
-        <p:blipFill>
-          <a:blip r:embed="rId3">
-            <a:extLst>
-              <a:ext uri="{28A0092B-C50C-407E-A947-70E740481C1C}">
-                <a14:useLocalDpi xmlns:a14="http://schemas.microsoft.com/office/drawing/2010/main" val="0"/>
-              </a:ext>
-            </a:extLst>
-          </a:blip>
-          <a:stretch>
-            <a:fillRect/>
-          </a:stretch>
-        </p:blipFill>
-        <p:spPr>
-          <a:xfrm>
-            <a:off x="2763309" y="1417638"/>
-            <a:ext cx="7047037" cy="5364163"/>
-          </a:xfrm>
-        </p:spPr>
-      </p:pic>
     </p:spTree>
     <p:extLst>
       <p:ext uri="{BB962C8B-B14F-4D97-AF65-F5344CB8AC3E}">
-        <p14:creationId xmlns:p14="http://schemas.microsoft.com/office/powerpoint/2010/main" val="137973162"/>
+        <p14:creationId xmlns:p14="http://schemas.microsoft.com/office/powerpoint/2010/main" val="3321762862"/>
       </p:ext>
     </p:extLst>
   </p:cSld>
@@ -7692,8 +9924,8 @@
           <a:lstStyle/>
           <a:p>
             <a:r>
-              <a:rPr lang="sv-SE" dirty="0" smtClean="0"/>
-              <a:t>Styrenheten – ”slaven”</a:t>
+              <a:rPr lang="sv-SE" dirty="0"/>
+              <a:t>IR-sensor</a:t>
             </a:r>
             <a:endParaRPr lang="sv-SE" dirty="0"/>
           </a:p>
@@ -7714,96 +9946,26 @@
           <a:bodyPr/>
           <a:lstStyle/>
           <a:p>
-            <a:pPr marL="137160" indent="0">
+            <a:pPr marL="0" indent="0">
               <a:buNone/>
             </a:pPr>
             <a:r>
               <a:rPr lang="sv-SE" dirty="0" smtClean="0"/>
-              <a:t>Tar emot order från målsökningsenheten</a:t>
-            </a:r>
-          </a:p>
-          <a:p>
-            <a:pPr marL="137160" indent="0">
-              <a:buNone/>
-            </a:pPr>
-            <a:endParaRPr lang="sv-SE" dirty="0" smtClean="0"/>
-          </a:p>
-          <a:p>
-            <a:pPr marL="137160" indent="0">
-              <a:buNone/>
-            </a:pPr>
-            <a:r>
-              <a:rPr lang="sv-SE" dirty="0" smtClean="0"/>
-              <a:t>Bluetooth </a:t>
-            </a:r>
-            <a:r>
-              <a:rPr lang="sv-SE" dirty="0"/>
-              <a:t>– </a:t>
-            </a:r>
-            <a:r>
-              <a:rPr lang="sv-SE" dirty="0" smtClean="0"/>
-              <a:t>enkelriktad</a:t>
+              <a:t/>
             </a:r>
             <a:br>
               <a:rPr lang="sv-SE" dirty="0" smtClean="0"/>
             </a:br>
-            <a:endParaRPr lang="sv-SE" dirty="0" smtClean="0"/>
-          </a:p>
-          <a:p>
-            <a:pPr marL="137160" indent="0">
-              <a:buNone/>
-            </a:pPr>
-            <a:r>
-              <a:rPr lang="sv-SE" dirty="0" smtClean="0"/>
-              <a:t>Styrkomponenter</a:t>
-            </a:r>
-            <a:r>
-              <a:rPr lang="sv-SE" dirty="0"/>
-              <a:t>:</a:t>
+            <a:r>
+              <a:rPr lang="sv-SE" dirty="0" smtClean="0"/>
+              <a:t>	</a:t>
             </a:r>
             <a:br>
-              <a:rPr lang="sv-SE" dirty="0"/>
+              <a:rPr lang="sv-SE" dirty="0" smtClean="0"/>
             </a:br>
             <a:r>
               <a:rPr lang="sv-SE" dirty="0" smtClean="0"/>
-              <a:t>	Servomotorer</a:t>
-            </a:r>
-            <a:r>
-              <a:rPr lang="sv-SE" dirty="0"/>
-              <a:t/>
-            </a:r>
-            <a:br>
-              <a:rPr lang="sv-SE" dirty="0"/>
-            </a:br>
-            <a:r>
-              <a:rPr lang="sv-SE" dirty="0"/>
               <a:t>	</a:t>
-            </a:r>
-            <a:r>
-              <a:rPr lang="sv-SE" dirty="0" smtClean="0"/>
-              <a:t>IR-sändare</a:t>
-            </a:r>
-            <a:r>
-              <a:rPr lang="sv-SE" dirty="0"/>
-              <a:t/>
-            </a:r>
-            <a:br>
-              <a:rPr lang="sv-SE" dirty="0"/>
-            </a:br>
-            <a:r>
-              <a:rPr lang="sv-SE" dirty="0"/>
-              <a:t>	</a:t>
-            </a:r>
-            <a:r>
-              <a:rPr lang="sv-SE" dirty="0" smtClean="0"/>
-              <a:t>Lasermodul</a:t>
-            </a:r>
-            <a:br>
-              <a:rPr lang="sv-SE" dirty="0" smtClean="0"/>
-            </a:br>
-            <a:r>
-              <a:rPr lang="sv-SE" dirty="0" smtClean="0"/>
-              <a:t>	Lysdiod x5</a:t>
             </a:r>
             <a:endParaRPr lang="sv-SE" dirty="0"/>
           </a:p>
@@ -7865,7 +10027,7 @@
     </p:spTree>
     <p:extLst>
       <p:ext uri="{BB962C8B-B14F-4D97-AF65-F5344CB8AC3E}">
-        <p14:creationId xmlns:p14="http://schemas.microsoft.com/office/powerpoint/2010/main" val="2685041820"/>
+        <p14:creationId xmlns:p14="http://schemas.microsoft.com/office/powerpoint/2010/main" val="253860976"/>
       </p:ext>
     </p:extLst>
   </p:cSld>
@@ -7875,152 +10037,7 @@
   <p:timing>
     <p:tnLst>
       <p:par>
-        <p:cTn id="1" dur="indefinite" restart="never" nodeType="tmRoot">
-          <p:childTnLst>
-            <p:seq concurrent="1" nextAc="seek">
-              <p:cTn id="2" dur="indefinite" nodeType="mainSeq">
-                <p:childTnLst>
-                  <p:par>
-                    <p:cTn id="3" fill="hold">
-                      <p:stCondLst>
-                        <p:cond delay="indefinite"/>
-                      </p:stCondLst>
-                      <p:childTnLst>
-                        <p:par>
-                          <p:cTn id="4" fill="hold">
-                            <p:stCondLst>
-                              <p:cond delay="0"/>
-                            </p:stCondLst>
-                            <p:childTnLst>
-                              <p:par>
-                                <p:cTn id="5" presetID="10" presetClass="entr" presetSubtype="0" fill="hold" nodeType="clickEffect">
-                                  <p:stCondLst>
-                                    <p:cond delay="0"/>
-                                  </p:stCondLst>
-                                  <p:childTnLst>
-                                    <p:set>
-                                      <p:cBhvr>
-                                        <p:cTn id="6" dur="1" fill="hold">
-                                          <p:stCondLst>
-                                            <p:cond delay="0"/>
-                                          </p:stCondLst>
-                                        </p:cTn>
-                                        <p:tgtEl>
-                                          <p:spTgt spid="3">
-                                            <p:txEl>
-                                              <p:pRg st="2" end="2"/>
-                                            </p:txEl>
-                                          </p:spTgt>
-                                        </p:tgtEl>
-                                        <p:attrNameLst>
-                                          <p:attrName>style.visibility</p:attrName>
-                                        </p:attrNameLst>
-                                      </p:cBhvr>
-                                      <p:to>
-                                        <p:strVal val="visible"/>
-                                      </p:to>
-                                    </p:set>
-                                    <p:animEffect transition="in" filter="fade">
-                                      <p:cBhvr>
-                                        <p:cTn id="7" dur="500"/>
-                                        <p:tgtEl>
-                                          <p:spTgt spid="3">
-                                            <p:txEl>
-                                              <p:pRg st="2" end="2"/>
-                                            </p:txEl>
-                                          </p:spTgt>
-                                        </p:tgtEl>
-                                      </p:cBhvr>
-                                    </p:animEffect>
-                                  </p:childTnLst>
-                                </p:cTn>
-                              </p:par>
-                            </p:childTnLst>
-                          </p:cTn>
-                        </p:par>
-                      </p:childTnLst>
-                    </p:cTn>
-                  </p:par>
-                  <p:par>
-                    <p:cTn id="8" fill="hold">
-                      <p:stCondLst>
-                        <p:cond delay="indefinite"/>
-                      </p:stCondLst>
-                      <p:childTnLst>
-                        <p:par>
-                          <p:cTn id="9" fill="hold">
-                            <p:stCondLst>
-                              <p:cond delay="0"/>
-                            </p:stCondLst>
-                            <p:childTnLst>
-                              <p:par>
-                                <p:cTn id="10" presetID="10" presetClass="entr" presetSubtype="0" fill="hold" nodeType="clickEffect">
-                                  <p:stCondLst>
-                                    <p:cond delay="0"/>
-                                  </p:stCondLst>
-                                  <p:childTnLst>
-                                    <p:set>
-                                      <p:cBhvr>
-                                        <p:cTn id="11" dur="1" fill="hold">
-                                          <p:stCondLst>
-                                            <p:cond delay="0"/>
-                                          </p:stCondLst>
-                                        </p:cTn>
-                                        <p:tgtEl>
-                                          <p:spTgt spid="3">
-                                            <p:txEl>
-                                              <p:pRg st="3" end="3"/>
-                                            </p:txEl>
-                                          </p:spTgt>
-                                        </p:tgtEl>
-                                        <p:attrNameLst>
-                                          <p:attrName>style.visibility</p:attrName>
-                                        </p:attrNameLst>
-                                      </p:cBhvr>
-                                      <p:to>
-                                        <p:strVal val="visible"/>
-                                      </p:to>
-                                    </p:set>
-                                    <p:animEffect transition="in" filter="fade">
-                                      <p:cBhvr>
-                                        <p:cTn id="12" dur="500"/>
-                                        <p:tgtEl>
-                                          <p:spTgt spid="3">
-                                            <p:txEl>
-                                              <p:pRg st="3" end="3"/>
-                                            </p:txEl>
-                                          </p:spTgt>
-                                        </p:tgtEl>
-                                      </p:cBhvr>
-                                    </p:animEffect>
-                                  </p:childTnLst>
-                                </p:cTn>
-                              </p:par>
-                            </p:childTnLst>
-                          </p:cTn>
-                        </p:par>
-                      </p:childTnLst>
-                    </p:cTn>
-                  </p:par>
-                </p:childTnLst>
-              </p:cTn>
-              <p:prevCondLst>
-                <p:cond evt="onPrev" delay="0">
-                  <p:tgtEl>
-                    <p:sldTgt/>
-                  </p:tgtEl>
-                </p:cond>
-              </p:prevCondLst>
-              <p:nextCondLst>
-                <p:cond evt="onNext" delay="0">
-                  <p:tgtEl>
-                    <p:sldTgt/>
-                  </p:tgtEl>
-                </p:cond>
-              </p:nextCondLst>
-            </p:seq>
-          </p:childTnLst>
-        </p:cTn>
+        <p:cTn id="1" dur="indefinite" restart="never" nodeType="tmRoot"/>
       </p:par>
     </p:tnLst>
   </p:timing>

--- a/docs/TSEA29 - presentation v.01.pptx
+++ b/docs/TSEA29 - presentation v.01.pptx
@@ -3953,7 +3953,6 @@
               <a:rPr lang="sv-SE" dirty="0"/>
               <a:t>Tejpsensor</a:t>
             </a:r>
-            <a:endParaRPr lang="sv-SE" dirty="0"/>
           </a:p>
         </p:txBody>
       </p:sp>
@@ -4223,7 +4222,6 @@
               <a:rPr lang="sv-SE" dirty="0"/>
               <a:t>Sensorenheten – ”sinnena”</a:t>
             </a:r>
-            <a:endParaRPr lang="sv-SE" dirty="0"/>
           </a:p>
         </p:txBody>
       </p:sp>
@@ -5176,7 +5174,6 @@
               <a:rPr lang="sv-SE" dirty="0"/>
               <a:t>Servomotorer</a:t>
             </a:r>
-            <a:endParaRPr lang="sv-SE" dirty="0"/>
           </a:p>
         </p:txBody>
       </p:sp>
@@ -5402,7 +5399,6 @@
               <a:rPr lang="sv-SE" dirty="0"/>
               <a:t>IR-sändare</a:t>
             </a:r>
-            <a:endParaRPr lang="sv-SE" dirty="0"/>
           </a:p>
         </p:txBody>
       </p:sp>
@@ -5628,7 +5624,6 @@
               <a:rPr lang="sv-SE" dirty="0"/>
               <a:t>Laserkanon</a:t>
             </a:r>
-            <a:endParaRPr lang="sv-SE" dirty="0"/>
           </a:p>
         </p:txBody>
       </p:sp>
@@ -6761,17 +6756,8 @@
             </a:pPr>
             <a:r>
               <a:rPr lang="sv-SE" dirty="0" smtClean="0"/>
-              <a:t>Tar </a:t>
-            </a:r>
-            <a:r>
-              <a:rPr lang="sv-SE" dirty="0" smtClean="0"/>
-              <a:t>emot order från </a:t>
-            </a:r>
-            <a:r>
-              <a:rPr lang="sv-SE" dirty="0" smtClean="0"/>
-              <a:t>målsökningsenheten</a:t>
-            </a:r>
-            <a:endParaRPr lang="sv-SE" dirty="0" smtClean="0"/>
+              <a:t>Tar emot order från målsökningsenheten</a:t>
+            </a:r>
           </a:p>
         </p:txBody>
       </p:sp>
@@ -9516,21 +9502,53 @@
               <a:buNone/>
             </a:pPr>
             <a:r>
-              <a:rPr lang="sv-SE" dirty="0" smtClean="0"/>
-              <a:t>Ingående </a:t>
-            </a:r>
-            <a:r>
-              <a:rPr lang="sv-SE" dirty="0" smtClean="0"/>
-              <a:t>komponenter</a:t>
-            </a:r>
-            <a:r>
-              <a:rPr lang="sv-SE" dirty="0" smtClean="0"/>
-              <a:t/>
+              <a:rPr lang="sv-SE" dirty="0"/>
+              <a:t>Ingående komponenter</a:t>
             </a:r>
             <a:br>
-              <a:rPr lang="sv-SE" dirty="0" smtClean="0"/>
+              <a:rPr lang="sv-SE" dirty="0"/>
             </a:br>
-            <a:endParaRPr lang="sv-SE" dirty="0" smtClean="0"/>
+            <a:r>
+              <a:rPr lang="sv-SE" dirty="0"/>
+              <a:t>	Ultraljudssensor</a:t>
+            </a:r>
+          </a:p>
+          <a:p>
+            <a:pPr marL="0" indent="0">
+              <a:buNone/>
+            </a:pPr>
+            <a:r>
+              <a:rPr lang="sv-SE" dirty="0"/>
+              <a:t>	Lasersensor</a:t>
+            </a:r>
+          </a:p>
+          <a:p>
+            <a:pPr marL="0" indent="0">
+              <a:buNone/>
+            </a:pPr>
+            <a:r>
+              <a:rPr lang="sv-SE" dirty="0"/>
+              <a:t>	IR-sensor</a:t>
+            </a:r>
+          </a:p>
+          <a:p>
+            <a:pPr marL="0" indent="0">
+              <a:buNone/>
+            </a:pPr>
+            <a:r>
+              <a:rPr lang="sv-SE" dirty="0"/>
+              <a:t>	Tejpsensor x 2</a:t>
+            </a:r>
+          </a:p>
+          <a:p>
+            <a:pPr marL="0" indent="0">
+              <a:buNone/>
+            </a:pPr>
+            <a:r>
+              <a:rPr lang="sv-SE"/>
+              <a:t>	Gyro</a:t>
+            </a:r>
+            <a:endParaRPr lang="sv-SE" dirty="0"/>
           </a:p>
         </p:txBody>
       </p:sp>
@@ -9643,7 +9661,6 @@
               <a:rPr lang="sv-SE" dirty="0"/>
               <a:t>Ultraljudssensor</a:t>
             </a:r>
-            <a:endParaRPr lang="sv-SE" dirty="0"/>
           </a:p>
         </p:txBody>
       </p:sp>
@@ -9792,7 +9809,6 @@
               <a:rPr lang="sv-SE" dirty="0"/>
               <a:t>Lasersensor</a:t>
             </a:r>
-            <a:endParaRPr lang="sv-SE" dirty="0"/>
           </a:p>
         </p:txBody>
       </p:sp>
@@ -9927,7 +9943,6 @@
               <a:rPr lang="sv-SE" dirty="0"/>
               <a:t>IR-sensor</a:t>
             </a:r>
-            <a:endParaRPr lang="sv-SE" dirty="0"/>
           </a:p>
         </p:txBody>
       </p:sp>
